--- a/escaliers.pptx
+++ b/escaliers.pptx
@@ -224,7 +224,7 @@
           <a:p>
             <a:fld id="{1AE5F205-9F92-4364-BB27-9D702E108BBF}" type="datetimeFigureOut">
               <a:rPr lang="fr-FR" smtClean="0"/>
-              <a:t>24/03/2024</a:t>
+              <a:t>05/05/2024</a:t>
             </a:fld>
             <a:endParaRPr lang="fr-FR"/>
           </a:p>
@@ -390,7 +390,7 @@
           <a:p>
             <a:fld id="{FC332A08-707A-473B-ADC8-5287791CAEB0}" type="datetimeFigureOut">
               <a:rPr lang="fr-FR" smtClean="0"/>
-              <a:t>24/03/2024</a:t>
+              <a:t>05/05/2024</a:t>
             </a:fld>
             <a:endParaRPr lang="fr-FR"/>
           </a:p>
@@ -790,7 +790,7 @@
           <a:p>
             <a:fld id="{D31E1380-0A9F-4603-AC58-48312EBC6535}" type="datetime1">
               <a:rPr lang="fr-FR" smtClean="0"/>
-              <a:t>24/03/2024</a:t>
+              <a:t>05/05/2024</a:t>
             </a:fld>
             <a:endParaRPr lang="fr-FR"/>
           </a:p>
@@ -960,7 +960,7 @@
           <a:p>
             <a:fld id="{3F4037CB-0E7F-469C-88B1-D123E8603939}" type="datetime1">
               <a:rPr lang="fr-FR" smtClean="0"/>
-              <a:t>24/03/2024</a:t>
+              <a:t>05/05/2024</a:t>
             </a:fld>
             <a:endParaRPr lang="fr-FR"/>
           </a:p>
@@ -1140,7 +1140,7 @@
           <a:p>
             <a:fld id="{F82A1EB2-D990-4833-B111-146775E1CC31}" type="datetime1">
               <a:rPr lang="fr-FR" smtClean="0"/>
-              <a:t>24/03/2024</a:t>
+              <a:t>05/05/2024</a:t>
             </a:fld>
             <a:endParaRPr lang="fr-FR"/>
           </a:p>
@@ -1310,7 +1310,7 @@
           <a:p>
             <a:fld id="{85F10974-6D1C-45EF-8B7C-1146761C3113}" type="datetime1">
               <a:rPr lang="fr-FR" smtClean="0"/>
-              <a:t>24/03/2024</a:t>
+              <a:t>05/05/2024</a:t>
             </a:fld>
             <a:endParaRPr lang="fr-FR"/>
           </a:p>
@@ -1554,7 +1554,7 @@
           <a:p>
             <a:fld id="{DC34148C-78CE-4850-A998-F6971A92BEF4}" type="datetime1">
               <a:rPr lang="fr-FR" smtClean="0"/>
-              <a:t>24/03/2024</a:t>
+              <a:t>05/05/2024</a:t>
             </a:fld>
             <a:endParaRPr lang="fr-FR"/>
           </a:p>
@@ -1786,7 +1786,7 @@
           <a:p>
             <a:fld id="{98A58252-3290-48A4-A576-B3A8002083B4}" type="datetime1">
               <a:rPr lang="fr-FR" smtClean="0"/>
-              <a:t>24/03/2024</a:t>
+              <a:t>05/05/2024</a:t>
             </a:fld>
             <a:endParaRPr lang="fr-FR"/>
           </a:p>
@@ -2153,7 +2153,7 @@
           <a:p>
             <a:fld id="{3A63FD95-DAEC-49B9-9CCA-F99951CC24FD}" type="datetime1">
               <a:rPr lang="fr-FR" smtClean="0"/>
-              <a:t>24/03/2024</a:t>
+              <a:t>05/05/2024</a:t>
             </a:fld>
             <a:endParaRPr lang="fr-FR"/>
           </a:p>
@@ -2271,7 +2271,7 @@
           <a:p>
             <a:fld id="{8A30231E-2C9B-4553-AE68-92D0775C6EAD}" type="datetime1">
               <a:rPr lang="fr-FR" smtClean="0"/>
-              <a:t>24/03/2024</a:t>
+              <a:t>05/05/2024</a:t>
             </a:fld>
             <a:endParaRPr lang="fr-FR"/>
           </a:p>
@@ -2366,7 +2366,7 @@
           <a:p>
             <a:fld id="{A6DEB4C5-B870-4D86-A828-1FA41441279D}" type="datetime1">
               <a:rPr lang="fr-FR" smtClean="0"/>
-              <a:t>24/03/2024</a:t>
+              <a:t>05/05/2024</a:t>
             </a:fld>
             <a:endParaRPr lang="fr-FR"/>
           </a:p>
@@ -2643,7 +2643,7 @@
           <a:p>
             <a:fld id="{63297613-6D7C-4E8C-9830-EE061053635D}" type="datetime1">
               <a:rPr lang="fr-FR" smtClean="0"/>
-              <a:t>24/03/2024</a:t>
+              <a:t>05/05/2024</a:t>
             </a:fld>
             <a:endParaRPr lang="fr-FR"/>
           </a:p>
@@ -2900,7 +2900,7 @@
           <a:p>
             <a:fld id="{F30F028D-09CB-4438-BB93-EB757F0DDC34}" type="datetime1">
               <a:rPr lang="fr-FR" smtClean="0"/>
-              <a:t>24/03/2024</a:t>
+              <a:t>05/05/2024</a:t>
             </a:fld>
             <a:endParaRPr lang="fr-FR"/>
           </a:p>
@@ -3113,7 +3113,7 @@
           <a:p>
             <a:fld id="{6D0102F8-A850-419B-B4A6-EBE3511B74F6}" type="datetime1">
               <a:rPr lang="fr-FR" smtClean="0"/>
-              <a:t>24/03/2024</a:t>
+              <a:t>05/05/2024</a:t>
             </a:fld>
             <a:endParaRPr lang="fr-FR"/>
           </a:p>
@@ -3519,54 +3519,102 @@
           <a:chExt cx="0" cy="0"/>
         </a:xfrm>
       </p:grpSpPr>
+      <p:sp>
+        <p:nvSpPr>
+          <p:cNvPr id="5" name="TextBox 4"/>
+          <p:cNvSpPr txBox="1"/>
+          <p:nvPr/>
+        </p:nvSpPr>
+        <p:spPr>
+          <a:xfrm>
+            <a:off x="211598" y="323833"/>
+            <a:ext cx="6795587" cy="444096"/>
+          </a:xfrm>
+          <a:prstGeom prst="rect">
+            <a:avLst/>
+          </a:prstGeom>
+          <a:effectLst/>
+        </p:spPr>
+        <p:style>
+          <a:lnRef idx="2">
+            <a:schemeClr val="dk1"/>
+          </a:lnRef>
+          <a:fillRef idx="1">
+            <a:schemeClr val="lt1"/>
+          </a:fillRef>
+          <a:effectRef idx="0">
+            <a:schemeClr val="dk1"/>
+          </a:effectRef>
+          <a:fontRef idx="minor">
+            <a:schemeClr val="dk1"/>
+          </a:fontRef>
+        </p:style>
+        <p:txBody>
+          <a:bodyPr wrap="square" rtlCol="0">
+            <a:spAutoFit/>
+          </a:bodyPr>
+          <a:lstStyle/>
+          <a:p>
+            <a:pPr algn="ctr"/>
+            <a:r>
+              <a:rPr lang="fr-FR" sz="2286" dirty="0" smtClean="0"/>
+              <a:t>Organisation des séances </a:t>
+            </a:r>
+            <a:r>
+              <a:rPr lang="fr-FR" sz="2286" dirty="0"/>
+              <a:t>: Les escaliers </a:t>
+            </a:r>
+          </a:p>
+        </p:txBody>
+      </p:sp>
       <p:graphicFrame>
         <p:nvGraphicFramePr>
-          <p:cNvPr id="4" name="Table 3"/>
+          <p:cNvPr id="2" name="Table 1"/>
           <p:cNvGraphicFramePr>
             <a:graphicFrameLocks noGrp="1"/>
           </p:cNvGraphicFramePr>
           <p:nvPr>
             <p:extLst>
               <p:ext uri="{D42A27DB-BD31-4B8C-83A1-F6EECF244321}">
-                <p14:modId xmlns:p14="http://schemas.microsoft.com/office/powerpoint/2010/main" val="2556612739"/>
+                <p14:modId xmlns:p14="http://schemas.microsoft.com/office/powerpoint/2010/main" val="2799287272"/>
               </p:ext>
             </p:extLst>
           </p:nvPr>
         </p:nvGraphicFramePr>
         <p:xfrm>
-          <a:off x="211599" y="1031349"/>
-          <a:ext cx="6795586" cy="3909368"/>
+          <a:off x="211597" y="911021"/>
+          <a:ext cx="6795588" cy="5623560"/>
         </p:xfrm>
         <a:graphic>
           <a:graphicData uri="http://schemas.openxmlformats.org/drawingml/2006/table">
             <a:tbl>
               <a:tblPr firstRow="1" bandRow="1">
-                <a:tableStyleId>{7E9639D4-E3E2-4D34-9284-5A2195B3D0D7}</a:tableStyleId>
+                <a:tableStyleId>{5940675A-B579-460E-94D1-54222C63F5DA}</a:tableStyleId>
               </a:tblPr>
               <a:tblGrid>
-                <a:gridCol w="2161217">
+                <a:gridCol w="830819">
                   <a:extLst>
                     <a:ext uri="{9D8B030D-6E8A-4147-A177-3AD203B41FA5}">
-                      <a16:colId xmlns:a16="http://schemas.microsoft.com/office/drawing/2014/main" val="2698061447"/>
+                      <a16:colId xmlns:a16="http://schemas.microsoft.com/office/drawing/2014/main" val="3251450707"/>
                     </a:ext>
                   </a:extLst>
                 </a:gridCol>
-                <a:gridCol w="1182998">
+                <a:gridCol w="3029712">
                   <a:extLst>
                     <a:ext uri="{9D8B030D-6E8A-4147-A177-3AD203B41FA5}">
-                      <a16:colId xmlns:a16="http://schemas.microsoft.com/office/drawing/2014/main" val="3267629834"/>
+                      <a16:colId xmlns:a16="http://schemas.microsoft.com/office/drawing/2014/main" val="3705291744"/>
                     </a:ext>
                   </a:extLst>
                 </a:gridCol>
-                <a:gridCol w="3451371">
+                <a:gridCol w="2935057">
                   <a:extLst>
                     <a:ext uri="{9D8B030D-6E8A-4147-A177-3AD203B41FA5}">
-                      <a16:colId xmlns:a16="http://schemas.microsoft.com/office/drawing/2014/main" val="2123643010"/>
+                      <a16:colId xmlns:a16="http://schemas.microsoft.com/office/drawing/2014/main" val="3176880349"/>
                     </a:ext>
                   </a:extLst>
                 </a:gridCol>
               </a:tblGrid>
-              <a:tr h="463857">
+              <a:tr h="370840">
                 <a:tc>
                   <a:txBody>
                     <a:bodyPr/>
@@ -3574,50 +3622,17 @@
                     <a:p>
                       <a:pPr algn="ctr"/>
                       <a:r>
-                        <a:rPr lang="fr-FR" sz="1300" dirty="0" smtClean="0"/>
-                        <a:t>Etre Capable de : </a:t>
+                        <a:rPr lang="fr-FR" sz="1400" dirty="0" smtClean="0"/>
+                        <a:t>Séances</a:t>
                       </a:r>
-                      <a:endParaRPr lang="fr-FR" sz="1300" dirty="0"/>
+                      <a:r>
+                        <a:rPr lang="fr-FR" sz="1400" baseline="0" dirty="0" smtClean="0"/>
+                        <a:t> :</a:t>
+                      </a:r>
+                      <a:endParaRPr lang="fr-FR" sz="1400" dirty="0"/>
                     </a:p>
                   </a:txBody>
-                  <a:tcPr marL="132557" marR="132557" marT="66278" marB="66278">
-                    <a:lnL w="12700" cap="flat" cmpd="sng" algn="ctr">
-                      <a:solidFill>
-                        <a:schemeClr val="tx1"/>
-                      </a:solidFill>
-                      <a:prstDash val="solid"/>
-                      <a:round/>
-                      <a:headEnd type="none" w="med" len="med"/>
-                      <a:tailEnd type="none" w="med" len="med"/>
-                    </a:lnL>
-                    <a:lnR w="12700" cap="flat" cmpd="sng" algn="ctr">
-                      <a:solidFill>
-                        <a:schemeClr val="tx1"/>
-                      </a:solidFill>
-                      <a:prstDash val="solid"/>
-                      <a:round/>
-                      <a:headEnd type="none" w="med" len="med"/>
-                      <a:tailEnd type="none" w="med" len="med"/>
-                    </a:lnR>
-                    <a:lnT w="12700" cap="flat" cmpd="sng" algn="ctr">
-                      <a:solidFill>
-                        <a:schemeClr val="tx1"/>
-                      </a:solidFill>
-                      <a:prstDash val="solid"/>
-                      <a:round/>
-                      <a:headEnd type="none" w="med" len="med"/>
-                      <a:tailEnd type="none" w="med" len="med"/>
-                    </a:lnT>
-                    <a:lnB w="12700" cap="flat" cmpd="sng" algn="ctr">
-                      <a:solidFill>
-                        <a:schemeClr val="tx1"/>
-                      </a:solidFill>
-                      <a:prstDash val="solid"/>
-                      <a:round/>
-                      <a:headEnd type="none" w="med" len="med"/>
-                      <a:tailEnd type="none" w="med" len="med"/>
-                    </a:lnB>
-                  </a:tcPr>
+                  <a:tcPr anchor="ctr"/>
                 </a:tc>
                 <a:tc>
                   <a:txBody>
@@ -3626,50 +3641,13 @@
                     <a:p>
                       <a:pPr algn="ctr"/>
                       <a:r>
-                        <a:rPr lang="fr-FR" sz="1300" dirty="0" smtClean="0"/>
-                        <a:t>Compétence</a:t>
+                        <a:rPr lang="fr-FR" sz="1400" dirty="0" smtClean="0"/>
+                        <a:t>Sujets traités</a:t>
                       </a:r>
-                      <a:endParaRPr lang="fr-FR" sz="1300" dirty="0"/>
+                      <a:endParaRPr lang="fr-FR" sz="1400" dirty="0"/>
                     </a:p>
                   </a:txBody>
-                  <a:tcPr marL="132557" marR="132557" marT="66278" marB="66278">
-                    <a:lnL w="12700" cap="flat" cmpd="sng" algn="ctr">
-                      <a:solidFill>
-                        <a:schemeClr val="tx1"/>
-                      </a:solidFill>
-                      <a:prstDash val="solid"/>
-                      <a:round/>
-                      <a:headEnd type="none" w="med" len="med"/>
-                      <a:tailEnd type="none" w="med" len="med"/>
-                    </a:lnL>
-                    <a:lnR w="12700" cap="flat" cmpd="sng" algn="ctr">
-                      <a:solidFill>
-                        <a:schemeClr val="tx1"/>
-                      </a:solidFill>
-                      <a:prstDash val="solid"/>
-                      <a:round/>
-                      <a:headEnd type="none" w="med" len="med"/>
-                      <a:tailEnd type="none" w="med" len="med"/>
-                    </a:lnR>
-                    <a:lnT w="12700" cap="flat" cmpd="sng" algn="ctr">
-                      <a:solidFill>
-                        <a:schemeClr val="tx1"/>
-                      </a:solidFill>
-                      <a:prstDash val="solid"/>
-                      <a:round/>
-                      <a:headEnd type="none" w="med" len="med"/>
-                      <a:tailEnd type="none" w="med" len="med"/>
-                    </a:lnT>
-                    <a:lnB w="12700" cap="flat" cmpd="sng" algn="ctr">
-                      <a:solidFill>
-                        <a:schemeClr val="tx1"/>
-                      </a:solidFill>
-                      <a:prstDash val="solid"/>
-                      <a:round/>
-                      <a:headEnd type="none" w="med" len="med"/>
-                      <a:tailEnd type="none" w="med" len="med"/>
-                    </a:lnB>
-                  </a:tcPr>
+                  <a:tcPr anchor="ctr"/>
                 </a:tc>
                 <a:tc>
                   <a:txBody>
@@ -3678,145 +3656,21 @@
                     <a:p>
                       <a:pPr algn="ctr"/>
                       <a:r>
-                        <a:rPr lang="fr-FR" sz="1300" dirty="0" smtClean="0"/>
-                        <a:t>Quand</a:t>
+                        <a:rPr lang="fr-FR" sz="1400" dirty="0" smtClean="0"/>
+                        <a:t>Compétences et savoirs associés</a:t>
                       </a:r>
-                      <a:endParaRPr lang="fr-FR" sz="1300" dirty="0"/>
+                      <a:endParaRPr lang="fr-FR" sz="1400" dirty="0"/>
                     </a:p>
                   </a:txBody>
-                  <a:tcPr marL="132557" marR="132557" marT="66278" marB="66278">
-                    <a:lnL w="12700" cap="flat" cmpd="sng" algn="ctr">
-                      <a:solidFill>
-                        <a:schemeClr val="tx1"/>
-                      </a:solidFill>
-                      <a:prstDash val="solid"/>
-                      <a:round/>
-                      <a:headEnd type="none" w="med" len="med"/>
-                      <a:tailEnd type="none" w="med" len="med"/>
-                    </a:lnL>
-                    <a:lnR w="12700" cap="flat" cmpd="sng" algn="ctr">
-                      <a:solidFill>
-                        <a:schemeClr val="tx1"/>
-                      </a:solidFill>
-                      <a:prstDash val="solid"/>
-                      <a:round/>
-                      <a:headEnd type="none" w="med" len="med"/>
-                      <a:tailEnd type="none" w="med" len="med"/>
-                    </a:lnR>
-                    <a:lnT w="12700" cap="flat" cmpd="sng" algn="ctr">
-                      <a:solidFill>
-                        <a:schemeClr val="tx1"/>
-                      </a:solidFill>
-                      <a:prstDash val="solid"/>
-                      <a:round/>
-                      <a:headEnd type="none" w="med" len="med"/>
-                      <a:tailEnd type="none" w="med" len="med"/>
-                    </a:lnT>
-                    <a:lnB w="12700" cap="flat" cmpd="sng" algn="ctr">
-                      <a:solidFill>
-                        <a:schemeClr val="tx1"/>
-                      </a:solidFill>
-                      <a:prstDash val="solid"/>
-                      <a:round/>
-                      <a:headEnd type="none" w="med" len="med"/>
-                      <a:tailEnd type="none" w="med" len="med"/>
-                    </a:lnB>
-                  </a:tcPr>
+                  <a:tcPr anchor="ctr"/>
                 </a:tc>
                 <a:extLst>
                   <a:ext uri="{0D108BD9-81ED-4DB2-BD59-A6C34878D82A}">
-                    <a16:rowId xmlns:a16="http://schemas.microsoft.com/office/drawing/2014/main" val="632006578"/>
+                    <a16:rowId xmlns:a16="http://schemas.microsoft.com/office/drawing/2014/main" val="3340108277"/>
                   </a:ext>
                 </a:extLst>
               </a:tr>
-              <a:tr h="1554882">
-                <a:tc>
-                  <a:txBody>
-                    <a:bodyPr/>
-                    <a:lstStyle/>
-                    <a:p>
-                      <a:pPr algn="l"/>
-                      <a:r>
-                        <a:rPr lang="fr-FR" sz="1300" u="none" strike="noStrike" kern="1200" baseline="0" dirty="0" smtClean="0"/>
-                        <a:t>Comparer les performances</a:t>
-                      </a:r>
-                    </a:p>
-                    <a:p>
-                      <a:pPr algn="l"/>
-                      <a:r>
-                        <a:rPr lang="fr-FR" sz="1300" u="none" strike="noStrike" kern="1200" baseline="0" dirty="0" smtClean="0"/>
-                        <a:t>techniques sur le plan :</a:t>
-                      </a:r>
-                    </a:p>
-                    <a:p>
-                      <a:pPr algn="l"/>
-                      <a:r>
-                        <a:rPr lang="fr-FR" sz="1300" u="none" strike="noStrike" kern="1200" baseline="0" dirty="0" smtClean="0"/>
-                        <a:t>• esthétique</a:t>
-                      </a:r>
-                    </a:p>
-                    <a:p>
-                      <a:pPr algn="l"/>
-                      <a:r>
-                        <a:rPr lang="fr-FR" sz="1300" u="none" strike="noStrike" kern="1200" baseline="0" dirty="0" smtClean="0"/>
-                        <a:t>• technologique</a:t>
-                      </a:r>
-                    </a:p>
-                    <a:p>
-                      <a:pPr algn="l"/>
-                      <a:r>
-                        <a:rPr lang="fr-FR" sz="1300" u="none" strike="noStrike" kern="1200" baseline="0" dirty="0" smtClean="0"/>
-                        <a:t>• ergonomique</a:t>
-                      </a:r>
-                    </a:p>
-                    <a:p>
-                      <a:pPr algn="l"/>
-                      <a:r>
-                        <a:rPr lang="fr-FR" sz="1300" u="none" strike="noStrike" kern="1200" baseline="0" dirty="0" smtClean="0"/>
-                        <a:t>• économique</a:t>
-                      </a:r>
-                      <a:endParaRPr lang="fr-FR" sz="1300" dirty="0"/>
-                    </a:p>
-                  </a:txBody>
-                  <a:tcPr marL="132557" marR="132557" marT="66278" marB="66278">
-                    <a:lnL w="12700" cap="flat" cmpd="sng" algn="ctr">
-                      <a:solidFill>
-                        <a:schemeClr val="tx1"/>
-                      </a:solidFill>
-                      <a:prstDash val="solid"/>
-                      <a:round/>
-                      <a:headEnd type="none" w="med" len="med"/>
-                      <a:tailEnd type="none" w="med" len="med"/>
-                    </a:lnL>
-                    <a:lnR w="12700" cap="flat" cmpd="sng" algn="ctr">
-                      <a:solidFill>
-                        <a:schemeClr val="tx1"/>
-                      </a:solidFill>
-                      <a:prstDash val="solid"/>
-                      <a:round/>
-                      <a:headEnd type="none" w="med" len="med"/>
-                      <a:tailEnd type="none" w="med" len="med"/>
-                    </a:lnR>
-                    <a:lnT w="12700" cap="flat" cmpd="sng" algn="ctr">
-                      <a:solidFill>
-                        <a:schemeClr val="tx1"/>
-                      </a:solidFill>
-                      <a:prstDash val="solid"/>
-                      <a:round/>
-                      <a:headEnd type="none" w="med" len="med"/>
-                      <a:tailEnd type="none" w="med" len="med"/>
-                    </a:lnT>
-                    <a:lnB w="12700" cap="flat" cmpd="sng" algn="ctr">
-                      <a:solidFill>
-                        <a:schemeClr val="tx1"/>
-                      </a:solidFill>
-                      <a:prstDash val="solid"/>
-                      <a:round/>
-                      <a:headEnd type="none" w="med" len="med"/>
-                      <a:tailEnd type="none" w="med" len="med"/>
-                    </a:lnB>
-                  </a:tcPr>
-                </a:tc>
+              <a:tr h="370840">
                 <a:tc>
                   <a:txBody>
                     <a:bodyPr/>
@@ -3824,50 +3678,13 @@
                     <a:p>
                       <a:pPr algn="ctr"/>
                       <a:r>
-                        <a:rPr lang="fr-FR" sz="1300" dirty="0" smtClean="0"/>
-                        <a:t>C2.12</a:t>
+                        <a:rPr lang="fr-FR" sz="1400" dirty="0" smtClean="0"/>
+                        <a:t>1</a:t>
                       </a:r>
-                      <a:endParaRPr lang="fr-FR" sz="1300" dirty="0"/>
+                      <a:endParaRPr lang="fr-FR" sz="1400" dirty="0"/>
                     </a:p>
                   </a:txBody>
-                  <a:tcPr marL="132557" marR="132557" marT="66278" marB="66278" anchor="ctr">
-                    <a:lnL w="12700" cap="flat" cmpd="sng" algn="ctr">
-                      <a:solidFill>
-                        <a:schemeClr val="tx1"/>
-                      </a:solidFill>
-                      <a:prstDash val="solid"/>
-                      <a:round/>
-                      <a:headEnd type="none" w="med" len="med"/>
-                      <a:tailEnd type="none" w="med" len="med"/>
-                    </a:lnL>
-                    <a:lnR w="12700" cap="flat" cmpd="sng" algn="ctr">
-                      <a:solidFill>
-                        <a:schemeClr val="tx1"/>
-                      </a:solidFill>
-                      <a:prstDash val="solid"/>
-                      <a:round/>
-                      <a:headEnd type="none" w="med" len="med"/>
-                      <a:tailEnd type="none" w="med" len="med"/>
-                    </a:lnR>
-                    <a:lnT w="12700" cap="flat" cmpd="sng" algn="ctr">
-                      <a:solidFill>
-                        <a:schemeClr val="tx1"/>
-                      </a:solidFill>
-                      <a:prstDash val="solid"/>
-                      <a:round/>
-                      <a:headEnd type="none" w="med" len="med"/>
-                      <a:tailEnd type="none" w="med" len="med"/>
-                    </a:lnT>
-                    <a:lnB w="12700" cap="flat" cmpd="sng" algn="ctr">
-                      <a:solidFill>
-                        <a:schemeClr val="tx1"/>
-                      </a:solidFill>
-                      <a:prstDash val="solid"/>
-                      <a:round/>
-                      <a:headEnd type="none" w="med" len="med"/>
-                      <a:tailEnd type="none" w="med" len="med"/>
-                    </a:lnB>
-                  </a:tcPr>
+                  <a:tcPr anchor="ctr"/>
                 </a:tc>
                 <a:tc>
                   <a:txBody>
@@ -3876,127 +3693,205 @@
                     <a:p>
                       <a:pPr algn="l"/>
                       <a:r>
-                        <a:rPr lang="fr-FR" sz="1300" dirty="0" smtClean="0"/>
-                        <a:t>Lors</a:t>
+                        <a:rPr lang="fr-FR" sz="1400" dirty="0" smtClean="0"/>
+                        <a:t>Mise en situation</a:t>
+                      </a:r>
+                    </a:p>
+                    <a:p>
+                      <a:pPr algn="l"/>
+                      <a:r>
+                        <a:rPr lang="fr-FR" sz="1400" dirty="0" smtClean="0"/>
+                        <a:t>Découverte</a:t>
                       </a:r>
                       <a:r>
-                        <a:rPr lang="fr-FR" sz="1300" baseline="0" dirty="0" smtClean="0"/>
-                        <a:t> du t</a:t>
+                        <a:rPr lang="fr-FR" sz="1400" baseline="0" dirty="0" smtClean="0"/>
+                        <a:t> du vocabulaire</a:t>
                       </a:r>
+                    </a:p>
+                    <a:p>
+                      <a:pPr algn="l"/>
                       <a:r>
-                        <a:rPr lang="fr-FR" sz="1300" dirty="0" smtClean="0"/>
-                        <a:t>raçage</a:t>
+                        <a:rPr lang="fr-FR" sz="1400" dirty="0" smtClean="0"/>
+                        <a:t>Analyse théorique des calculs d’un escalier droit</a:t>
                       </a:r>
-                      <a:r>
-                        <a:rPr lang="fr-FR" sz="1300" baseline="0" dirty="0" smtClean="0"/>
-                        <a:t> du balancement des marches, lors du calcul de la loi blondel (choix de la hauteur des marches et de distance entre les nez de marches)</a:t>
-                      </a:r>
-                      <a:endParaRPr lang="fr-FR" sz="1300" dirty="0"/>
+                      <a:endParaRPr lang="fr-FR" sz="1400" dirty="0"/>
                     </a:p>
                   </a:txBody>
-                  <a:tcPr marL="132557" marR="132557" marT="66278" marB="66278" anchor="ctr">
-                    <a:lnL w="12700" cap="flat" cmpd="sng" algn="ctr">
-                      <a:solidFill>
-                        <a:schemeClr val="tx1"/>
-                      </a:solidFill>
-                      <a:prstDash val="solid"/>
-                      <a:round/>
-                      <a:headEnd type="none" w="med" len="med"/>
-                      <a:tailEnd type="none" w="med" len="med"/>
-                    </a:lnL>
-                    <a:lnR w="12700" cap="flat" cmpd="sng" algn="ctr">
-                      <a:solidFill>
-                        <a:schemeClr val="tx1"/>
-                      </a:solidFill>
-                      <a:prstDash val="solid"/>
-                      <a:round/>
-                      <a:headEnd type="none" w="med" len="med"/>
-                      <a:tailEnd type="none" w="med" len="med"/>
-                    </a:lnR>
-                    <a:lnT w="12700" cap="flat" cmpd="sng" algn="ctr">
-                      <a:solidFill>
-                        <a:schemeClr val="tx1"/>
-                      </a:solidFill>
-                      <a:prstDash val="solid"/>
-                      <a:round/>
-                      <a:headEnd type="none" w="med" len="med"/>
-                      <a:tailEnd type="none" w="med" len="med"/>
-                    </a:lnT>
-                    <a:lnB w="12700" cap="flat" cmpd="sng" algn="ctr">
-                      <a:solidFill>
-                        <a:schemeClr val="tx1"/>
-                      </a:solidFill>
-                      <a:prstDash val="solid"/>
-                      <a:round/>
-                      <a:headEnd type="none" w="med" len="med"/>
-                      <a:tailEnd type="none" w="med" len="med"/>
-                    </a:lnB>
-                  </a:tcPr>
+                  <a:tcPr anchor="ctr"/>
                 </a:tc>
-                <a:extLst>
-                  <a:ext uri="{0D108BD9-81ED-4DB2-BD59-A6C34878D82A}">
-                    <a16:rowId xmlns:a16="http://schemas.microsoft.com/office/drawing/2014/main" val="3534305573"/>
-                  </a:ext>
-                </a:extLst>
-              </a:tr>
-              <a:tr h="742125">
-                <a:tc>
+                <a:tc rowSpan="7">
                   <a:txBody>
                     <a:bodyPr/>
                     <a:lstStyle/>
                     <a:p>
+                      <a:pPr marL="285750" indent="-285750" algn="l">
+                        <a:buFont typeface="Arial" panose="020B0604020202020204" pitchFamily="34" charset="0"/>
+                        <a:buChar char="•"/>
+                      </a:pPr>
                       <a:r>
-                        <a:rPr lang="fr-FR" sz="1300" u="none" strike="noStrike" kern="1200" baseline="0" dirty="0" smtClean="0"/>
+                        <a:rPr lang="fr-FR" sz="1400" baseline="0" dirty="0" smtClean="0"/>
+                        <a:t>La communication technique</a:t>
+                      </a:r>
+                      <a:endParaRPr lang="fr-FR" sz="1400" dirty="0"/>
+                    </a:p>
+                    <a:p>
+                      <a:pPr marL="285750" marR="0" lvl="0" indent="-285750" algn="l" defTabSz="719907" rtl="0" eaLnBrk="1" fontAlgn="auto" latinLnBrk="0" hangingPunct="1">
+                        <a:lnSpc>
+                          <a:spcPct val="100000"/>
+                        </a:lnSpc>
+                        <a:spcBef>
+                          <a:spcPts val="0"/>
+                        </a:spcBef>
+                        <a:spcAft>
+                          <a:spcPts val="0"/>
+                        </a:spcAft>
+                        <a:buClrTx/>
+                        <a:buSzTx/>
+                        <a:buFont typeface="Arial" panose="020B0604020202020204" pitchFamily="34" charset="0"/>
+                        <a:buChar char="•"/>
+                        <a:tabLst/>
+                        <a:defRPr/>
+                      </a:pPr>
+                      <a:r>
+                        <a:rPr lang="fr-FR" sz="1400" baseline="0" dirty="0" smtClean="0"/>
+                        <a:t>Etude </a:t>
+                      </a:r>
+                      <a:r>
+                        <a:rPr lang="fr-FR" sz="1400" baseline="0" dirty="0" smtClean="0"/>
+                        <a:t>des ouvrages</a:t>
+                      </a:r>
+                      <a:endParaRPr lang="fr-FR" sz="1400" dirty="0" smtClean="0"/>
+                    </a:p>
+                    <a:p>
+                      <a:pPr marL="285750" indent="-285750" algn="l">
+                        <a:buFont typeface="Arial" panose="020B0604020202020204" pitchFamily="34" charset="0"/>
+                        <a:buChar char="•"/>
+                      </a:pPr>
+                      <a:r>
+                        <a:rPr lang="fr-FR" sz="1400" baseline="0" dirty="0" smtClean="0"/>
+                        <a:t>Représenter et réaliser sous forme papier ou informatisée et autres</a:t>
+                      </a:r>
+                    </a:p>
+                    <a:p>
+                      <a:pPr marL="285750" indent="-285750" algn="l">
+                        <a:buFont typeface="Arial" panose="020B0604020202020204" pitchFamily="34" charset="0"/>
+                        <a:buChar char="•"/>
+                      </a:pPr>
+                      <a:r>
+                        <a:rPr lang="fr-FR" sz="1400" baseline="0" dirty="0" smtClean="0"/>
+                        <a:t>Supports</a:t>
+                      </a:r>
+                    </a:p>
+                    <a:p>
+                      <a:pPr marL="285750" indent="-285750" algn="l">
+                        <a:buFont typeface="Arial" panose="020B0604020202020204" pitchFamily="34" charset="0"/>
+                        <a:buChar char="•"/>
+                      </a:pPr>
+                      <a:r>
+                        <a:rPr lang="fr-FR" sz="1400" dirty="0" smtClean="0"/>
                         <a:t>Justifier les choix et/ou les</a:t>
                       </a:r>
                     </a:p>
                     <a:p>
+                      <a:pPr marL="285750" indent="-285750" algn="l">
+                        <a:buFont typeface="Arial" panose="020B0604020202020204" pitchFamily="34" charset="0"/>
+                        <a:buChar char="•"/>
+                      </a:pPr>
                       <a:r>
-                        <a:rPr lang="fr-FR" sz="1300" u="none" strike="noStrike" kern="1200" baseline="0" dirty="0" smtClean="0"/>
+                        <a:rPr lang="fr-FR" sz="1400" dirty="0" smtClean="0"/>
                         <a:t>solutions techniques</a:t>
                       </a:r>
-                      <a:endParaRPr lang="fr-FR" sz="1300" dirty="0"/>
+                    </a:p>
+                    <a:p>
+                      <a:pPr marL="285750" indent="-285750" algn="l">
+                        <a:buFont typeface="Arial" panose="020B0604020202020204" pitchFamily="34" charset="0"/>
+                        <a:buChar char="•"/>
+                      </a:pPr>
+                      <a:r>
+                        <a:rPr lang="fr-FR" sz="1400" dirty="0" smtClean="0"/>
+                        <a:t>Etre Capable de : Compétence Quand</a:t>
+                      </a:r>
+                    </a:p>
+                    <a:p>
+                      <a:pPr marL="285750" indent="-285750" algn="l">
+                        <a:buFont typeface="Arial" panose="020B0604020202020204" pitchFamily="34" charset="0"/>
+                        <a:buChar char="•"/>
+                      </a:pPr>
+                      <a:r>
+                        <a:rPr lang="fr-FR" sz="1400" dirty="0" smtClean="0"/>
+                        <a:t>Comparer les</a:t>
+                      </a:r>
+                      <a:r>
+                        <a:rPr lang="fr-FR" sz="1400" baseline="0" dirty="0" smtClean="0"/>
+                        <a:t> </a:t>
+                      </a:r>
+                      <a:r>
+                        <a:rPr lang="fr-FR" sz="1400" dirty="0" smtClean="0"/>
+                        <a:t>performances</a:t>
+                      </a:r>
+                      <a:r>
+                        <a:rPr lang="fr-FR" sz="1400" baseline="0" dirty="0" smtClean="0"/>
+                        <a:t> </a:t>
+                      </a:r>
+                      <a:r>
+                        <a:rPr lang="fr-FR" sz="1400" dirty="0" smtClean="0"/>
+                        <a:t>techniques sur le plan :</a:t>
+                      </a:r>
+                    </a:p>
+                    <a:p>
+                      <a:pPr marL="342900" indent="-342900" algn="l">
+                        <a:buFont typeface="Wingdings" panose="05000000000000000000" pitchFamily="2" charset="2"/>
+                        <a:buChar char="ü"/>
+                      </a:pPr>
+                      <a:r>
+                        <a:rPr lang="fr-FR" sz="1400" dirty="0" smtClean="0"/>
+                        <a:t>esthétique</a:t>
+                      </a:r>
+                    </a:p>
+                    <a:p>
+                      <a:pPr marL="342900" indent="-342900" algn="l">
+                        <a:buFont typeface="Wingdings" panose="05000000000000000000" pitchFamily="2" charset="2"/>
+                        <a:buChar char="ü"/>
+                      </a:pPr>
+                      <a:r>
+                        <a:rPr lang="fr-FR" sz="1400" dirty="0" smtClean="0"/>
+                        <a:t>technologique</a:t>
+                      </a:r>
+                    </a:p>
+                    <a:p>
+                      <a:pPr marL="342900" indent="-342900" algn="l">
+                        <a:buFont typeface="Wingdings" panose="05000000000000000000" pitchFamily="2" charset="2"/>
+                        <a:buChar char="ü"/>
+                      </a:pPr>
+                      <a:r>
+                        <a:rPr lang="fr-FR" sz="1400" dirty="0" smtClean="0"/>
+                        <a:t>ergonomique</a:t>
+                      </a:r>
+                    </a:p>
+                    <a:p>
+                      <a:pPr marL="342900" indent="-342900" algn="l">
+                        <a:buFont typeface="Wingdings" panose="05000000000000000000" pitchFamily="2" charset="2"/>
+                        <a:buChar char="ü"/>
+                      </a:pPr>
+                      <a:r>
+                        <a:rPr lang="fr-FR" sz="1400" dirty="0" smtClean="0"/>
+                        <a:t>économique</a:t>
+                      </a:r>
+                    </a:p>
+                    <a:p>
+                      <a:pPr algn="l"/>
+                      <a:endParaRPr lang="fr-FR" sz="1400" dirty="0"/>
                     </a:p>
                   </a:txBody>
-                  <a:tcPr marL="132557" marR="132557" marT="66278" marB="66278">
-                    <a:lnL w="12700" cap="flat" cmpd="sng" algn="ctr">
-                      <a:solidFill>
-                        <a:schemeClr val="tx1"/>
-                      </a:solidFill>
-                      <a:prstDash val="solid"/>
-                      <a:round/>
-                      <a:headEnd type="none" w="med" len="med"/>
-                      <a:tailEnd type="none" w="med" len="med"/>
-                    </a:lnL>
-                    <a:lnR w="12700" cap="flat" cmpd="sng" algn="ctr">
-                      <a:solidFill>
-                        <a:schemeClr val="tx1"/>
-                      </a:solidFill>
-                      <a:prstDash val="solid"/>
-                      <a:round/>
-                      <a:headEnd type="none" w="med" len="med"/>
-                      <a:tailEnd type="none" w="med" len="med"/>
-                    </a:lnR>
-                    <a:lnT w="12700" cap="flat" cmpd="sng" algn="ctr">
-                      <a:solidFill>
-                        <a:schemeClr val="tx1"/>
-                      </a:solidFill>
-                      <a:prstDash val="solid"/>
-                      <a:round/>
-                      <a:headEnd type="none" w="med" len="med"/>
-                      <a:tailEnd type="none" w="med" len="med"/>
-                    </a:lnT>
-                    <a:lnB w="12700" cap="flat" cmpd="sng" algn="ctr">
-                      <a:solidFill>
-                        <a:schemeClr val="tx1"/>
-                      </a:solidFill>
-                      <a:prstDash val="solid"/>
-                      <a:round/>
-                      <a:headEnd type="none" w="med" len="med"/>
-                      <a:tailEnd type="none" w="med" len="med"/>
-                    </a:lnB>
-                  </a:tcPr>
+                  <a:tcPr anchor="ctr"/>
                 </a:tc>
+                <a:extLst>
+                  <a:ext uri="{0D108BD9-81ED-4DB2-BD59-A6C34878D82A}">
+                    <a16:rowId xmlns:a16="http://schemas.microsoft.com/office/drawing/2014/main" val="677923607"/>
+                  </a:ext>
+                </a:extLst>
+              </a:tr>
+              <a:tr h="370840">
                 <a:tc>
                   <a:txBody>
                     <a:bodyPr/>
@@ -4004,188 +3899,80 @@
                     <a:p>
                       <a:pPr algn="ctr"/>
                       <a:r>
-                        <a:rPr lang="fr-FR" sz="1300" dirty="0" smtClean="0"/>
-                        <a:t>C.14</a:t>
+                        <a:rPr lang="fr-FR" sz="1400" dirty="0" smtClean="0"/>
+                        <a:t>2</a:t>
                       </a:r>
-                      <a:endParaRPr lang="fr-FR" sz="1300" dirty="0"/>
+                      <a:endParaRPr lang="fr-FR" sz="1400" dirty="0"/>
                     </a:p>
                   </a:txBody>
-                  <a:tcPr marL="132557" marR="132557" marT="66278" marB="66278" anchor="ctr">
-                    <a:lnL w="12700" cap="flat" cmpd="sng" algn="ctr">
-                      <a:solidFill>
-                        <a:schemeClr val="tx1"/>
-                      </a:solidFill>
-                      <a:prstDash val="solid"/>
-                      <a:round/>
-                      <a:headEnd type="none" w="med" len="med"/>
-                      <a:tailEnd type="none" w="med" len="med"/>
-                    </a:lnL>
-                    <a:lnR w="12700" cap="flat" cmpd="sng" algn="ctr">
-                      <a:solidFill>
-                        <a:schemeClr val="tx1"/>
-                      </a:solidFill>
-                      <a:prstDash val="solid"/>
-                      <a:round/>
-                      <a:headEnd type="none" w="med" len="med"/>
-                      <a:tailEnd type="none" w="med" len="med"/>
-                    </a:lnR>
-                    <a:lnT w="12700" cap="flat" cmpd="sng" algn="ctr">
-                      <a:solidFill>
-                        <a:schemeClr val="tx1"/>
-                      </a:solidFill>
-                      <a:prstDash val="solid"/>
-                      <a:round/>
-                      <a:headEnd type="none" w="med" len="med"/>
-                      <a:tailEnd type="none" w="med" len="med"/>
-                    </a:lnT>
-                    <a:lnB w="12700" cap="flat" cmpd="sng" algn="ctr">
-                      <a:solidFill>
-                        <a:schemeClr val="tx1"/>
-                      </a:solidFill>
-                      <a:prstDash val="solid"/>
-                      <a:round/>
-                      <a:headEnd type="none" w="med" len="med"/>
-                      <a:tailEnd type="none" w="med" len="med"/>
-                    </a:lnB>
-                  </a:tcPr>
+                  <a:tcPr anchor="ctr"/>
                 </a:tc>
                 <a:tc>
                   <a:txBody>
                     <a:bodyPr/>
                     <a:lstStyle/>
                     <a:p>
+                      <a:pPr algn="l"/>
                       <a:r>
-                        <a:rPr lang="fr-FR" sz="1300" dirty="0" smtClean="0"/>
-                        <a:t>Lors du calcul de la</a:t>
+                        <a:rPr lang="fr-FR" sz="1400" dirty="0" smtClean="0"/>
+                        <a:t>Rappel sur les calculs</a:t>
                       </a:r>
                       <a:r>
-                        <a:rPr lang="fr-FR" sz="1300" baseline="0" dirty="0" smtClean="0"/>
-                        <a:t> hauteur des marches et du giron</a:t>
+                        <a:rPr lang="fr-FR" sz="1400" baseline="0" dirty="0" smtClean="0"/>
+                        <a:t> théoriques</a:t>
                       </a:r>
                     </a:p>
                     <a:p>
+                      <a:pPr algn="l"/>
                       <a:r>
-                        <a:rPr lang="fr-FR" sz="1300" baseline="0" dirty="0" smtClean="0"/>
-                        <a:t>Lors du choix du balancement</a:t>
+                        <a:rPr lang="fr-FR" sz="1400" baseline="0" dirty="0" smtClean="0"/>
+                        <a:t>Utilisation du vocabulaire</a:t>
                       </a:r>
-                      <a:endParaRPr lang="fr-FR" sz="1300" dirty="0"/>
+                    </a:p>
+                    <a:p>
+                      <a:pPr algn="l"/>
+                      <a:r>
+                        <a:rPr lang="fr-FR" sz="1400" baseline="0" dirty="0" smtClean="0"/>
+                        <a:t>Calculs et traçage d’un escalier droit</a:t>
+                      </a:r>
                     </a:p>
                   </a:txBody>
-                  <a:tcPr marL="132557" marR="132557" marT="66278" marB="66278" anchor="ctr">
-                    <a:lnL w="12700" cap="flat" cmpd="sng" algn="ctr">
-                      <a:solidFill>
-                        <a:schemeClr val="tx1"/>
-                      </a:solidFill>
-                      <a:prstDash val="solid"/>
-                      <a:round/>
-                      <a:headEnd type="none" w="med" len="med"/>
-                      <a:tailEnd type="none" w="med" len="med"/>
-                    </a:lnL>
-                    <a:lnR w="12700" cap="flat" cmpd="sng" algn="ctr">
-                      <a:solidFill>
-                        <a:schemeClr val="tx1"/>
-                      </a:solidFill>
-                      <a:prstDash val="solid"/>
-                      <a:round/>
-                      <a:headEnd type="none" w="med" len="med"/>
-                      <a:tailEnd type="none" w="med" len="med"/>
-                    </a:lnR>
-                    <a:lnT w="12700" cap="flat" cmpd="sng" algn="ctr">
-                      <a:solidFill>
-                        <a:schemeClr val="tx1"/>
-                      </a:solidFill>
-                      <a:prstDash val="solid"/>
-                      <a:round/>
-                      <a:headEnd type="none" w="med" len="med"/>
-                      <a:tailEnd type="none" w="med" len="med"/>
-                    </a:lnT>
-                    <a:lnB w="12700" cap="flat" cmpd="sng" algn="ctr">
-                      <a:solidFill>
-                        <a:schemeClr val="tx1"/>
-                      </a:solidFill>
-                      <a:prstDash val="solid"/>
-                      <a:round/>
-                      <a:headEnd type="none" w="med" len="med"/>
-                      <a:tailEnd type="none" w="med" len="med"/>
-                    </a:lnB>
-                  </a:tcPr>
+                  <a:tcPr anchor="ctr"/>
                 </a:tc>
-                <a:extLst>
-                  <a:ext uri="{0D108BD9-81ED-4DB2-BD59-A6C34878D82A}">
-                    <a16:rowId xmlns:a16="http://schemas.microsoft.com/office/drawing/2014/main" val="2317701477"/>
-                  </a:ext>
-                </a:extLst>
-              </a:tr>
-              <a:tr h="1148504">
-                <a:tc>
+                <a:tc vMerge="1">
                   <a:txBody>
                     <a:bodyPr/>
                     <a:lstStyle/>
                     <a:p>
-                      <a:r>
-                        <a:rPr lang="fr-FR" sz="1300" u="none" strike="noStrike" kern="1200" baseline="0" dirty="0" smtClean="0"/>
-                        <a:t>Représenter et réaliser sous</a:t>
-                      </a:r>
-                    </a:p>
-                    <a:p>
-                      <a:r>
-                        <a:rPr lang="fr-FR" sz="1300" u="none" strike="noStrike" kern="1200" baseline="0" dirty="0" smtClean="0"/>
-                        <a:t>forme papier ou</a:t>
-                      </a:r>
-                    </a:p>
-                    <a:p>
-                      <a:r>
-                        <a:rPr lang="fr-FR" sz="1300" u="none" strike="noStrike" kern="1200" baseline="0" dirty="0" smtClean="0"/>
-                        <a:t>informatisée et autres</a:t>
-                      </a:r>
-                    </a:p>
-                    <a:p>
-                      <a:r>
-                        <a:rPr lang="fr-FR" sz="1300" u="none" strike="noStrike" kern="1200" baseline="0" dirty="0" smtClean="0"/>
-                        <a:t>supports</a:t>
-                      </a:r>
-                      <a:endParaRPr lang="fr-FR" sz="1300" dirty="0"/>
+                      <a:pPr marL="0" marR="0" lvl="0" indent="0" algn="l" defTabSz="719907" rtl="0" eaLnBrk="1" fontAlgn="auto" latinLnBrk="0" hangingPunct="1">
+                        <a:lnSpc>
+                          <a:spcPct val="100000"/>
+                        </a:lnSpc>
+                        <a:spcBef>
+                          <a:spcPts val="0"/>
+                        </a:spcBef>
+                        <a:spcAft>
+                          <a:spcPts val="0"/>
+                        </a:spcAft>
+                        <a:buClrTx/>
+                        <a:buSzTx/>
+                        <a:buFontTx/>
+                        <a:buNone/>
+                        <a:tabLst/>
+                        <a:defRPr/>
+                      </a:pPr>
+                      <a:endParaRPr lang="fr-FR" sz="1400" baseline="0" dirty="0" smtClean="0"/>
                     </a:p>
                   </a:txBody>
-                  <a:tcPr marL="132557" marR="132557" marT="66278" marB="66278">
-                    <a:lnL w="12700" cap="flat" cmpd="sng" algn="ctr">
-                      <a:solidFill>
-                        <a:schemeClr val="tx1"/>
-                      </a:solidFill>
-                      <a:prstDash val="solid"/>
-                      <a:round/>
-                      <a:headEnd type="none" w="med" len="med"/>
-                      <a:tailEnd type="none" w="med" len="med"/>
-                    </a:lnL>
-                    <a:lnR w="12700" cap="flat" cmpd="sng" algn="ctr">
-                      <a:solidFill>
-                        <a:schemeClr val="tx1"/>
-                      </a:solidFill>
-                      <a:prstDash val="solid"/>
-                      <a:round/>
-                      <a:headEnd type="none" w="med" len="med"/>
-                      <a:tailEnd type="none" w="med" len="med"/>
-                    </a:lnR>
-                    <a:lnT w="12700" cap="flat" cmpd="sng" algn="ctr">
-                      <a:solidFill>
-                        <a:schemeClr val="tx1"/>
-                      </a:solidFill>
-                      <a:prstDash val="solid"/>
-                      <a:round/>
-                      <a:headEnd type="none" w="med" len="med"/>
-                      <a:tailEnd type="none" w="med" len="med"/>
-                    </a:lnT>
-                    <a:lnB w="12700" cap="flat" cmpd="sng" algn="ctr">
-                      <a:solidFill>
-                        <a:schemeClr val="tx1"/>
-                      </a:solidFill>
-                      <a:prstDash val="solid"/>
-                      <a:round/>
-                      <a:headEnd type="none" w="med" len="med"/>
-                      <a:tailEnd type="none" w="med" len="med"/>
-                    </a:lnB>
-                  </a:tcPr>
+                  <a:tcPr anchor="ctr"/>
                 </a:tc>
+                <a:extLst>
+                  <a:ext uri="{0D108BD9-81ED-4DB2-BD59-A6C34878D82A}">
+                    <a16:rowId xmlns:a16="http://schemas.microsoft.com/office/drawing/2014/main" val="1532663305"/>
+                  </a:ext>
+                </a:extLst>
+              </a:tr>
+              <a:tr h="370840">
                 <a:tc>
                   <a:txBody>
                     <a:bodyPr/>
@@ -4193,113 +3980,335 @@
                     <a:p>
                       <a:pPr algn="ctr"/>
                       <a:r>
-                        <a:rPr lang="fr-FR" sz="1300" dirty="0" smtClean="0"/>
-                        <a:t>C2.21</a:t>
+                        <a:rPr lang="fr-FR" sz="1400" dirty="0" smtClean="0"/>
+                        <a:t>3</a:t>
                       </a:r>
-                      <a:endParaRPr lang="fr-FR" sz="1300" dirty="0"/>
+                      <a:endParaRPr lang="fr-FR" sz="1400" dirty="0"/>
                     </a:p>
                   </a:txBody>
-                  <a:tcPr marL="132557" marR="132557" marT="66278" marB="66278" anchor="ctr">
-                    <a:lnL w="12700" cap="flat" cmpd="sng" algn="ctr">
-                      <a:solidFill>
-                        <a:schemeClr val="tx1"/>
-                      </a:solidFill>
-                      <a:prstDash val="solid"/>
-                      <a:round/>
-                      <a:headEnd type="none" w="med" len="med"/>
-                      <a:tailEnd type="none" w="med" len="med"/>
-                    </a:lnL>
-                    <a:lnR w="12700" cap="flat" cmpd="sng" algn="ctr">
-                      <a:solidFill>
-                        <a:schemeClr val="tx1"/>
-                      </a:solidFill>
-                      <a:prstDash val="solid"/>
-                      <a:round/>
-                      <a:headEnd type="none" w="med" len="med"/>
-                      <a:tailEnd type="none" w="med" len="med"/>
-                    </a:lnR>
-                    <a:lnT w="12700" cap="flat" cmpd="sng" algn="ctr">
-                      <a:solidFill>
-                        <a:schemeClr val="tx1"/>
-                      </a:solidFill>
-                      <a:prstDash val="solid"/>
-                      <a:round/>
-                      <a:headEnd type="none" w="med" len="med"/>
-                      <a:tailEnd type="none" w="med" len="med"/>
-                    </a:lnT>
-                    <a:lnB w="12700" cap="flat" cmpd="sng" algn="ctr">
-                      <a:solidFill>
-                        <a:schemeClr val="tx1"/>
-                      </a:solidFill>
-                      <a:prstDash val="solid"/>
-                      <a:round/>
-                      <a:headEnd type="none" w="med" len="med"/>
-                      <a:tailEnd type="none" w="med" len="med"/>
-                    </a:lnB>
-                  </a:tcPr>
+                  <a:tcPr anchor="ctr"/>
                 </a:tc>
                 <a:tc>
                   <a:txBody>
                     <a:bodyPr/>
                     <a:lstStyle/>
                     <a:p>
+                      <a:pPr algn="l"/>
                       <a:r>
-                        <a:rPr lang="fr-FR" sz="1300" dirty="0" smtClean="0"/>
-                        <a:t>Réalisation du plan de l’escalier à plat,</a:t>
+                        <a:rPr lang="fr-FR" sz="1400" dirty="0" smtClean="0"/>
+                        <a:t>Evaluation sur</a:t>
                       </a:r>
                       <a:r>
-                        <a:rPr lang="fr-FR" sz="1300" baseline="0" dirty="0" smtClean="0"/>
-                        <a:t> vue de haut</a:t>
+                        <a:rPr lang="fr-FR" sz="1400" baseline="0" dirty="0" smtClean="0"/>
+                        <a:t> l’escalier droit</a:t>
                       </a:r>
-                      <a:r>
-                        <a:rPr lang="fr-FR" sz="1300" dirty="0" smtClean="0"/>
-                        <a:t> (sur papier)</a:t>
-                      </a:r>
-                      <a:endParaRPr lang="fr-FR" sz="1300" dirty="0"/>
+                      <a:endParaRPr lang="fr-FR" sz="1400" dirty="0"/>
                     </a:p>
                   </a:txBody>
-                  <a:tcPr marL="132557" marR="132557" marT="66278" marB="66278" anchor="ctr">
-                    <a:lnL w="12700" cap="flat" cmpd="sng" algn="ctr">
-                      <a:solidFill>
-                        <a:schemeClr val="tx1"/>
-                      </a:solidFill>
-                      <a:prstDash val="solid"/>
-                      <a:round/>
-                      <a:headEnd type="none" w="med" len="med"/>
-                      <a:tailEnd type="none" w="med" len="med"/>
-                    </a:lnL>
-                    <a:lnR w="12700" cap="flat" cmpd="sng" algn="ctr">
-                      <a:solidFill>
-                        <a:schemeClr val="tx1"/>
-                      </a:solidFill>
-                      <a:prstDash val="solid"/>
-                      <a:round/>
-                      <a:headEnd type="none" w="med" len="med"/>
-                      <a:tailEnd type="none" w="med" len="med"/>
-                    </a:lnR>
-                    <a:lnT w="12700" cap="flat" cmpd="sng" algn="ctr">
-                      <a:solidFill>
-                        <a:schemeClr val="tx1"/>
-                      </a:solidFill>
-                      <a:prstDash val="solid"/>
-                      <a:round/>
-                      <a:headEnd type="none" w="med" len="med"/>
-                      <a:tailEnd type="none" w="med" len="med"/>
-                    </a:lnT>
-                    <a:lnB w="12700" cap="flat" cmpd="sng" algn="ctr">
-                      <a:solidFill>
-                        <a:schemeClr val="tx1"/>
-                      </a:solidFill>
-                      <a:prstDash val="solid"/>
-                      <a:round/>
-                      <a:headEnd type="none" w="med" len="med"/>
-                      <a:tailEnd type="none" w="med" len="med"/>
-                    </a:lnB>
-                  </a:tcPr>
+                  <a:tcPr anchor="ctr"/>
+                </a:tc>
+                <a:tc vMerge="1">
+                  <a:txBody>
+                    <a:bodyPr/>
+                    <a:lstStyle/>
+                    <a:p>
+                      <a:pPr algn="l"/>
+                      <a:endParaRPr lang="fr-FR" sz="1400" dirty="0"/>
+                    </a:p>
+                  </a:txBody>
+                  <a:tcPr anchor="ctr"/>
                 </a:tc>
                 <a:extLst>
                   <a:ext uri="{0D108BD9-81ED-4DB2-BD59-A6C34878D82A}">
-                    <a16:rowId xmlns:a16="http://schemas.microsoft.com/office/drawing/2014/main" val="3884655070"/>
+                    <a16:rowId xmlns:a16="http://schemas.microsoft.com/office/drawing/2014/main" val="4168287243"/>
+                  </a:ext>
+                </a:extLst>
+              </a:tr>
+              <a:tr h="370840">
+                <a:tc>
+                  <a:txBody>
+                    <a:bodyPr/>
+                    <a:lstStyle/>
+                    <a:p>
+                      <a:pPr algn="ctr"/>
+                      <a:r>
+                        <a:rPr lang="fr-FR" sz="1400" dirty="0" smtClean="0"/>
+                        <a:t>4</a:t>
+                      </a:r>
+                      <a:endParaRPr lang="fr-FR" sz="1400" dirty="0"/>
+                    </a:p>
+                  </a:txBody>
+                  <a:tcPr anchor="ctr"/>
+                </a:tc>
+                <a:tc>
+                  <a:txBody>
+                    <a:bodyPr/>
+                    <a:lstStyle/>
+                    <a:p>
+                      <a:pPr marL="0" marR="0" lvl="0" indent="0" algn="l" defTabSz="719907" rtl="0" eaLnBrk="1" fontAlgn="auto" latinLnBrk="0" hangingPunct="1">
+                        <a:lnSpc>
+                          <a:spcPct val="100000"/>
+                        </a:lnSpc>
+                        <a:spcBef>
+                          <a:spcPts val="0"/>
+                        </a:spcBef>
+                        <a:spcAft>
+                          <a:spcPts val="0"/>
+                        </a:spcAft>
+                        <a:buClrTx/>
+                        <a:buSzTx/>
+                        <a:buFontTx/>
+                        <a:buNone/>
+                        <a:tabLst/>
+                        <a:defRPr/>
+                      </a:pPr>
+                      <a:r>
+                        <a:rPr lang="fr-FR" sz="1400" dirty="0" smtClean="0"/>
+                        <a:t>Analyse théorique des calculs d’un escalier quart tournant</a:t>
+                      </a:r>
+                    </a:p>
+                    <a:p>
+                      <a:pPr marL="0" marR="0" lvl="0" indent="0" algn="l" defTabSz="719907" rtl="0" eaLnBrk="1" fontAlgn="auto" latinLnBrk="0" hangingPunct="1">
+                        <a:lnSpc>
+                          <a:spcPct val="100000"/>
+                        </a:lnSpc>
+                        <a:spcBef>
+                          <a:spcPts val="0"/>
+                        </a:spcBef>
+                        <a:spcAft>
+                          <a:spcPts val="0"/>
+                        </a:spcAft>
+                        <a:buClrTx/>
+                        <a:buSzTx/>
+                        <a:buFontTx/>
+                        <a:buNone/>
+                        <a:tabLst/>
+                        <a:defRPr/>
+                      </a:pPr>
+                      <a:r>
+                        <a:rPr lang="fr-FR" sz="1400" baseline="0" dirty="0" smtClean="0"/>
+                        <a:t>Utilisation du vocabulaire</a:t>
+                      </a:r>
+                    </a:p>
+                    <a:p>
+                      <a:pPr marL="0" marR="0" lvl="0" indent="0" algn="l" defTabSz="719907" rtl="0" eaLnBrk="1" fontAlgn="auto" latinLnBrk="0" hangingPunct="1">
+                        <a:lnSpc>
+                          <a:spcPct val="100000"/>
+                        </a:lnSpc>
+                        <a:spcBef>
+                          <a:spcPts val="0"/>
+                        </a:spcBef>
+                        <a:spcAft>
+                          <a:spcPts val="0"/>
+                        </a:spcAft>
+                        <a:buClrTx/>
+                        <a:buSzTx/>
+                        <a:buFontTx/>
+                        <a:buNone/>
+                        <a:tabLst/>
+                        <a:defRPr/>
+                      </a:pPr>
+                      <a:r>
+                        <a:rPr lang="fr-FR" sz="1400" baseline="0" dirty="0" smtClean="0"/>
+                        <a:t>Calculs et traçage d’un escalier quart tournant</a:t>
+                      </a:r>
+                      <a:endParaRPr lang="fr-FR" sz="1400" dirty="0"/>
+                    </a:p>
+                  </a:txBody>
+                  <a:tcPr anchor="ctr"/>
+                </a:tc>
+                <a:tc vMerge="1">
+                  <a:txBody>
+                    <a:bodyPr/>
+                    <a:lstStyle/>
+                    <a:p>
+                      <a:pPr marL="0" marR="0" lvl="0" indent="0" algn="l" defTabSz="719907" rtl="0" eaLnBrk="1" fontAlgn="auto" latinLnBrk="0" hangingPunct="1">
+                        <a:lnSpc>
+                          <a:spcPct val="100000"/>
+                        </a:lnSpc>
+                        <a:spcBef>
+                          <a:spcPts val="0"/>
+                        </a:spcBef>
+                        <a:spcAft>
+                          <a:spcPts val="0"/>
+                        </a:spcAft>
+                        <a:buClrTx/>
+                        <a:buSzTx/>
+                        <a:buFontTx/>
+                        <a:buNone/>
+                        <a:tabLst/>
+                        <a:defRPr/>
+                      </a:pPr>
+                      <a:endParaRPr lang="fr-FR" sz="1400" dirty="0"/>
+                    </a:p>
+                  </a:txBody>
+                  <a:tcPr anchor="ctr"/>
+                </a:tc>
+                <a:extLst>
+                  <a:ext uri="{0D108BD9-81ED-4DB2-BD59-A6C34878D82A}">
+                    <a16:rowId xmlns:a16="http://schemas.microsoft.com/office/drawing/2014/main" val="985912972"/>
+                  </a:ext>
+                </a:extLst>
+              </a:tr>
+              <a:tr h="370840">
+                <a:tc>
+                  <a:txBody>
+                    <a:bodyPr/>
+                    <a:lstStyle/>
+                    <a:p>
+                      <a:pPr algn="ctr"/>
+                      <a:r>
+                        <a:rPr lang="fr-FR" sz="1400" dirty="0" smtClean="0"/>
+                        <a:t>5</a:t>
+                      </a:r>
+                      <a:endParaRPr lang="fr-FR" sz="1400" dirty="0"/>
+                    </a:p>
+                  </a:txBody>
+                  <a:tcPr anchor="ctr"/>
+                </a:tc>
+                <a:tc>
+                  <a:txBody>
+                    <a:bodyPr/>
+                    <a:lstStyle/>
+                    <a:p>
+                      <a:pPr algn="l"/>
+                      <a:r>
+                        <a:rPr lang="fr-FR" sz="1400" dirty="0" smtClean="0"/>
+                        <a:t>Evaluation d’un escalier quart tournant</a:t>
+                      </a:r>
+                      <a:endParaRPr lang="fr-FR" sz="1400" dirty="0"/>
+                    </a:p>
+                  </a:txBody>
+                  <a:tcPr anchor="ctr"/>
+                </a:tc>
+                <a:tc vMerge="1">
+                  <a:txBody>
+                    <a:bodyPr/>
+                    <a:lstStyle/>
+                    <a:p>
+                      <a:pPr algn="l"/>
+                      <a:endParaRPr lang="fr-FR" sz="1400" dirty="0"/>
+                    </a:p>
+                  </a:txBody>
+                  <a:tcPr anchor="ctr"/>
+                </a:tc>
+                <a:extLst>
+                  <a:ext uri="{0D108BD9-81ED-4DB2-BD59-A6C34878D82A}">
+                    <a16:rowId xmlns:a16="http://schemas.microsoft.com/office/drawing/2014/main" val="1571355363"/>
+                  </a:ext>
+                </a:extLst>
+              </a:tr>
+              <a:tr h="370840">
+                <a:tc>
+                  <a:txBody>
+                    <a:bodyPr/>
+                    <a:lstStyle/>
+                    <a:p>
+                      <a:pPr algn="ctr"/>
+                      <a:r>
+                        <a:rPr lang="fr-FR" sz="1400" dirty="0" smtClean="0"/>
+                        <a:t>6</a:t>
+                      </a:r>
+                      <a:endParaRPr lang="fr-FR" sz="1400" dirty="0"/>
+                    </a:p>
+                  </a:txBody>
+                  <a:tcPr anchor="ctr"/>
+                </a:tc>
+                <a:tc>
+                  <a:txBody>
+                    <a:bodyPr/>
+                    <a:lstStyle/>
+                    <a:p>
+                      <a:pPr algn="l"/>
+                      <a:r>
+                        <a:rPr lang="fr-FR" sz="1400" dirty="0" smtClean="0"/>
+                        <a:t>Rappel sur l’ensemble de la séquence</a:t>
+                      </a:r>
+                    </a:p>
+                    <a:p>
+                      <a:pPr algn="l"/>
+                      <a:r>
+                        <a:rPr lang="fr-FR" sz="1400" dirty="0" smtClean="0"/>
+                        <a:t>Découverte des différents balancements</a:t>
+                      </a:r>
+                    </a:p>
+                    <a:p>
+                      <a:pPr algn="l"/>
+                      <a:r>
+                        <a:rPr lang="fr-FR" sz="1400" dirty="0" smtClean="0"/>
+                        <a:t>Echange sur</a:t>
+                      </a:r>
+                      <a:r>
+                        <a:rPr lang="fr-FR" sz="1400" baseline="0" dirty="0" smtClean="0"/>
+                        <a:t> les attendues de l’évaluation</a:t>
+                      </a:r>
+                      <a:endParaRPr lang="fr-FR" sz="1400" dirty="0"/>
+                    </a:p>
+                  </a:txBody>
+                  <a:tcPr anchor="ctr"/>
+                </a:tc>
+                <a:tc vMerge="1">
+                  <a:txBody>
+                    <a:bodyPr/>
+                    <a:lstStyle/>
+                    <a:p>
+                      <a:pPr algn="l"/>
+                      <a:endParaRPr lang="fr-FR" sz="1400" dirty="0"/>
+                    </a:p>
+                  </a:txBody>
+                  <a:tcPr anchor="ctr"/>
+                </a:tc>
+                <a:extLst>
+                  <a:ext uri="{0D108BD9-81ED-4DB2-BD59-A6C34878D82A}">
+                    <a16:rowId xmlns:a16="http://schemas.microsoft.com/office/drawing/2014/main" val="159993676"/>
+                  </a:ext>
+                </a:extLst>
+              </a:tr>
+              <a:tr h="370840">
+                <a:tc>
+                  <a:txBody>
+                    <a:bodyPr/>
+                    <a:lstStyle/>
+                    <a:p>
+                      <a:pPr algn="ctr"/>
+                      <a:r>
+                        <a:rPr lang="fr-FR" sz="1400" dirty="0" smtClean="0"/>
+                        <a:t>7</a:t>
+                      </a:r>
+                      <a:endParaRPr lang="fr-FR" sz="1400" dirty="0"/>
+                    </a:p>
+                  </a:txBody>
+                  <a:tcPr anchor="ctr"/>
+                </a:tc>
+                <a:tc>
+                  <a:txBody>
+                    <a:bodyPr/>
+                    <a:lstStyle/>
+                    <a:p>
+                      <a:pPr algn="l"/>
+                      <a:r>
+                        <a:rPr lang="fr-FR" sz="1400" dirty="0" smtClean="0"/>
+                        <a:t>Evaluation finale</a:t>
+                      </a:r>
+                      <a:endParaRPr lang="fr-FR" sz="1400" dirty="0"/>
+                    </a:p>
+                  </a:txBody>
+                  <a:tcPr anchor="ctr"/>
+                </a:tc>
+                <a:tc vMerge="1">
+                  <a:txBody>
+                    <a:bodyPr/>
+                    <a:lstStyle/>
+                    <a:p>
+                      <a:pPr algn="l"/>
+                      <a:endParaRPr lang="fr-FR" sz="1400" dirty="0"/>
+                    </a:p>
+                  </a:txBody>
+                  <a:tcPr anchor="ctr"/>
+                </a:tc>
+                <a:extLst>
+                  <a:ext uri="{0D108BD9-81ED-4DB2-BD59-A6C34878D82A}">
+                    <a16:rowId xmlns:a16="http://schemas.microsoft.com/office/drawing/2014/main" val="1764635030"/>
                   </a:ext>
                 </a:extLst>
               </a:tr>
@@ -4307,50 +4316,6 @@
           </a:graphicData>
         </a:graphic>
       </p:graphicFrame>
-      <p:sp>
-        <p:nvSpPr>
-          <p:cNvPr id="5" name="TextBox 4"/>
-          <p:cNvSpPr txBox="1"/>
-          <p:nvPr/>
-        </p:nvSpPr>
-        <p:spPr>
-          <a:xfrm>
-            <a:off x="211598" y="323833"/>
-            <a:ext cx="6795587" cy="444096"/>
-          </a:xfrm>
-          <a:prstGeom prst="rect">
-            <a:avLst/>
-          </a:prstGeom>
-          <a:effectLst/>
-        </p:spPr>
-        <p:style>
-          <a:lnRef idx="2">
-            <a:schemeClr val="dk1"/>
-          </a:lnRef>
-          <a:fillRef idx="1">
-            <a:schemeClr val="lt1"/>
-          </a:fillRef>
-          <a:effectRef idx="0">
-            <a:schemeClr val="dk1"/>
-          </a:effectRef>
-          <a:fontRef idx="minor">
-            <a:schemeClr val="dk1"/>
-          </a:fontRef>
-        </p:style>
-        <p:txBody>
-          <a:bodyPr wrap="square" rtlCol="0">
-            <a:spAutoFit/>
-          </a:bodyPr>
-          <a:lstStyle/>
-          <a:p>
-            <a:pPr algn="ctr"/>
-            <a:r>
-              <a:rPr lang="fr-FR" sz="2286" dirty="0"/>
-              <a:t>Progression : Les escaliers </a:t>
-            </a:r>
-          </a:p>
-        </p:txBody>
-      </p:sp>
     </p:spTree>
     <p:extLst>
       <p:ext uri="{BB962C8B-B14F-4D97-AF65-F5344CB8AC3E}">
@@ -5280,8 +5245,8 @@
         </p:nvSpPr>
         <p:spPr>
           <a:xfrm>
-            <a:off x="4979908" y="9593412"/>
-            <a:ext cx="1672982" cy="228276"/>
+            <a:off x="4803648" y="9593412"/>
+            <a:ext cx="1849242" cy="228276"/>
           </a:xfrm>
           <a:prstGeom prst="rect">
             <a:avLst/>
@@ -5761,8 +5726,8 @@
         </p:nvSpPr>
         <p:spPr>
           <a:xfrm>
-            <a:off x="647615" y="1788083"/>
-            <a:ext cx="5885282" cy="3434082"/>
+            <a:off x="666750" y="1833179"/>
+            <a:ext cx="5885282" cy="3785845"/>
           </a:xfrm>
           <a:prstGeom prst="rect">
             <a:avLst/>
@@ -5802,25 +5767,53 @@
           <a:p>
             <a:r>
               <a:rPr lang="fr-FR" sz="1143" b="1" dirty="0"/>
-              <a:t>Les réponses aux questions sont justes : 						8 points</a:t>
-            </a:r>
-          </a:p>
-          <a:p>
+              <a:t>Les réponses </a:t>
+            </a:r>
+            <a:r>
+              <a:rPr lang="fr-FR" sz="1143" b="1" dirty="0" smtClean="0"/>
+              <a:t>aux questions </a:t>
+            </a:r>
+            <a:r>
+              <a:rPr lang="fr-FR" sz="1143" b="1" dirty="0"/>
+              <a:t>sont justes : 						8 points</a:t>
+            </a:r>
+          </a:p>
+          <a:p>
+            <a:r>
+              <a:rPr lang="fr-FR" sz="1143" i="1" dirty="0" smtClean="0"/>
+              <a:t>			La </a:t>
+            </a:r>
             <a:r>
               <a:rPr lang="fr-FR" sz="1143" i="1" dirty="0"/>
-              <a:t>La moitié des points seulement si les réponses ne sont pas claires (pas de vocabulaire relatif aux escaliers)</a:t>
-            </a:r>
-          </a:p>
-          <a:p>
+              <a:t>moitié des points seulement si les réponses ne sont pas claires (pas de </a:t>
+            </a:r>
+            <a:r>
+              <a:rPr lang="fr-FR" sz="1143" i="1" dirty="0" smtClean="0"/>
+              <a:t>			vocabulaire </a:t>
+            </a:r>
             <a:r>
               <a:rPr lang="fr-FR" sz="1143" i="1" dirty="0"/>
-              <a:t>Aucun point si les réponses est inexactes</a:t>
-            </a:r>
-          </a:p>
-          <a:p>
+              <a:t>relatif aux escaliers)</a:t>
+            </a:r>
+          </a:p>
+          <a:p>
+            <a:r>
+              <a:rPr lang="fr-FR" sz="1143" i="1" dirty="0" smtClean="0"/>
+              <a:t>			Aucun </a:t>
+            </a:r>
             <a:r>
               <a:rPr lang="fr-FR" sz="1143" i="1" dirty="0"/>
-              <a:t>Non évaluable s’il n’y a pas de réponse</a:t>
+              <a:t>point si les réponses est inexactes</a:t>
+            </a:r>
+          </a:p>
+          <a:p>
+            <a:r>
+              <a:rPr lang="fr-FR" sz="1143" i="1" dirty="0" smtClean="0"/>
+              <a:t>			Non </a:t>
+            </a:r>
+            <a:r>
+              <a:rPr lang="fr-FR" sz="1143" i="1" dirty="0"/>
+              <a:t>évaluable s’il n’y a pas de réponse</a:t>
             </a:r>
           </a:p>
           <a:p>
@@ -5834,20 +5827,48 @@
           </a:p>
           <a:p>
             <a:r>
+              <a:rPr lang="fr-FR" sz="1143" i="1" dirty="0" smtClean="0"/>
+              <a:t>			La </a:t>
+            </a:r>
+            <a:r>
               <a:rPr lang="fr-FR" sz="1143" i="1" dirty="0"/>
-              <a:t>La moitié des points seulement si le résultat est juste mais que le calcul n’est pas indiqué ou que les calculs sont approximatifs (arrondis à moins de 2 chiffres après la virgule)</a:t>
-            </a:r>
-          </a:p>
-          <a:p>
+              <a:t>moitié des points seulement si le résultat est juste mais que le calcul </a:t>
+            </a:r>
+            <a:r>
+              <a:rPr lang="fr-FR" sz="1143" i="1" dirty="0" smtClean="0"/>
+              <a:t>			n’est </a:t>
+            </a:r>
             <a:r>
               <a:rPr lang="fr-FR" sz="1143" i="1" dirty="0"/>
-              <a:t>Aucun point si les calculs sont inexacts </a:t>
-            </a:r>
-          </a:p>
-          <a:p>
+              <a:t>pas indiqué ou que les calculs sont approximatifs (arrondis à moins </a:t>
+            </a:r>
+            <a:r>
+              <a:rPr lang="fr-FR" sz="1143" i="1" dirty="0" smtClean="0"/>
+              <a:t>			de </a:t>
+            </a:r>
             <a:r>
               <a:rPr lang="fr-FR" sz="1143" i="1" dirty="0"/>
-              <a:t>Non évaluable s’il n’y a pas de calcul et de résultat</a:t>
+              <a:t>2 chiffres après la virgule)</a:t>
+            </a:r>
+          </a:p>
+          <a:p>
+            <a:r>
+              <a:rPr lang="fr-FR" sz="1143" i="1" dirty="0" smtClean="0"/>
+              <a:t>			Aucun </a:t>
+            </a:r>
+            <a:r>
+              <a:rPr lang="fr-FR" sz="1143" i="1" dirty="0"/>
+              <a:t>point si les calculs sont inexacts </a:t>
+            </a:r>
+          </a:p>
+          <a:p>
+            <a:r>
+              <a:rPr lang="fr-FR" sz="1143" i="1" dirty="0" smtClean="0"/>
+              <a:t>			Non </a:t>
+            </a:r>
+            <a:r>
+              <a:rPr lang="fr-FR" sz="1143" i="1" dirty="0"/>
+              <a:t>évaluable s’il n’y a pas de calcul et de résultat</a:t>
             </a:r>
           </a:p>
           <a:p>
@@ -5861,26 +5882,50 @@
           </a:p>
           <a:p>
             <a:r>
+              <a:rPr lang="fr-FR" sz="1143" i="1" dirty="0" smtClean="0"/>
+              <a:t>			La </a:t>
+            </a:r>
+            <a:r>
               <a:rPr lang="fr-FR" sz="1143" i="1" dirty="0"/>
-              <a:t>La moitié des points si le tracé est n’est pas lisible (au mm)</a:t>
-            </a:r>
-          </a:p>
-          <a:p>
+              <a:t>moitié des points si le tracé est n’est pas lisible (au mm)</a:t>
+            </a:r>
+          </a:p>
+          <a:p>
+            <a:r>
+              <a:rPr lang="fr-FR" sz="1143" i="1" dirty="0" smtClean="0"/>
+              <a:t>			Deux </a:t>
+            </a:r>
             <a:r>
               <a:rPr lang="fr-FR" sz="1143" i="1" dirty="0"/>
-              <a:t>Deux points s’il y a un tracé irrégulier ou approximatif </a:t>
-            </a:r>
-          </a:p>
-          <a:p>
+              <a:t>points s’il y a un tracé irrégulier ou approximatif </a:t>
+            </a:r>
+          </a:p>
+          <a:p>
+            <a:r>
+              <a:rPr lang="fr-FR" sz="1143" i="1" dirty="0" smtClean="0"/>
+              <a:t>			Aucun </a:t>
+            </a:r>
             <a:r>
               <a:rPr lang="fr-FR" sz="1143" i="1" dirty="0"/>
-              <a:t>Aucun point si le traçage n’est pas  juste (non conforme au calcul, ou à l’énoncé) </a:t>
-            </a:r>
-          </a:p>
-          <a:p>
+              <a:t>point si le traçage n’est pas  juste (non conforme au calcul, ou à </a:t>
+            </a:r>
+            <a:r>
+              <a:rPr lang="fr-FR" sz="1143" i="1" dirty="0" smtClean="0"/>
+              <a:t>l			’énoncé</a:t>
+            </a:r>
             <a:r>
               <a:rPr lang="fr-FR" sz="1143" i="1" dirty="0"/>
-              <a:t>Non évaluable s’il n’y a pas traçage</a:t>
+              <a:t>) </a:t>
+            </a:r>
+          </a:p>
+          <a:p>
+            <a:r>
+              <a:rPr lang="fr-FR" sz="1143" i="1" dirty="0" smtClean="0"/>
+              <a:t>			Non </a:t>
+            </a:r>
+            <a:r>
+              <a:rPr lang="fr-FR" sz="1143" i="1" dirty="0"/>
+              <a:t>évaluable s’il n’y a pas traçage</a:t>
             </a:r>
             <a:endParaRPr lang="fr-FR" sz="1143" dirty="0"/>
           </a:p>
@@ -6748,7 +6793,23 @@
             </a:pPr>
             <a:r>
               <a:rPr lang="fr-FR" sz="1143" dirty="0"/>
-              <a:t>Les distances de nez de marches		…/2</a:t>
+              <a:t>Les distances </a:t>
+            </a:r>
+            <a:r>
+              <a:rPr lang="fr-FR" sz="1143" dirty="0" smtClean="0"/>
+              <a:t>entre les </a:t>
+            </a:r>
+            <a:r>
+              <a:rPr lang="fr-FR" sz="1143" dirty="0"/>
+              <a:t>nez de marches	</a:t>
+            </a:r>
+            <a:r>
+              <a:rPr lang="fr-FR" sz="1143" dirty="0" smtClean="0"/>
+              <a:t>…/</a:t>
+            </a:r>
+            <a:r>
+              <a:rPr lang="fr-FR" sz="1143" dirty="0"/>
+              <a:t>2</a:t>
             </a:r>
           </a:p>
           <a:p>
@@ -6756,8 +6817,16 @@
           </a:p>
           <a:p>
             <a:r>
+              <a:rPr lang="fr-FR" sz="1143" b="1" dirty="0" smtClean="0"/>
+              <a:t>Exemple de r</a:t>
+            </a:r>
+            <a:r>
+              <a:rPr lang="fr-FR" sz="1143" b="1" dirty="0" smtClean="0"/>
+              <a:t>ésultat </a:t>
+            </a:r>
+            <a:r>
               <a:rPr lang="fr-FR" sz="1143" b="1" dirty="0"/>
-              <a:t>Résultat attendu </a:t>
+              <a:t>attendu </a:t>
             </a:r>
             <a:r>
               <a:rPr lang="fr-FR" sz="1143" dirty="0"/>
@@ -7664,7 +7733,7 @@
           <p:nvPr>
             <p:extLst>
               <p:ext uri="{D42A27DB-BD31-4B8C-83A1-F6EECF244321}">
-                <p14:modId xmlns:p14="http://schemas.microsoft.com/office/powerpoint/2010/main" val="2750424074"/>
+                <p14:modId xmlns:p14="http://schemas.microsoft.com/office/powerpoint/2010/main" val="2733514723"/>
               </p:ext>
             </p:extLst>
           </p:nvPr>
@@ -7734,7 +7803,7 @@
                       </a:pPr>
                       <a:r>
                         <a:rPr lang="fr-FR" sz="1300" baseline="0" dirty="0" smtClean="0"/>
-                        <a:t>Connaitre le balancement d’un escalier quart tournant</a:t>
+                        <a:t>Comprendre ce que représente le balancement d’un escalier quart tournant</a:t>
                       </a:r>
                     </a:p>
                     <a:p>

--- a/escaliers.pptx
+++ b/escaliers.pptx
@@ -5,19 +5,15 @@
     <p:sldMasterId id="2147483672" r:id="rId1"/>
   </p:sldMasterIdLst>
   <p:notesMasterIdLst>
-    <p:notesMasterId r:id="rId9"/>
+    <p:notesMasterId r:id="rId5"/>
   </p:notesMasterIdLst>
   <p:handoutMasterIdLst>
-    <p:handoutMasterId r:id="rId10"/>
+    <p:handoutMasterId r:id="rId6"/>
   </p:handoutMasterIdLst>
   <p:sldIdLst>
-    <p:sldId id="265" r:id="rId2"/>
-    <p:sldId id="266" r:id="rId3"/>
-    <p:sldId id="267" r:id="rId4"/>
-    <p:sldId id="268" r:id="rId5"/>
-    <p:sldId id="264" r:id="rId6"/>
-    <p:sldId id="269" r:id="rId7"/>
-    <p:sldId id="263" r:id="rId8"/>
+    <p:sldId id="264" r:id="rId2"/>
+    <p:sldId id="269" r:id="rId3"/>
+    <p:sldId id="263" r:id="rId4"/>
   </p:sldIdLst>
   <p:sldSz cx="7199313" cy="10080625"/>
   <p:notesSz cx="6797675" cy="9926638"/>
@@ -3514,14 +3510,14 @@
       </p:grpSpPr>
       <p:sp>
         <p:nvSpPr>
-          <p:cNvPr id="6" name="TextBox 5"/>
+          <p:cNvPr id="4" name="TextBox 3"/>
           <p:cNvSpPr txBox="1"/>
           <p:nvPr/>
         </p:nvSpPr>
         <p:spPr>
           <a:xfrm>
-            <a:off x="320139" y="891426"/>
-            <a:ext cx="3113394" cy="1528175"/>
+            <a:off x="647614" y="5411890"/>
+            <a:ext cx="5885282" cy="3785845"/>
           </a:xfrm>
           <a:prstGeom prst="rect">
             <a:avLst/>
@@ -3535,210 +3531,160 @@
           <a:lstStyle/>
           <a:p>
             <a:r>
-              <a:rPr lang="fr-FR" sz="1333" b="1" dirty="0"/>
-              <a:t>Prise de cotes  sur chantier :</a:t>
-            </a:r>
-          </a:p>
-          <a:p>
-            <a:endParaRPr lang="fr-FR" sz="1333" b="1" dirty="0"/>
-          </a:p>
-          <a:p>
-            <a:r>
-              <a:rPr lang="fr-FR" sz="1333" b="1" dirty="0"/>
-              <a:t>A. Déterminer la hauteur </a:t>
-            </a:r>
-            <a:r>
-              <a:rPr lang="fr-FR" sz="1333" dirty="0"/>
-              <a:t>de l’escalier.</a:t>
-            </a:r>
-          </a:p>
-          <a:p>
-            <a:r>
-              <a:rPr lang="fr-FR" sz="1333" dirty="0"/>
-              <a:t> (du sol au plancher )</a:t>
-            </a:r>
-          </a:p>
-          <a:p>
-            <a:r>
-              <a:rPr lang="fr-FR" sz="1333" b="1" dirty="0"/>
-              <a:t>B. Déterminer l’étendue </a:t>
-            </a:r>
-            <a:r>
-              <a:rPr lang="fr-FR" sz="1333" dirty="0"/>
-              <a:t>(le reculement) disponible</a:t>
-            </a:r>
-          </a:p>
-          <a:p>
-            <a:r>
-              <a:rPr lang="fr-FR" sz="1333" b="1" dirty="0"/>
-              <a:t>C. Déterminer la largeur </a:t>
-            </a:r>
-            <a:r>
-              <a:rPr lang="fr-FR" sz="1333" dirty="0"/>
-              <a:t>disponible </a:t>
-            </a:r>
-          </a:p>
-        </p:txBody>
-      </p:sp>
-      <p:sp>
-        <p:nvSpPr>
-          <p:cNvPr id="9" name="TextBox 8"/>
+              <a:rPr lang="fr-FR" sz="1143" b="1" dirty="0"/>
+              <a:t>Questions : </a:t>
+            </a:r>
+          </a:p>
+          <a:p>
+            <a:endParaRPr lang="fr-FR" sz="1143" b="1" dirty="0"/>
+          </a:p>
+          <a:p>
+            <a:r>
+              <a:rPr lang="fr-FR" sz="1143" b="1" dirty="0"/>
+              <a:t>Qu’est ce que représente la foulée dans un escalier ?					…./2</a:t>
+            </a:r>
+          </a:p>
+          <a:p>
+            <a:endParaRPr lang="fr-FR" sz="1143" b="1" dirty="0"/>
+          </a:p>
+          <a:p>
+            <a:r>
+              <a:rPr lang="fr-FR" sz="1143" b="1" dirty="0"/>
+              <a:t>………………………………………………………………………………………………………………………….</a:t>
+            </a:r>
+          </a:p>
+          <a:p>
+            <a:endParaRPr lang="fr-FR" sz="1143" b="1" dirty="0"/>
+          </a:p>
+          <a:p>
+            <a:r>
+              <a:rPr lang="fr-FR" sz="1143" b="1" dirty="0"/>
+              <a:t>Comment appelle-t-on le limon entaillé sur lequel les marches reposent ?		…./2</a:t>
+            </a:r>
+          </a:p>
+          <a:p>
+            <a:endParaRPr lang="fr-FR" sz="1143" b="1" dirty="0"/>
+          </a:p>
+          <a:p>
+            <a:r>
+              <a:rPr lang="fr-FR" sz="1143" b="1" dirty="0"/>
+              <a:t>………………………………………………………………………………………………………………………….</a:t>
+            </a:r>
+          </a:p>
+          <a:p>
+            <a:endParaRPr lang="fr-FR" sz="1143" b="1" dirty="0"/>
+          </a:p>
+          <a:p>
+            <a:r>
+              <a:rPr lang="fr-FR" sz="1143" b="1" dirty="0"/>
+              <a:t>Quels sont les 3 éléments d’un garde corps ?						…./3</a:t>
+            </a:r>
+          </a:p>
+          <a:p>
+            <a:endParaRPr lang="fr-FR" sz="1143" b="1" dirty="0"/>
+          </a:p>
+          <a:p>
+            <a:r>
+              <a:rPr lang="fr-FR" sz="1143" b="1" dirty="0"/>
+              <a:t>………………………………………………………………………………………………………………………….</a:t>
+            </a:r>
+          </a:p>
+          <a:p>
+            <a:endParaRPr lang="fr-FR" sz="1143" b="1" dirty="0"/>
+          </a:p>
+          <a:p>
+            <a:r>
+              <a:rPr lang="fr-FR" sz="1143" b="1" dirty="0"/>
+              <a:t>Qu’est ce qu’une trémie ?								…./1</a:t>
+            </a:r>
+          </a:p>
+          <a:p>
+            <a:endParaRPr lang="fr-FR" sz="1143" b="1" dirty="0"/>
+          </a:p>
+          <a:p>
+            <a:r>
+              <a:rPr lang="fr-FR" sz="1143" b="1" dirty="0"/>
+              <a:t>………………………………………………………………………………………………………………………….</a:t>
+            </a:r>
+          </a:p>
+          <a:p>
+            <a:endParaRPr lang="fr-FR" sz="1143" b="1" dirty="0"/>
+          </a:p>
+          <a:p>
+            <a:r>
+              <a:rPr lang="fr-FR" sz="1143" b="1" dirty="0"/>
+              <a:t>Bonus : Comment savoir si un escalier est confortable ?				…/2</a:t>
+            </a:r>
+          </a:p>
+          <a:p>
+            <a:endParaRPr lang="fr-FR" sz="1143" b="1" dirty="0"/>
+          </a:p>
+          <a:p>
+            <a:r>
+              <a:rPr lang="fr-FR" sz="1143" b="1" dirty="0"/>
+              <a:t>………………………………………………………………………………………………………………………….</a:t>
+            </a:r>
+          </a:p>
+        </p:txBody>
+      </p:sp>
+      <p:sp>
+        <p:nvSpPr>
+          <p:cNvPr id="7" name="TextBox 6"/>
           <p:cNvSpPr txBox="1"/>
           <p:nvPr/>
         </p:nvSpPr>
         <p:spPr>
           <a:xfrm>
-            <a:off x="3445351" y="816906"/>
-            <a:ext cx="3533354" cy="6040821"/>
+            <a:off x="647615" y="994916"/>
+            <a:ext cx="5885282" cy="297454"/>
           </a:xfrm>
           <a:prstGeom prst="rect">
             <a:avLst/>
           </a:prstGeom>
-          <a:noFill/>
         </p:spPr>
-        <p:txBody>
-          <a:bodyPr wrap="square" numCol="1" rtlCol="0">
+        <p:style>
+          <a:lnRef idx="2">
+            <a:schemeClr val="dk1"/>
+          </a:lnRef>
+          <a:fillRef idx="1">
+            <a:schemeClr val="lt1"/>
+          </a:fillRef>
+          <a:effectRef idx="0">
+            <a:schemeClr val="dk1"/>
+          </a:effectRef>
+          <a:fontRef idx="minor">
+            <a:schemeClr val="dk1"/>
+          </a:fontRef>
+        </p:style>
+        <p:txBody>
+          <a:bodyPr wrap="square" rtlCol="0">
             <a:spAutoFit/>
           </a:bodyPr>
           <a:lstStyle/>
           <a:p>
             <a:r>
-              <a:rPr lang="fr-FR" sz="1333" b="1" dirty="0"/>
-              <a:t>Calcul et traçage sur le plan :</a:t>
-            </a:r>
-          </a:p>
-          <a:p>
-            <a:endParaRPr lang="fr-FR" sz="1333" b="1" dirty="0"/>
-          </a:p>
-          <a:p>
-            <a:r>
-              <a:rPr lang="fr-FR" sz="1333" b="1" dirty="0"/>
-              <a:t>1. Le nombre de marches :</a:t>
-            </a:r>
-          </a:p>
-          <a:p>
-            <a:r>
               <a:rPr lang="fr-FR" sz="1333" dirty="0"/>
-              <a:t>la hauteur de l’escalier </a:t>
-            </a:r>
-            <a:r>
-              <a:rPr lang="fr-BE" sz="1333" dirty="0"/>
-              <a:t>÷ la hauteur idéale d’une marche d’escalier</a:t>
-            </a:r>
-          </a:p>
-          <a:p>
-            <a:endParaRPr lang="fr-FR" sz="1333" dirty="0"/>
-          </a:p>
-          <a:p>
-            <a:r>
-              <a:rPr lang="fr-FR" sz="1333" b="1" dirty="0"/>
-              <a:t>2. La hauteur de marche :</a:t>
-            </a:r>
-          </a:p>
-          <a:p>
-            <a:r>
-              <a:rPr lang="fr-FR" sz="1333" dirty="0"/>
-              <a:t>la hauteur de l’escalier </a:t>
-            </a:r>
-            <a:r>
-              <a:rPr lang="fr-BE" sz="1333" dirty="0"/>
-              <a:t>÷   le nombre de marches arrondi (sans virgule)</a:t>
-            </a:r>
-          </a:p>
-          <a:p>
-            <a:endParaRPr lang="fr-BE" sz="1333" dirty="0"/>
-          </a:p>
-          <a:p>
-            <a:r>
-              <a:rPr lang="fr-BE" sz="1333" b="1" dirty="0"/>
-              <a:t>3. Calculer la ligne de foulée :</a:t>
-            </a:r>
-          </a:p>
-          <a:p>
-            <a:r>
-              <a:rPr lang="fr-BE" sz="1333" dirty="0"/>
-              <a:t>La ligne de foulée est l’addition de A, B et C (en excluant la marche palière et la </a:t>
-            </a:r>
-            <a:r>
-              <a:rPr lang="fr-FR" sz="1333" dirty="0"/>
-              <a:t>distance entre le dernier nez de marche et la fin de mon limon</a:t>
-            </a:r>
-            <a:r>
-              <a:rPr lang="fr-BE" sz="1333" dirty="0"/>
-              <a:t>)</a:t>
-            </a:r>
-          </a:p>
-          <a:p>
-            <a:endParaRPr lang="fr-BE" sz="1333" dirty="0"/>
-          </a:p>
-          <a:p>
-            <a:r>
-              <a:rPr lang="fr-FR" sz="1333" b="1" dirty="0"/>
-              <a:t>4. Déterminer le giron :</a:t>
-            </a:r>
-          </a:p>
-          <a:p>
-            <a:r>
-              <a:rPr lang="fr-FR" sz="1333" dirty="0"/>
-              <a:t>[longueur de la foulée - (marche palière + distance entre le dernier nez de marche et distance entre le dernier nez de marche et la fin de mon limon)] </a:t>
-            </a:r>
-            <a:r>
-              <a:rPr lang="fr-BE" sz="1333" dirty="0"/>
-              <a:t>÷ (nombre de marche – la marche palière)</a:t>
-            </a:r>
-          </a:p>
-          <a:p>
-            <a:r>
-              <a:rPr lang="fr-BE" sz="1333" b="1" dirty="0"/>
-              <a:t>Info : </a:t>
-            </a:r>
-            <a:r>
-              <a:rPr lang="fr-BE" sz="1333" dirty="0"/>
-              <a:t>Pour calculer « C » on calcule  le périmètre d’un rond qu’on divise par quatre.</a:t>
-            </a:r>
-          </a:p>
-          <a:p>
-            <a:endParaRPr lang="fr-BE" sz="1333" b="1" dirty="0"/>
-          </a:p>
-          <a:p>
-            <a:r>
-              <a:rPr lang="fr-BE" sz="1333" b="1" dirty="0"/>
-              <a:t>5. Tracer le balancement</a:t>
-            </a:r>
-          </a:p>
-          <a:p>
-            <a:r>
-              <a:rPr lang="fr-BE" sz="1333" dirty="0"/>
-              <a:t>Avec un compas, tracer sur la ligne de foulée les intervalles entre les nez de marches (le giron). Tracer des deux premières marches de l’escalier de haut et les deux du bas.</a:t>
-            </a:r>
-          </a:p>
-        </p:txBody>
-      </p:sp>
-      <p:sp>
-        <p:nvSpPr>
-          <p:cNvPr id="5" name="Rectangle 4"/>
+              <a:t>Nom : ……………………………………			Prénom : ……………………………………</a:t>
+            </a:r>
+          </a:p>
+        </p:txBody>
+      </p:sp>
+      <p:sp>
+        <p:nvSpPr>
+          <p:cNvPr id="2" name="Rectangle 1"/>
           <p:cNvSpPr/>
           <p:nvPr/>
         </p:nvSpPr>
         <p:spPr>
-          <a:xfrm rot="5400000">
-            <a:off x="-1710538" y="4783837"/>
-            <a:ext cx="6925351" cy="2845565"/>
+          <a:xfrm>
+            <a:off x="666750" y="1833179"/>
+            <a:ext cx="5885282" cy="3785845"/>
           </a:xfrm>
           <a:prstGeom prst="rect">
             <a:avLst/>
           </a:prstGeom>
-          <a:solidFill>
-            <a:srgbClr val="FFFFFF">
-              <a:alpha val="60000"/>
-            </a:srgbClr>
-          </a:solidFill>
-          <a:ln w="19050">
-            <a:solidFill>
-              <a:srgbClr val="000000">
-                <a:alpha val="74902"/>
-              </a:srgbClr>
-            </a:solidFill>
+          <a:ln>
+            <a:prstDash val="sysDash"/>
           </a:ln>
         </p:spPr>
         <p:style>
@@ -3756,40 +3702,120 @@
           </a:fontRef>
         </p:style>
         <p:txBody>
-          <a:bodyPr rtlCol="0" anchor="ctr"/>
-          <a:lstStyle/>
-          <a:p>
-            <a:pPr algn="ctr"/>
-            <a:endParaRPr lang="fr-FR" sz="1646"/>
-          </a:p>
-        </p:txBody>
-      </p:sp>
-      <p:sp>
-        <p:nvSpPr>
-          <p:cNvPr id="7" name="Rectangle 6"/>
-          <p:cNvSpPr/>
+          <a:bodyPr wrap="square">
+            <a:spAutoFit/>
+          </a:bodyPr>
+          <a:lstStyle/>
+          <a:p>
+            <a:r>
+              <a:rPr lang="fr-FR" sz="1143" b="1" dirty="0"/>
+              <a:t>Critères d’évaluation : </a:t>
+            </a:r>
+          </a:p>
+          <a:p>
+            <a:endParaRPr lang="fr-FR" sz="1143" b="1" dirty="0"/>
+          </a:p>
+          <a:p>
+            <a:r>
+              <a:rPr lang="fr-FR" sz="1143" b="1" dirty="0"/>
+              <a:t>Les réponses aux questions sont justes : 						8 points</a:t>
+            </a:r>
+          </a:p>
+          <a:p>
+            <a:r>
+              <a:rPr lang="fr-FR" sz="1143" i="1" dirty="0"/>
+              <a:t>			La moitié des points seulement si les réponses ne sont pas claires (pas de 			vocabulaire relatif aux escaliers)</a:t>
+            </a:r>
+          </a:p>
+          <a:p>
+            <a:r>
+              <a:rPr lang="fr-FR" sz="1143" i="1" dirty="0"/>
+              <a:t>			Aucun point si les réponses est inexactes</a:t>
+            </a:r>
+          </a:p>
+          <a:p>
+            <a:r>
+              <a:rPr lang="fr-FR" sz="1143" i="1" dirty="0"/>
+              <a:t>			Non évaluable s’il n’y a pas de réponse</a:t>
+            </a:r>
+          </a:p>
+          <a:p>
+            <a:endParaRPr lang="fr-FR" sz="1143" b="1" dirty="0"/>
+          </a:p>
+          <a:p>
+            <a:r>
+              <a:rPr lang="fr-FR" sz="1143" b="1" dirty="0"/>
+              <a:t>Les calculs et les résultats sont justes : 						6 points</a:t>
+            </a:r>
+          </a:p>
+          <a:p>
+            <a:r>
+              <a:rPr lang="fr-FR" sz="1143" i="1" dirty="0"/>
+              <a:t>			La moitié des points seulement si le résultat est juste mais que le calcul 			n’est pas indiqué ou que les calculs sont approximatifs (arrondis à moins 			de 2 chiffres après la virgule)</a:t>
+            </a:r>
+          </a:p>
+          <a:p>
+            <a:r>
+              <a:rPr lang="fr-FR" sz="1143" i="1" dirty="0"/>
+              <a:t>			Aucun point si les calculs sont inexacts </a:t>
+            </a:r>
+          </a:p>
+          <a:p>
+            <a:r>
+              <a:rPr lang="fr-FR" sz="1143" i="1" dirty="0"/>
+              <a:t>			Non évaluable s’il n’y a pas de calcul et de résultat</a:t>
+            </a:r>
+          </a:p>
+          <a:p>
+            <a:endParaRPr lang="fr-FR" sz="1143" i="1" dirty="0"/>
+          </a:p>
+          <a:p>
+            <a:r>
+              <a:rPr lang="fr-FR" sz="1143" b="1" dirty="0"/>
+              <a:t>Le traçage de l’escalier est juste et lisible : 						6 points</a:t>
+            </a:r>
+          </a:p>
+          <a:p>
+            <a:r>
+              <a:rPr lang="fr-FR" sz="1143" i="1" dirty="0"/>
+              <a:t>			La moitié des points si le tracé est n’est pas lisible (au mm)</a:t>
+            </a:r>
+          </a:p>
+          <a:p>
+            <a:r>
+              <a:rPr lang="fr-FR" sz="1143" i="1" dirty="0"/>
+              <a:t>			Deux points s’il y a un tracé irrégulier ou approximatif </a:t>
+            </a:r>
+          </a:p>
+          <a:p>
+            <a:r>
+              <a:rPr lang="fr-FR" sz="1143" i="1" dirty="0"/>
+              <a:t>			Aucun point si le traçage n’est pas  juste (non conforme au calcul, ou à l			’énoncé) </a:t>
+            </a:r>
+          </a:p>
+          <a:p>
+            <a:r>
+              <a:rPr lang="fr-FR" sz="1143" i="1" dirty="0"/>
+              <a:t>			Non évaluable s’il n’y a pas traçage</a:t>
+            </a:r>
+            <a:endParaRPr lang="fr-FR" sz="1143" dirty="0"/>
+          </a:p>
+        </p:txBody>
+      </p:sp>
+      <p:sp>
+        <p:nvSpPr>
+          <p:cNvPr id="6" name="TextBox 5"/>
+          <p:cNvSpPr txBox="1"/>
           <p:nvPr/>
         </p:nvSpPr>
         <p:spPr>
           <a:xfrm>
-            <a:off x="329355" y="6823730"/>
-            <a:ext cx="6582512" cy="2845565"/>
+            <a:off x="647614" y="1391096"/>
+            <a:ext cx="5885282" cy="297454"/>
           </a:xfrm>
           <a:prstGeom prst="rect">
             <a:avLst/>
           </a:prstGeom>
-          <a:solidFill>
-            <a:srgbClr val="FFFFFF">
-              <a:alpha val="60000"/>
-            </a:srgbClr>
-          </a:solidFill>
-          <a:ln w="19050">
-            <a:solidFill>
-              <a:srgbClr val="000000">
-                <a:alpha val="74902"/>
-              </a:srgbClr>
-            </a:solidFill>
-          </a:ln>
         </p:spPr>
         <p:style>
           <a:lnRef idx="2">
@@ -3806,407 +3832,21 @@
           </a:fontRef>
         </p:style>
         <p:txBody>
-          <a:bodyPr rtlCol="0" anchor="ctr"/>
-          <a:lstStyle/>
-          <a:p>
-            <a:pPr algn="ctr"/>
-            <a:endParaRPr lang="fr-FR" sz="1646"/>
-          </a:p>
-        </p:txBody>
-      </p:sp>
-      <p:sp>
-        <p:nvSpPr>
-          <p:cNvPr id="2" name="Arc 1"/>
-          <p:cNvSpPr/>
-          <p:nvPr/>
-        </p:nvSpPr>
-        <p:spPr>
-          <a:xfrm rot="10800000">
-            <a:off x="1752138" y="5387234"/>
-            <a:ext cx="2858847" cy="2859278"/>
-          </a:xfrm>
-          <a:prstGeom prst="arc">
-            <a:avLst>
-              <a:gd name="adj1" fmla="val 16205471"/>
-              <a:gd name="adj2" fmla="val 21523815"/>
-            </a:avLst>
-          </a:prstGeom>
-          <a:ln w="28575" cap="flat" cmpd="sng" algn="ctr">
-            <a:solidFill>
-              <a:schemeClr val="accent3"/>
-            </a:solidFill>
-            <a:prstDash val="dash"/>
-            <a:round/>
-            <a:headEnd type="none" w="med" len="med"/>
-            <a:tailEnd type="none" w="med" len="med"/>
-          </a:ln>
-        </p:spPr>
-        <p:style>
-          <a:lnRef idx="0">
-            <a:scrgbClr r="0" g="0" b="0"/>
-          </a:lnRef>
-          <a:fillRef idx="0">
-            <a:scrgbClr r="0" g="0" b="0"/>
-          </a:fillRef>
-          <a:effectRef idx="0">
-            <a:scrgbClr r="0" g="0" b="0"/>
-          </a:effectRef>
-          <a:fontRef idx="minor">
-            <a:schemeClr val="tx1"/>
-          </a:fontRef>
-        </p:style>
-        <p:txBody>
-          <a:bodyPr rtlCol="0" anchor="ctr"/>
-          <a:lstStyle/>
-          <a:p>
-            <a:pPr algn="ctr"/>
-            <a:endParaRPr lang="fr-FR" sz="1646" dirty="0"/>
-          </a:p>
-        </p:txBody>
-      </p:sp>
-      <p:cxnSp>
-        <p:nvCxnSpPr>
-          <p:cNvPr id="4" name="Straight Connector 3"/>
-          <p:cNvCxnSpPr>
-            <a:stCxn id="5" idx="1"/>
-          </p:cNvCxnSpPr>
-          <p:nvPr/>
-        </p:nvCxnSpPr>
-        <p:spPr>
-          <a:xfrm>
-            <a:off x="1752138" y="2743944"/>
-            <a:ext cx="0" cy="4079786"/>
-          </a:xfrm>
-          <a:prstGeom prst="line">
-            <a:avLst/>
-          </a:prstGeom>
-          <a:ln w="28575" cap="flat" cmpd="sng" algn="ctr">
-            <a:solidFill>
-              <a:schemeClr val="accent3"/>
-            </a:solidFill>
-            <a:prstDash val="dash"/>
-            <a:round/>
-            <a:headEnd type="none" w="med" len="med"/>
-            <a:tailEnd type="none" w="med" len="med"/>
-          </a:ln>
-        </p:spPr>
-        <p:style>
-          <a:lnRef idx="0">
-            <a:scrgbClr r="0" g="0" b="0"/>
-          </a:lnRef>
-          <a:fillRef idx="0">
-            <a:scrgbClr r="0" g="0" b="0"/>
-          </a:fillRef>
-          <a:effectRef idx="0">
-            <a:scrgbClr r="0" g="0" b="0"/>
-          </a:effectRef>
-          <a:fontRef idx="minor">
-            <a:schemeClr val="tx1"/>
-          </a:fontRef>
-        </p:style>
-      </p:cxnSp>
-      <p:cxnSp>
-        <p:nvCxnSpPr>
-          <p:cNvPr id="12" name="Straight Connector 11"/>
-          <p:cNvCxnSpPr>
-            <a:stCxn id="2" idx="0"/>
-            <a:endCxn id="7" idx="3"/>
-          </p:cNvCxnSpPr>
-          <p:nvPr/>
-        </p:nvCxnSpPr>
-        <p:spPr>
-          <a:xfrm>
-            <a:off x="3179286" y="8246510"/>
-            <a:ext cx="3732581" cy="2"/>
-          </a:xfrm>
-          <a:prstGeom prst="line">
-            <a:avLst/>
-          </a:prstGeom>
-          <a:ln w="28575" cap="flat" cmpd="sng" algn="ctr">
-            <a:solidFill>
-              <a:schemeClr val="tx1"/>
-            </a:solidFill>
-            <a:prstDash val="dash"/>
-            <a:round/>
-            <a:headEnd type="none" w="med" len="med"/>
-            <a:tailEnd type="none" w="med" len="med"/>
-          </a:ln>
-        </p:spPr>
-        <p:style>
-          <a:lnRef idx="0">
-            <a:scrgbClr r="0" g="0" b="0"/>
-          </a:lnRef>
-          <a:fillRef idx="0">
-            <a:scrgbClr r="0" g="0" b="0"/>
-          </a:fillRef>
-          <a:effectRef idx="0">
-            <a:scrgbClr r="0" g="0" b="0"/>
-          </a:effectRef>
-          <a:fontRef idx="minor">
-            <a:schemeClr val="tx1"/>
-          </a:fontRef>
-        </p:style>
-      </p:cxnSp>
-      <p:cxnSp>
-        <p:nvCxnSpPr>
-          <p:cNvPr id="42" name="Straight Arrow Connector 41"/>
-          <p:cNvCxnSpPr/>
-          <p:nvPr/>
-        </p:nvCxnSpPr>
-        <p:spPr>
-          <a:xfrm>
-            <a:off x="4928652" y="7833782"/>
-            <a:ext cx="20733" cy="362838"/>
-          </a:xfrm>
-          <a:prstGeom prst="straightConnector1">
-            <a:avLst/>
-          </a:prstGeom>
-          <a:ln w="19050" cap="flat" cmpd="sng" algn="ctr">
-            <a:solidFill>
-              <a:schemeClr val="tx1"/>
-            </a:solidFill>
-            <a:prstDash val="solid"/>
-            <a:round/>
-            <a:headEnd type="none" w="med" len="med"/>
-            <a:tailEnd type="arrow" w="med" len="med"/>
-          </a:ln>
-        </p:spPr>
-        <p:style>
-          <a:lnRef idx="0">
-            <a:scrgbClr r="0" g="0" b="0"/>
-          </a:lnRef>
-          <a:fillRef idx="0">
-            <a:scrgbClr r="0" g="0" b="0"/>
-          </a:fillRef>
-          <a:effectRef idx="0">
-            <a:scrgbClr r="0" g="0" b="0"/>
-          </a:effectRef>
-          <a:fontRef idx="minor">
-            <a:schemeClr val="tx1"/>
-          </a:fontRef>
-        </p:style>
-      </p:cxnSp>
-      <p:sp>
-        <p:nvSpPr>
-          <p:cNvPr id="44" name="Oval 43"/>
-          <p:cNvSpPr/>
-          <p:nvPr/>
-        </p:nvSpPr>
-        <p:spPr>
-          <a:xfrm>
-            <a:off x="4767598" y="7510159"/>
-            <a:ext cx="342839" cy="342839"/>
-          </a:xfrm>
-          <a:prstGeom prst="ellipse">
-            <a:avLst/>
-          </a:prstGeom>
-          <a:ln w="19050">
-            <a:solidFill>
-              <a:schemeClr val="tx1"/>
-            </a:solidFill>
-          </a:ln>
-        </p:spPr>
-        <p:style>
-          <a:lnRef idx="2">
-            <a:schemeClr val="accent3"/>
-          </a:lnRef>
-          <a:fillRef idx="1">
-            <a:schemeClr val="lt1"/>
-          </a:fillRef>
-          <a:effectRef idx="0">
-            <a:schemeClr val="accent3"/>
-          </a:effectRef>
-          <a:fontRef idx="minor">
-            <a:schemeClr val="dk1"/>
-          </a:fontRef>
-        </p:style>
-        <p:txBody>
-          <a:bodyPr rtlCol="0" anchor="ctr"/>
-          <a:lstStyle/>
-          <a:p>
-            <a:pPr algn="ctr"/>
-            <a:r>
-              <a:rPr lang="fr-FR" sz="1646" dirty="0"/>
-              <a:t>A</a:t>
-            </a:r>
-          </a:p>
-        </p:txBody>
-      </p:sp>
-      <p:cxnSp>
-        <p:nvCxnSpPr>
-          <p:cNvPr id="45" name="Straight Arrow Connector 44"/>
-          <p:cNvCxnSpPr>
-            <a:stCxn id="46" idx="6"/>
-          </p:cNvCxnSpPr>
-          <p:nvPr/>
-        </p:nvCxnSpPr>
-        <p:spPr>
-          <a:xfrm flipV="1">
-            <a:off x="1253598" y="5283932"/>
-            <a:ext cx="425060" cy="5080"/>
-          </a:xfrm>
-          <a:prstGeom prst="straightConnector1">
-            <a:avLst/>
-          </a:prstGeom>
-          <a:ln w="19050" cap="flat" cmpd="sng" algn="ctr">
-            <a:solidFill>
-              <a:schemeClr val="tx1"/>
-            </a:solidFill>
-            <a:prstDash val="solid"/>
-            <a:round/>
-            <a:headEnd type="none" w="med" len="med"/>
-            <a:tailEnd type="arrow" w="med" len="med"/>
-          </a:ln>
-        </p:spPr>
-        <p:style>
-          <a:lnRef idx="0">
-            <a:scrgbClr r="0" g="0" b="0"/>
-          </a:lnRef>
-          <a:fillRef idx="0">
-            <a:scrgbClr r="0" g="0" b="0"/>
-          </a:fillRef>
-          <a:effectRef idx="0">
-            <a:scrgbClr r="0" g="0" b="0"/>
-          </a:effectRef>
-          <a:fontRef idx="minor">
-            <a:schemeClr val="tx1"/>
-          </a:fontRef>
-        </p:style>
-      </p:cxnSp>
-      <p:sp>
-        <p:nvSpPr>
-          <p:cNvPr id="46" name="Oval 45"/>
-          <p:cNvSpPr/>
-          <p:nvPr/>
-        </p:nvSpPr>
-        <p:spPr>
-          <a:xfrm>
-            <a:off x="910759" y="5117593"/>
-            <a:ext cx="342839" cy="342839"/>
-          </a:xfrm>
-          <a:prstGeom prst="ellipse">
-            <a:avLst/>
-          </a:prstGeom>
-          <a:ln w="19050">
-            <a:solidFill>
-              <a:schemeClr val="tx1"/>
-            </a:solidFill>
-          </a:ln>
-        </p:spPr>
-        <p:style>
-          <a:lnRef idx="2">
-            <a:schemeClr val="accent3"/>
-          </a:lnRef>
-          <a:fillRef idx="1">
-            <a:schemeClr val="lt1"/>
-          </a:fillRef>
-          <a:effectRef idx="0">
-            <a:schemeClr val="accent3"/>
-          </a:effectRef>
-          <a:fontRef idx="minor">
-            <a:schemeClr val="dk1"/>
-          </a:fontRef>
-        </p:style>
-        <p:txBody>
-          <a:bodyPr rtlCol="0" anchor="ctr"/>
-          <a:lstStyle/>
-          <a:p>
-            <a:pPr algn="ctr"/>
-            <a:r>
-              <a:rPr lang="fr-FR" sz="1646" dirty="0"/>
-              <a:t>B</a:t>
-            </a:r>
-          </a:p>
-        </p:txBody>
-      </p:sp>
-      <p:cxnSp>
-        <p:nvCxnSpPr>
-          <p:cNvPr id="47" name="Straight Arrow Connector 46"/>
-          <p:cNvCxnSpPr/>
-          <p:nvPr/>
-        </p:nvCxnSpPr>
-        <p:spPr>
-          <a:xfrm flipV="1">
-            <a:off x="1678659" y="7751231"/>
-            <a:ext cx="360553" cy="396582"/>
-          </a:xfrm>
-          <a:prstGeom prst="straightConnector1">
-            <a:avLst/>
-          </a:prstGeom>
-          <a:ln w="19050" cap="flat" cmpd="sng" algn="ctr">
-            <a:solidFill>
-              <a:schemeClr val="tx1"/>
-            </a:solidFill>
-            <a:prstDash val="solid"/>
-            <a:round/>
-            <a:headEnd type="none" w="med" len="med"/>
-            <a:tailEnd type="arrow" w="med" len="med"/>
-          </a:ln>
-        </p:spPr>
-        <p:style>
-          <a:lnRef idx="0">
-            <a:scrgbClr r="0" g="0" b="0"/>
-          </a:lnRef>
-          <a:fillRef idx="0">
-            <a:scrgbClr r="0" g="0" b="0"/>
-          </a:fillRef>
-          <a:effectRef idx="0">
-            <a:scrgbClr r="0" g="0" b="0"/>
-          </a:effectRef>
-          <a:fontRef idx="minor">
-            <a:schemeClr val="tx1"/>
-          </a:fontRef>
-        </p:style>
-      </p:cxnSp>
-      <p:sp>
-        <p:nvSpPr>
-          <p:cNvPr id="48" name="Oval 47"/>
-          <p:cNvSpPr/>
-          <p:nvPr/>
-        </p:nvSpPr>
-        <p:spPr>
-          <a:xfrm>
-            <a:off x="1489299" y="8121221"/>
-            <a:ext cx="342839" cy="342839"/>
-          </a:xfrm>
-          <a:prstGeom prst="ellipse">
-            <a:avLst/>
-          </a:prstGeom>
-          <a:ln w="19050">
-            <a:solidFill>
-              <a:schemeClr val="tx1"/>
-            </a:solidFill>
-          </a:ln>
-        </p:spPr>
-        <p:style>
-          <a:lnRef idx="2">
-            <a:schemeClr val="accent3"/>
-          </a:lnRef>
-          <a:fillRef idx="1">
-            <a:schemeClr val="lt1"/>
-          </a:fillRef>
-          <a:effectRef idx="0">
-            <a:schemeClr val="accent3"/>
-          </a:effectRef>
-          <a:fontRef idx="minor">
-            <a:schemeClr val="dk1"/>
-          </a:fontRef>
-        </p:style>
-        <p:txBody>
-          <a:bodyPr rtlCol="0" anchor="ctr"/>
-          <a:lstStyle/>
-          <a:p>
-            <a:pPr algn="ctr"/>
-            <a:r>
-              <a:rPr lang="fr-FR" sz="1646" dirty="0"/>
-              <a:t>C</a:t>
-            </a:r>
-          </a:p>
-        </p:txBody>
-      </p:sp>
-      <p:sp>
-        <p:nvSpPr>
-          <p:cNvPr id="16" name="TextBox 15"/>
+          <a:bodyPr wrap="square" rtlCol="0">
+            <a:spAutoFit/>
+          </a:bodyPr>
+          <a:lstStyle/>
+          <a:p>
+            <a:r>
+              <a:rPr lang="fr-FR" sz="1333" dirty="0"/>
+              <a:t>Note : …../20		Remarque : …………………………………………………………………………</a:t>
+            </a:r>
+          </a:p>
+        </p:txBody>
+      </p:sp>
+      <p:sp>
+        <p:nvSpPr>
+          <p:cNvPr id="8" name="TextBox 7"/>
           <p:cNvSpPr txBox="1"/>
           <p:nvPr/>
         </p:nvSpPr>
@@ -4243,107 +3883,15 @@
             <a:pPr algn="ctr"/>
             <a:r>
               <a:rPr lang="fr-FR" sz="2286" dirty="0"/>
-              <a:t>Calcul d’un escalier quart tournant	1/2</a:t>
-            </a:r>
-          </a:p>
-        </p:txBody>
-      </p:sp>
-      <p:sp>
-        <p:nvSpPr>
-          <p:cNvPr id="18" name="Arc 17"/>
-          <p:cNvSpPr/>
-          <p:nvPr/>
-        </p:nvSpPr>
-        <p:spPr>
-          <a:xfrm rot="10800000">
-            <a:off x="1745497" y="5394091"/>
-            <a:ext cx="2858847" cy="2859278"/>
-          </a:xfrm>
-          <a:prstGeom prst="arc">
-            <a:avLst>
-              <a:gd name="adj1" fmla="val 16205471"/>
-              <a:gd name="adj2" fmla="val 21523815"/>
-            </a:avLst>
-          </a:prstGeom>
-          <a:solidFill>
-            <a:srgbClr val="FFFFFF"/>
-          </a:solidFill>
-          <a:ln w="28575" cap="flat" cmpd="sng" algn="ctr">
-            <a:solidFill>
-              <a:schemeClr val="tx1"/>
-            </a:solidFill>
-            <a:prstDash val="dash"/>
-            <a:round/>
-            <a:headEnd type="none" w="med" len="med"/>
-            <a:tailEnd type="none" w="med" len="med"/>
-          </a:ln>
-        </p:spPr>
-        <p:style>
-          <a:lnRef idx="0">
-            <a:scrgbClr r="0" g="0" b="0"/>
-          </a:lnRef>
-          <a:fillRef idx="0">
-            <a:scrgbClr r="0" g="0" b="0"/>
-          </a:fillRef>
-          <a:effectRef idx="0">
-            <a:scrgbClr r="0" g="0" b="0"/>
-          </a:effectRef>
-          <a:fontRef idx="minor">
-            <a:schemeClr val="tx1"/>
-          </a:fontRef>
-        </p:style>
-        <p:txBody>
-          <a:bodyPr rtlCol="0" anchor="ctr"/>
-          <a:lstStyle/>
-          <a:p>
-            <a:pPr algn="ctr"/>
-            <a:endParaRPr lang="fr-FR" sz="1646" dirty="0"/>
-          </a:p>
-        </p:txBody>
-      </p:sp>
-      <p:cxnSp>
-        <p:nvCxnSpPr>
-          <p:cNvPr id="19" name="Straight Connector 18"/>
-          <p:cNvCxnSpPr/>
-          <p:nvPr/>
-        </p:nvCxnSpPr>
-        <p:spPr>
-          <a:xfrm>
-            <a:off x="1745496" y="2750801"/>
-            <a:ext cx="0" cy="4079786"/>
-          </a:xfrm>
-          <a:prstGeom prst="line">
-            <a:avLst/>
-          </a:prstGeom>
-          <a:ln w="28575" cap="flat" cmpd="sng" algn="ctr">
-            <a:solidFill>
-              <a:schemeClr val="tx1"/>
-            </a:solidFill>
-            <a:prstDash val="dash"/>
-            <a:round/>
-            <a:headEnd type="none" w="med" len="med"/>
-            <a:tailEnd type="none" w="med" len="med"/>
-          </a:ln>
-        </p:spPr>
-        <p:style>
-          <a:lnRef idx="0">
-            <a:scrgbClr r="0" g="0" b="0"/>
-          </a:lnRef>
-          <a:fillRef idx="0">
-            <a:scrgbClr r="0" g="0" b="0"/>
-          </a:fillRef>
-          <a:effectRef idx="0">
-            <a:scrgbClr r="0" g="0" b="0"/>
-          </a:effectRef>
-          <a:fontRef idx="minor">
-            <a:schemeClr val="tx1"/>
-          </a:fontRef>
-        </p:style>
-      </p:cxnSp>
+              <a:t>Evaluation finale sur les escaliers		1/3</a:t>
+            </a:r>
+          </a:p>
+        </p:txBody>
+      </p:sp>
     </p:spTree>
     <p:extLst>
       <p:ext uri="{BB962C8B-B14F-4D97-AF65-F5344CB8AC3E}">
-        <p14:creationId xmlns:p14="http://schemas.microsoft.com/office/powerpoint/2010/main" val="811267893"/>
+        <p14:creationId xmlns:p14="http://schemas.microsoft.com/office/powerpoint/2010/main" val="1757845558"/>
       </p:ext>
     </p:extLst>
   </p:cSld>
@@ -4372,14 +3920,14 @@
       </p:grpSpPr>
       <p:sp>
         <p:nvSpPr>
-          <p:cNvPr id="6" name="TextBox 5"/>
+          <p:cNvPr id="4" name="TextBox 3"/>
           <p:cNvSpPr txBox="1"/>
           <p:nvPr/>
         </p:nvSpPr>
         <p:spPr>
           <a:xfrm>
-            <a:off x="320139" y="891425"/>
-            <a:ext cx="3113394" cy="1551387"/>
+            <a:off x="647615" y="1313161"/>
+            <a:ext cx="5885282" cy="5192896"/>
           </a:xfrm>
           <a:prstGeom prst="rect">
             <a:avLst/>
@@ -4393,1976 +3941,22 @@
           <a:lstStyle/>
           <a:p>
             <a:r>
-              <a:rPr lang="fr-FR" sz="1646" b="1" dirty="0"/>
-              <a:t>Prise de cotes  sur chantier :</a:t>
-            </a:r>
-          </a:p>
-          <a:p>
-            <a:endParaRPr lang="fr-FR" sz="1646" b="1" dirty="0"/>
-          </a:p>
-          <a:p>
-            <a:r>
-              <a:rPr lang="fr-FR" sz="1238" b="1" dirty="0"/>
-              <a:t>A. Déterminer la hauteur </a:t>
-            </a:r>
-            <a:r>
-              <a:rPr lang="fr-FR" sz="1238" dirty="0"/>
-              <a:t>de l’escalier.</a:t>
-            </a:r>
-          </a:p>
-          <a:p>
-            <a:r>
-              <a:rPr lang="fr-FR" sz="1238" dirty="0"/>
-              <a:t> (du sol au plancher )</a:t>
-            </a:r>
-          </a:p>
-          <a:p>
-            <a:r>
-              <a:rPr lang="fr-FR" sz="1238" b="1" dirty="0"/>
-              <a:t>B. Déterminer l’étendue </a:t>
-            </a:r>
-            <a:r>
-              <a:rPr lang="fr-FR" sz="1238" dirty="0"/>
-              <a:t>(le reculement) disponible</a:t>
-            </a:r>
-          </a:p>
-          <a:p>
-            <a:r>
-              <a:rPr lang="fr-FR" sz="1238" b="1" dirty="0"/>
-              <a:t>C. Déterminer la largeur </a:t>
-            </a:r>
-            <a:r>
-              <a:rPr lang="fr-FR" sz="1238" dirty="0"/>
-              <a:t>disponible </a:t>
-            </a:r>
-          </a:p>
-        </p:txBody>
-      </p:sp>
-      <p:sp>
-        <p:nvSpPr>
-          <p:cNvPr id="9" name="TextBox 8"/>
-          <p:cNvSpPr txBox="1"/>
-          <p:nvPr/>
-        </p:nvSpPr>
-        <p:spPr>
-          <a:xfrm>
-            <a:off x="3433532" y="891426"/>
-            <a:ext cx="3445879" cy="4810099"/>
-          </a:xfrm>
-          <a:prstGeom prst="rect">
-            <a:avLst/>
-          </a:prstGeom>
-          <a:noFill/>
-        </p:spPr>
-        <p:txBody>
-          <a:bodyPr wrap="square" numCol="1" rtlCol="0">
-            <a:spAutoFit/>
-          </a:bodyPr>
-          <a:lstStyle/>
-          <a:p>
-            <a:r>
-              <a:rPr lang="fr-FR" sz="1333" b="1" dirty="0"/>
-              <a:t>Calcul et traçage sur le plan :</a:t>
-            </a:r>
-          </a:p>
-          <a:p>
-            <a:endParaRPr lang="fr-FR" sz="1333" b="1" dirty="0"/>
-          </a:p>
-          <a:p>
-            <a:r>
-              <a:rPr lang="fr-FR" sz="1333" dirty="0"/>
-              <a:t>Pour un escalier d’une hauteur sol au plancher de 2000 mm, une marche palière de 100 mm et une distance entre le dernier nez de marche et la fin du limon de 30 mm</a:t>
-            </a:r>
-          </a:p>
-          <a:p>
-            <a:endParaRPr lang="fr-FR" sz="1333" dirty="0"/>
-          </a:p>
-          <a:p>
-            <a:r>
-              <a:rPr lang="fr-FR" sz="1333" b="1" dirty="0"/>
-              <a:t>1. Le nombre de marches :</a:t>
-            </a:r>
-          </a:p>
-          <a:p>
-            <a:r>
-              <a:rPr lang="fr-FR" sz="1333" dirty="0"/>
-              <a:t>2000 </a:t>
-            </a:r>
-            <a:r>
-              <a:rPr lang="fr-BE" sz="1333" dirty="0"/>
-              <a:t>÷</a:t>
-            </a:r>
-            <a:r>
-              <a:rPr lang="fr-FR" sz="1333" dirty="0"/>
-              <a:t> 180 = </a:t>
-            </a:r>
-            <a:r>
-              <a:rPr lang="fr-BE" sz="1333" dirty="0"/>
-              <a:t>11,1111</a:t>
-            </a:r>
-            <a:r>
-              <a:rPr lang="fr-FR" sz="1333" dirty="0"/>
-              <a:t>… (11 ou 12)</a:t>
-            </a:r>
-          </a:p>
-          <a:p>
-            <a:endParaRPr lang="fr-FR" sz="1333" b="1" dirty="0"/>
-          </a:p>
-          <a:p>
-            <a:r>
-              <a:rPr lang="fr-FR" sz="1333" b="1" dirty="0"/>
-              <a:t>2. La hauteur de marche :</a:t>
-            </a:r>
-          </a:p>
-          <a:p>
-            <a:r>
-              <a:rPr lang="fr-FR" sz="1333" strike="sngStrike" dirty="0"/>
-              <a:t>2000 </a:t>
-            </a:r>
-            <a:r>
-              <a:rPr lang="fr-BE" sz="1333" strike="sngStrike" dirty="0"/>
-              <a:t>÷ 12 = 166,66666</a:t>
-            </a:r>
-            <a:r>
-              <a:rPr lang="fr-BE" sz="1333" dirty="0"/>
-              <a:t> </a:t>
-            </a:r>
-          </a:p>
-          <a:p>
-            <a:r>
-              <a:rPr lang="fr-BE" sz="1333" dirty="0"/>
-              <a:t>2000 ÷ 11 = 181,8181…</a:t>
-            </a:r>
-          </a:p>
-          <a:p>
-            <a:endParaRPr lang="fr-BE" sz="1333" dirty="0"/>
-          </a:p>
-          <a:p>
-            <a:r>
-              <a:rPr lang="fr-BE" sz="1333" b="1" dirty="0"/>
-              <a:t>3. Calculer la ligne de foulée :</a:t>
-            </a:r>
-          </a:p>
-          <a:p>
-            <a:r>
-              <a:rPr lang="fr-BE" sz="1333" dirty="0"/>
-              <a:t>(1150 – 100)  + (1050 – 30) + (3,14 x 400 x 2) = 2698mm				     4</a:t>
-            </a:r>
-          </a:p>
-          <a:p>
-            <a:r>
-              <a:rPr lang="fr-BE" sz="1333" dirty="0"/>
-              <a:t>					</a:t>
-            </a:r>
-          </a:p>
-          <a:p>
-            <a:r>
-              <a:rPr lang="fr-FR" sz="1333" b="1" dirty="0"/>
-              <a:t>4. Déterminer le giron :</a:t>
-            </a:r>
-          </a:p>
-          <a:p>
-            <a:r>
-              <a:rPr lang="fr-FR" sz="1333" dirty="0"/>
-              <a:t>2698 </a:t>
-            </a:r>
-            <a:r>
-              <a:rPr lang="fr-BE" sz="1333" dirty="0"/>
-              <a:t>÷ 10 = 269.8 mm</a:t>
-            </a:r>
-          </a:p>
-          <a:p>
-            <a:endParaRPr lang="fr-BE" sz="1333" dirty="0"/>
-          </a:p>
-          <a:p>
-            <a:r>
-              <a:rPr lang="fr-FR" sz="1333" b="1" dirty="0"/>
-              <a:t>5. Formule de Blondel :</a:t>
-            </a:r>
-          </a:p>
-          <a:p>
-            <a:r>
-              <a:rPr lang="fr-BE" sz="1333" dirty="0"/>
-              <a:t>181,818 + 181,818 + 269.8 =  633,436 mm</a:t>
-            </a:r>
-            <a:endParaRPr lang="fr-FR" sz="1333" dirty="0"/>
-          </a:p>
-        </p:txBody>
-      </p:sp>
-      <p:sp>
-        <p:nvSpPr>
-          <p:cNvPr id="5" name="Rectangle 4"/>
-          <p:cNvSpPr/>
-          <p:nvPr/>
-        </p:nvSpPr>
-        <p:spPr>
-          <a:xfrm rot="5400000">
-            <a:off x="-1710538" y="4783837"/>
-            <a:ext cx="6925351" cy="2845565"/>
-          </a:xfrm>
-          <a:prstGeom prst="rect">
-            <a:avLst/>
-          </a:prstGeom>
-          <a:solidFill>
-            <a:srgbClr val="FFFFFF">
-              <a:alpha val="60000"/>
-            </a:srgbClr>
-          </a:solidFill>
-          <a:ln w="19050">
-            <a:solidFill>
-              <a:srgbClr val="000000">
-                <a:alpha val="74902"/>
-              </a:srgbClr>
-            </a:solidFill>
-          </a:ln>
-        </p:spPr>
-        <p:style>
-          <a:lnRef idx="2">
-            <a:schemeClr val="dk1"/>
-          </a:lnRef>
-          <a:fillRef idx="1">
-            <a:schemeClr val="lt1"/>
-          </a:fillRef>
-          <a:effectRef idx="0">
-            <a:schemeClr val="dk1"/>
-          </a:effectRef>
-          <a:fontRef idx="minor">
-            <a:schemeClr val="dk1"/>
-          </a:fontRef>
-        </p:style>
-        <p:txBody>
-          <a:bodyPr rtlCol="0" anchor="ctr"/>
-          <a:lstStyle/>
-          <a:p>
-            <a:pPr algn="ctr"/>
-            <a:endParaRPr lang="fr-FR" sz="1646"/>
-          </a:p>
-        </p:txBody>
-      </p:sp>
-      <p:sp>
-        <p:nvSpPr>
-          <p:cNvPr id="7" name="Rectangle 6"/>
-          <p:cNvSpPr/>
-          <p:nvPr/>
-        </p:nvSpPr>
-        <p:spPr>
-          <a:xfrm>
-            <a:off x="329355" y="6823730"/>
-            <a:ext cx="6582512" cy="2845565"/>
-          </a:xfrm>
-          <a:prstGeom prst="rect">
-            <a:avLst/>
-          </a:prstGeom>
-          <a:solidFill>
-            <a:srgbClr val="FFFFFF">
-              <a:alpha val="60000"/>
-            </a:srgbClr>
-          </a:solidFill>
-          <a:ln w="19050">
-            <a:solidFill>
-              <a:srgbClr val="000000">
-                <a:alpha val="74902"/>
-              </a:srgbClr>
-            </a:solidFill>
-          </a:ln>
-        </p:spPr>
-        <p:style>
-          <a:lnRef idx="2">
-            <a:schemeClr val="dk1"/>
-          </a:lnRef>
-          <a:fillRef idx="1">
-            <a:schemeClr val="lt1"/>
-          </a:fillRef>
-          <a:effectRef idx="0">
-            <a:schemeClr val="dk1"/>
-          </a:effectRef>
-          <a:fontRef idx="minor">
-            <a:schemeClr val="dk1"/>
-          </a:fontRef>
-        </p:style>
-        <p:txBody>
-          <a:bodyPr rtlCol="0" anchor="ctr"/>
-          <a:lstStyle/>
-          <a:p>
-            <a:pPr algn="ctr"/>
-            <a:endParaRPr lang="fr-FR" sz="1646"/>
-          </a:p>
-        </p:txBody>
-      </p:sp>
-      <p:sp>
-        <p:nvSpPr>
-          <p:cNvPr id="2" name="Arc 1"/>
-          <p:cNvSpPr/>
-          <p:nvPr/>
-        </p:nvSpPr>
-        <p:spPr>
-          <a:xfrm rot="10800000">
-            <a:off x="1752138" y="5387234"/>
-            <a:ext cx="2858847" cy="2859278"/>
-          </a:xfrm>
-          <a:prstGeom prst="arc">
-            <a:avLst>
-              <a:gd name="adj1" fmla="val 16205471"/>
-              <a:gd name="adj2" fmla="val 21523815"/>
-            </a:avLst>
-          </a:prstGeom>
-          <a:ln w="28575" cap="flat" cmpd="sng" algn="ctr">
-            <a:solidFill>
-              <a:schemeClr val="tx1"/>
-            </a:solidFill>
-            <a:prstDash val="dash"/>
-            <a:round/>
-            <a:headEnd type="none" w="med" len="med"/>
-            <a:tailEnd type="none" w="med" len="med"/>
-          </a:ln>
-        </p:spPr>
-        <p:style>
-          <a:lnRef idx="0">
-            <a:scrgbClr r="0" g="0" b="0"/>
-          </a:lnRef>
-          <a:fillRef idx="0">
-            <a:scrgbClr r="0" g="0" b="0"/>
-          </a:fillRef>
-          <a:effectRef idx="0">
-            <a:scrgbClr r="0" g="0" b="0"/>
-          </a:effectRef>
-          <a:fontRef idx="minor">
-            <a:schemeClr val="tx1"/>
-          </a:fontRef>
-        </p:style>
-        <p:txBody>
-          <a:bodyPr rtlCol="0" anchor="ctr"/>
-          <a:lstStyle/>
-          <a:p>
-            <a:pPr algn="ctr"/>
-            <a:endParaRPr lang="fr-FR" sz="1646" dirty="0"/>
-          </a:p>
-        </p:txBody>
-      </p:sp>
-      <p:cxnSp>
-        <p:nvCxnSpPr>
-          <p:cNvPr id="4" name="Straight Connector 3"/>
-          <p:cNvCxnSpPr>
-            <a:stCxn id="5" idx="1"/>
-          </p:cNvCxnSpPr>
-          <p:nvPr/>
-        </p:nvCxnSpPr>
-        <p:spPr>
-          <a:xfrm>
-            <a:off x="1752138" y="2743944"/>
-            <a:ext cx="0" cy="4079786"/>
-          </a:xfrm>
-          <a:prstGeom prst="line">
-            <a:avLst/>
-          </a:prstGeom>
-          <a:ln w="28575" cap="flat" cmpd="sng" algn="ctr">
-            <a:solidFill>
-              <a:schemeClr val="tx1"/>
-            </a:solidFill>
-            <a:prstDash val="dash"/>
-            <a:round/>
-            <a:headEnd type="none" w="med" len="med"/>
-            <a:tailEnd type="none" w="med" len="med"/>
-          </a:ln>
-        </p:spPr>
-        <p:style>
-          <a:lnRef idx="0">
-            <a:scrgbClr r="0" g="0" b="0"/>
-          </a:lnRef>
-          <a:fillRef idx="0">
-            <a:scrgbClr r="0" g="0" b="0"/>
-          </a:fillRef>
-          <a:effectRef idx="0">
-            <a:scrgbClr r="0" g="0" b="0"/>
-          </a:effectRef>
-          <a:fontRef idx="minor">
-            <a:schemeClr val="tx1"/>
-          </a:fontRef>
-        </p:style>
-      </p:cxnSp>
-      <p:cxnSp>
-        <p:nvCxnSpPr>
-          <p:cNvPr id="12" name="Straight Connector 11"/>
-          <p:cNvCxnSpPr>
-            <a:stCxn id="2" idx="0"/>
-            <a:endCxn id="7" idx="3"/>
-          </p:cNvCxnSpPr>
-          <p:nvPr/>
-        </p:nvCxnSpPr>
-        <p:spPr>
-          <a:xfrm>
-            <a:off x="3179286" y="8246510"/>
-            <a:ext cx="3732581" cy="2"/>
-          </a:xfrm>
-          <a:prstGeom prst="line">
-            <a:avLst/>
-          </a:prstGeom>
-          <a:ln w="28575" cap="flat" cmpd="sng" algn="ctr">
-            <a:solidFill>
-              <a:schemeClr val="tx1"/>
-            </a:solidFill>
-            <a:prstDash val="dash"/>
-            <a:round/>
-            <a:headEnd type="none" w="med" len="med"/>
-            <a:tailEnd type="none" w="med" len="med"/>
-          </a:ln>
-        </p:spPr>
-        <p:style>
-          <a:lnRef idx="0">
-            <a:scrgbClr r="0" g="0" b="0"/>
-          </a:lnRef>
-          <a:fillRef idx="0">
-            <a:scrgbClr r="0" g="0" b="0"/>
-          </a:fillRef>
-          <a:effectRef idx="0">
-            <a:scrgbClr r="0" g="0" b="0"/>
-          </a:effectRef>
-          <a:fontRef idx="minor">
-            <a:schemeClr val="tx1"/>
-          </a:fontRef>
-        </p:style>
-      </p:cxnSp>
-      <p:cxnSp>
-        <p:nvCxnSpPr>
-          <p:cNvPr id="19" name="Straight Arrow Connector 18"/>
-          <p:cNvCxnSpPr/>
-          <p:nvPr/>
-        </p:nvCxnSpPr>
-        <p:spPr>
-          <a:xfrm>
-            <a:off x="503359" y="2737087"/>
-            <a:ext cx="0" cy="4079786"/>
-          </a:xfrm>
-          <a:prstGeom prst="straightConnector1">
-            <a:avLst/>
-          </a:prstGeom>
-          <a:ln w="12700">
-            <a:headEnd type="triangle"/>
-            <a:tailEnd type="triangle"/>
-          </a:ln>
-        </p:spPr>
-        <p:style>
-          <a:lnRef idx="1">
-            <a:schemeClr val="accent3"/>
-          </a:lnRef>
-          <a:fillRef idx="0">
-            <a:schemeClr val="accent3"/>
-          </a:fillRef>
-          <a:effectRef idx="0">
-            <a:schemeClr val="accent3"/>
-          </a:effectRef>
-          <a:fontRef idx="minor">
-            <a:schemeClr val="tx1"/>
-          </a:fontRef>
-        </p:style>
-      </p:cxnSp>
-      <p:cxnSp>
-        <p:nvCxnSpPr>
-          <p:cNvPr id="21" name="Straight Arrow Connector 20"/>
-          <p:cNvCxnSpPr/>
-          <p:nvPr/>
-        </p:nvCxnSpPr>
-        <p:spPr>
-          <a:xfrm flipH="1" flipV="1">
-            <a:off x="3183688" y="9459543"/>
-            <a:ext cx="3730305" cy="15550"/>
-          </a:xfrm>
-          <a:prstGeom prst="straightConnector1">
-            <a:avLst/>
-          </a:prstGeom>
-          <a:ln w="12700">
-            <a:headEnd type="triangle"/>
-            <a:tailEnd type="triangle"/>
-          </a:ln>
-        </p:spPr>
-        <p:style>
-          <a:lnRef idx="1">
-            <a:schemeClr val="accent3"/>
-          </a:lnRef>
-          <a:fillRef idx="0">
-            <a:schemeClr val="accent3"/>
-          </a:fillRef>
-          <a:effectRef idx="0">
-            <a:schemeClr val="accent3"/>
-          </a:effectRef>
-          <a:fontRef idx="minor">
-            <a:schemeClr val="tx1"/>
-          </a:fontRef>
-        </p:style>
-      </p:cxnSp>
-      <p:sp>
-        <p:nvSpPr>
-          <p:cNvPr id="32" name="Rectangle 31"/>
-          <p:cNvSpPr/>
-          <p:nvPr/>
-        </p:nvSpPr>
-        <p:spPr>
-          <a:xfrm>
-            <a:off x="399121" y="4449405"/>
-            <a:ext cx="497465" cy="193848"/>
-          </a:xfrm>
-          <a:prstGeom prst="rect">
-            <a:avLst/>
-          </a:prstGeom>
-          <a:ln w="19050"/>
-        </p:spPr>
-        <p:style>
-          <a:lnRef idx="2">
-            <a:schemeClr val="accent3"/>
-          </a:lnRef>
-          <a:fillRef idx="1">
-            <a:schemeClr val="lt1"/>
-          </a:fillRef>
-          <a:effectRef idx="0">
-            <a:schemeClr val="accent3"/>
-          </a:effectRef>
-          <a:fontRef idx="minor">
-            <a:schemeClr val="dk1"/>
-          </a:fontRef>
-        </p:style>
-        <p:txBody>
-          <a:bodyPr rtlCol="0" anchor="ctr"/>
-          <a:lstStyle/>
-          <a:p>
-            <a:pPr algn="ctr"/>
-            <a:r>
-              <a:rPr lang="fr-FR" sz="1143" dirty="0">
-                <a:solidFill>
-                  <a:schemeClr val="bg1">
-                    <a:lumMod val="50000"/>
-                  </a:schemeClr>
-                </a:solidFill>
-              </a:rPr>
-              <a:t>1150</a:t>
-            </a:r>
-          </a:p>
-        </p:txBody>
-      </p:sp>
-      <p:sp>
-        <p:nvSpPr>
-          <p:cNvPr id="33" name="Rectangle 32"/>
-          <p:cNvSpPr/>
-          <p:nvPr/>
-        </p:nvSpPr>
-        <p:spPr>
-          <a:xfrm>
-            <a:off x="4754436" y="9332168"/>
-            <a:ext cx="507280" cy="228276"/>
-          </a:xfrm>
-          <a:prstGeom prst="rect">
-            <a:avLst/>
-          </a:prstGeom>
-          <a:ln w="19050"/>
-        </p:spPr>
-        <p:style>
-          <a:lnRef idx="2">
-            <a:schemeClr val="accent3"/>
-          </a:lnRef>
-          <a:fillRef idx="1">
-            <a:schemeClr val="lt1"/>
-          </a:fillRef>
-          <a:effectRef idx="0">
-            <a:schemeClr val="accent3"/>
-          </a:effectRef>
-          <a:fontRef idx="minor">
-            <a:schemeClr val="dk1"/>
-          </a:fontRef>
-        </p:style>
-        <p:txBody>
-          <a:bodyPr rtlCol="0" anchor="ctr"/>
-          <a:lstStyle/>
-          <a:p>
-            <a:pPr algn="ctr"/>
-            <a:r>
-              <a:rPr lang="fr-FR" sz="1143" dirty="0">
-                <a:solidFill>
-                  <a:schemeClr val="bg1">
-                    <a:lumMod val="50000"/>
-                  </a:schemeClr>
-                </a:solidFill>
-              </a:rPr>
-              <a:t>1050</a:t>
-            </a:r>
-          </a:p>
-        </p:txBody>
-      </p:sp>
-      <p:cxnSp>
-        <p:nvCxnSpPr>
-          <p:cNvPr id="16" name="Straight Arrow Connector 15"/>
-          <p:cNvCxnSpPr/>
-          <p:nvPr/>
-        </p:nvCxnSpPr>
-        <p:spPr>
-          <a:xfrm flipH="1" flipV="1">
-            <a:off x="1762006" y="6613978"/>
-            <a:ext cx="1412914" cy="15550"/>
-          </a:xfrm>
-          <a:prstGeom prst="straightConnector1">
-            <a:avLst/>
-          </a:prstGeom>
-          <a:ln w="12700">
-            <a:headEnd type="triangle"/>
-            <a:tailEnd type="triangle"/>
-          </a:ln>
-        </p:spPr>
-        <p:style>
-          <a:lnRef idx="1">
-            <a:schemeClr val="accent3"/>
-          </a:lnRef>
-          <a:fillRef idx="0">
-            <a:schemeClr val="accent3"/>
-          </a:fillRef>
-          <a:effectRef idx="0">
-            <a:schemeClr val="accent3"/>
-          </a:effectRef>
-          <a:fontRef idx="minor">
-            <a:schemeClr val="tx1"/>
-          </a:fontRef>
-        </p:style>
-      </p:cxnSp>
-      <p:sp>
-        <p:nvSpPr>
-          <p:cNvPr id="17" name="Rectangle 16"/>
-          <p:cNvSpPr/>
-          <p:nvPr/>
-        </p:nvSpPr>
-        <p:spPr>
-          <a:xfrm>
-            <a:off x="2209889" y="6498353"/>
-            <a:ext cx="507280" cy="228276"/>
-          </a:xfrm>
-          <a:prstGeom prst="rect">
-            <a:avLst/>
-          </a:prstGeom>
-          <a:ln w="19050"/>
-        </p:spPr>
-        <p:style>
-          <a:lnRef idx="2">
-            <a:schemeClr val="accent3"/>
-          </a:lnRef>
-          <a:fillRef idx="1">
-            <a:schemeClr val="lt1"/>
-          </a:fillRef>
-          <a:effectRef idx="0">
-            <a:schemeClr val="accent3"/>
-          </a:effectRef>
-          <a:fontRef idx="minor">
-            <a:schemeClr val="dk1"/>
-          </a:fontRef>
-        </p:style>
-        <p:txBody>
-          <a:bodyPr rtlCol="0" anchor="ctr"/>
-          <a:lstStyle/>
-          <a:p>
-            <a:pPr algn="ctr"/>
-            <a:r>
-              <a:rPr lang="fr-FR" sz="1143" dirty="0">
-                <a:solidFill>
-                  <a:schemeClr val="bg1">
-                    <a:lumMod val="50000"/>
-                  </a:schemeClr>
-                </a:solidFill>
-              </a:rPr>
-              <a:t>400</a:t>
-            </a:r>
-          </a:p>
-        </p:txBody>
-      </p:sp>
-      <p:cxnSp>
-        <p:nvCxnSpPr>
-          <p:cNvPr id="10" name="Straight Connector 9"/>
-          <p:cNvCxnSpPr/>
-          <p:nvPr/>
-        </p:nvCxnSpPr>
-        <p:spPr>
-          <a:xfrm>
-            <a:off x="5652760" y="4197232"/>
-            <a:ext cx="784837" cy="1296"/>
-          </a:xfrm>
-          <a:prstGeom prst="line">
-            <a:avLst/>
-          </a:prstGeom>
-        </p:spPr>
-        <p:style>
-          <a:lnRef idx="1">
-            <a:schemeClr val="dk1"/>
-          </a:lnRef>
-          <a:fillRef idx="0">
-            <a:schemeClr val="dk1"/>
-          </a:fillRef>
-          <a:effectRef idx="0">
-            <a:schemeClr val="dk1"/>
-          </a:effectRef>
-          <a:fontRef idx="minor">
-            <a:schemeClr val="tx1"/>
-          </a:fontRef>
-        </p:style>
-      </p:cxnSp>
-      <p:sp>
-        <p:nvSpPr>
-          <p:cNvPr id="20" name="TextBox 19"/>
-          <p:cNvSpPr txBox="1"/>
-          <p:nvPr/>
-        </p:nvSpPr>
-        <p:spPr>
-          <a:xfrm>
-            <a:off x="211598" y="323833"/>
-            <a:ext cx="6795587" cy="444096"/>
-          </a:xfrm>
-          <a:prstGeom prst="rect">
-            <a:avLst/>
-          </a:prstGeom>
-          <a:effectLst/>
-        </p:spPr>
-        <p:style>
-          <a:lnRef idx="2">
-            <a:schemeClr val="dk1"/>
-          </a:lnRef>
-          <a:fillRef idx="1">
-            <a:schemeClr val="lt1"/>
-          </a:fillRef>
-          <a:effectRef idx="0">
-            <a:schemeClr val="dk1"/>
-          </a:effectRef>
-          <a:fontRef idx="minor">
-            <a:schemeClr val="dk1"/>
-          </a:fontRef>
-        </p:style>
-        <p:txBody>
-          <a:bodyPr wrap="square" rtlCol="0">
-            <a:spAutoFit/>
-          </a:bodyPr>
-          <a:lstStyle/>
-          <a:p>
-            <a:pPr algn="ctr"/>
-            <a:r>
-              <a:rPr lang="fr-FR" sz="2286" dirty="0"/>
-              <a:t>Calcul d’un escalier quart tournant	2/2</a:t>
-            </a:r>
-          </a:p>
-        </p:txBody>
-      </p:sp>
-    </p:spTree>
-    <p:extLst>
-      <p:ext uri="{BB962C8B-B14F-4D97-AF65-F5344CB8AC3E}">
-        <p14:creationId xmlns:p14="http://schemas.microsoft.com/office/powerpoint/2010/main" val="1627638765"/>
-      </p:ext>
-    </p:extLst>
-  </p:cSld>
-  <p:clrMapOvr>
-    <a:masterClrMapping/>
-  </p:clrMapOvr>
-</p:sld>
-</file>
-
-<file path=ppt/slides/slide3.xml><?xml version="1.0" encoding="utf-8"?>
-<p:sld xmlns:a="http://schemas.openxmlformats.org/drawingml/2006/main" xmlns:r="http://schemas.openxmlformats.org/officeDocument/2006/relationships" xmlns:p="http://schemas.openxmlformats.org/presentationml/2006/main">
-  <p:cSld>
-    <p:spTree>
-      <p:nvGrpSpPr>
-        <p:cNvPr id="1" name=""/>
-        <p:cNvGrpSpPr/>
-        <p:nvPr/>
-      </p:nvGrpSpPr>
-      <p:grpSpPr>
-        <a:xfrm>
-          <a:off x="0" y="0"/>
-          <a:ext cx="0" cy="0"/>
-          <a:chOff x="0" y="0"/>
-          <a:chExt cx="0" cy="0"/>
-        </a:xfrm>
-      </p:grpSpPr>
-      <p:sp>
-        <p:nvSpPr>
-          <p:cNvPr id="6" name="TextBox 5"/>
-          <p:cNvSpPr txBox="1"/>
-          <p:nvPr/>
-        </p:nvSpPr>
-        <p:spPr>
-          <a:xfrm>
-            <a:off x="320139" y="891426"/>
-            <a:ext cx="3113394" cy="1528175"/>
-          </a:xfrm>
-          <a:prstGeom prst="rect">
-            <a:avLst/>
-          </a:prstGeom>
-          <a:noFill/>
-        </p:spPr>
-        <p:txBody>
-          <a:bodyPr wrap="square" numCol="1" rtlCol="0">
-            <a:spAutoFit/>
-          </a:bodyPr>
-          <a:lstStyle/>
-          <a:p>
-            <a:r>
-              <a:rPr lang="fr-FR" sz="1333" b="1" dirty="0"/>
-              <a:t>Prise de cotes  sur chantier :</a:t>
-            </a:r>
-          </a:p>
-          <a:p>
-            <a:endParaRPr lang="fr-FR" sz="1333" b="1" dirty="0"/>
-          </a:p>
-          <a:p>
-            <a:r>
-              <a:rPr lang="fr-FR" sz="1333" b="1" dirty="0"/>
-              <a:t>A. Déterminer la hauteur </a:t>
-            </a:r>
-            <a:r>
-              <a:rPr lang="fr-FR" sz="1333" dirty="0"/>
-              <a:t>de l’escalier.</a:t>
-            </a:r>
-          </a:p>
-          <a:p>
-            <a:r>
-              <a:rPr lang="fr-FR" sz="1333" dirty="0"/>
-              <a:t> (du sol au plancher )</a:t>
-            </a:r>
-          </a:p>
-          <a:p>
-            <a:r>
-              <a:rPr lang="fr-FR" sz="1333" b="1" dirty="0"/>
-              <a:t>B. Déterminer l’étendue </a:t>
-            </a:r>
-            <a:r>
-              <a:rPr lang="fr-FR" sz="1333" dirty="0"/>
-              <a:t>(le reculement) disponible</a:t>
-            </a:r>
-          </a:p>
-          <a:p>
-            <a:r>
-              <a:rPr lang="fr-FR" sz="1333" b="1" dirty="0"/>
-              <a:t>C. Déterminer la largeur </a:t>
-            </a:r>
-            <a:r>
-              <a:rPr lang="fr-FR" sz="1333" dirty="0"/>
-              <a:t>disponible </a:t>
-            </a:r>
-          </a:p>
-        </p:txBody>
-      </p:sp>
-      <p:sp>
-        <p:nvSpPr>
-          <p:cNvPr id="9" name="TextBox 8"/>
-          <p:cNvSpPr txBox="1"/>
-          <p:nvPr/>
-        </p:nvSpPr>
-        <p:spPr>
-          <a:xfrm>
-            <a:off x="3433533" y="782908"/>
-            <a:ext cx="3445879" cy="6040821"/>
-          </a:xfrm>
-          <a:prstGeom prst="rect">
-            <a:avLst/>
-          </a:prstGeom>
-          <a:noFill/>
-        </p:spPr>
-        <p:txBody>
-          <a:bodyPr wrap="square" numCol="1" rtlCol="0">
-            <a:spAutoFit/>
-          </a:bodyPr>
-          <a:lstStyle/>
-          <a:p>
-            <a:r>
-              <a:rPr lang="fr-FR" sz="1333" b="1" dirty="0"/>
-              <a:t>Calcul et traçage sur le plan :</a:t>
-            </a:r>
-          </a:p>
-          <a:p>
-            <a:endParaRPr lang="fr-FR" sz="1333" b="1" dirty="0"/>
-          </a:p>
-          <a:p>
-            <a:r>
-              <a:rPr lang="fr-FR" sz="1333" dirty="0"/>
-              <a:t>Pour un escalier d’une hauteur sol au plancher de 2…… mm, une marche palière de 100 mm et une distance entre le dernier nez de marche et la fin du limon de 30 mm</a:t>
-            </a:r>
-          </a:p>
-          <a:p>
-            <a:r>
-              <a:rPr lang="fr-FR" sz="1333" b="1" dirty="0"/>
-              <a:t>1. Le nombre de marches :</a:t>
-            </a:r>
-          </a:p>
-          <a:p>
-            <a:r>
-              <a:rPr lang="fr-FR" sz="1333" dirty="0"/>
-              <a:t>……………………………………………………………………</a:t>
-            </a:r>
-          </a:p>
-          <a:p>
-            <a:r>
-              <a:rPr lang="fr-FR" sz="1333" dirty="0"/>
-              <a:t>……………………………………………………………………</a:t>
-            </a:r>
-          </a:p>
-          <a:p>
-            <a:endParaRPr lang="fr-FR" sz="1333" b="1" dirty="0"/>
-          </a:p>
-          <a:p>
-            <a:r>
-              <a:rPr lang="fr-FR" sz="1333" b="1" dirty="0"/>
-              <a:t>2. La hauteur de marche :</a:t>
-            </a:r>
-          </a:p>
-          <a:p>
-            <a:r>
-              <a:rPr lang="fr-FR" sz="1333" dirty="0"/>
-              <a:t>……………………………………………………………………</a:t>
-            </a:r>
-          </a:p>
-          <a:p>
-            <a:r>
-              <a:rPr lang="fr-FR" sz="1333" dirty="0"/>
-              <a:t>……………………………………………………………………</a:t>
-            </a:r>
-          </a:p>
-          <a:p>
-            <a:endParaRPr lang="fr-BE" sz="1333" dirty="0"/>
-          </a:p>
-          <a:p>
-            <a:r>
-              <a:rPr lang="fr-BE" sz="1333" b="1" dirty="0"/>
-              <a:t>3. Calculer la ligne de foulée :</a:t>
-            </a:r>
-          </a:p>
-          <a:p>
-            <a:r>
-              <a:rPr lang="fr-FR" sz="1333" dirty="0"/>
-              <a:t>………………………………………………………………………………………………………………………………………………</a:t>
-            </a:r>
-            <a:r>
-              <a:rPr lang="fr-BE" sz="1333" dirty="0"/>
-              <a:t>							</a:t>
-            </a:r>
-          </a:p>
-          <a:p>
-            <a:r>
-              <a:rPr lang="fr-FR" sz="1333" b="1" dirty="0"/>
-              <a:t>4. Déterminer le giron :</a:t>
-            </a:r>
-          </a:p>
-          <a:p>
-            <a:r>
-              <a:rPr lang="fr-FR" sz="1333" dirty="0"/>
-              <a:t>………………………………………………………………………</a:t>
-            </a:r>
-          </a:p>
-          <a:p>
-            <a:r>
-              <a:rPr lang="fr-FR" sz="1333" dirty="0"/>
-              <a:t>………………………………………………………………………</a:t>
-            </a:r>
-          </a:p>
-          <a:p>
-            <a:endParaRPr lang="fr-BE" sz="1333" dirty="0"/>
-          </a:p>
-          <a:p>
-            <a:r>
-              <a:rPr lang="fr-FR" sz="1333" b="1" dirty="0"/>
-              <a:t>5. Formule de Blondel :</a:t>
-            </a:r>
-          </a:p>
-          <a:p>
-            <a:r>
-              <a:rPr lang="fr-FR" sz="1333" dirty="0"/>
-              <a:t>………………………………………………………………………</a:t>
-            </a:r>
-          </a:p>
-          <a:p>
-            <a:r>
-              <a:rPr lang="fr-FR" sz="1333" dirty="0"/>
-              <a:t>………………………………………………………………………</a:t>
-            </a:r>
-          </a:p>
-          <a:p>
-            <a:endParaRPr lang="fr-FR" sz="1333" dirty="0"/>
-          </a:p>
-          <a:p>
-            <a:r>
-              <a:rPr lang="fr-FR" sz="1333" b="1" dirty="0"/>
-              <a:t>6. Traçage de la ligne de foulée,  des deux premières marches du bas et deux du haut de l’escalier</a:t>
-            </a:r>
-            <a:endParaRPr lang="fr-BE" sz="1333" b="1" dirty="0"/>
-          </a:p>
-        </p:txBody>
-      </p:sp>
-      <p:sp>
-        <p:nvSpPr>
-          <p:cNvPr id="5" name="Rectangle 4"/>
-          <p:cNvSpPr/>
-          <p:nvPr/>
-        </p:nvSpPr>
-        <p:spPr>
-          <a:xfrm rot="5400000">
-            <a:off x="-1710538" y="4783837"/>
-            <a:ext cx="6925351" cy="2845565"/>
-          </a:xfrm>
-          <a:prstGeom prst="rect">
-            <a:avLst/>
-          </a:prstGeom>
-          <a:solidFill>
-            <a:srgbClr val="FFFFFF">
-              <a:alpha val="60000"/>
-            </a:srgbClr>
-          </a:solidFill>
-          <a:ln w="19050">
-            <a:solidFill>
-              <a:srgbClr val="000000">
-                <a:alpha val="74902"/>
-              </a:srgbClr>
-            </a:solidFill>
-          </a:ln>
-        </p:spPr>
-        <p:style>
-          <a:lnRef idx="2">
-            <a:schemeClr val="dk1"/>
-          </a:lnRef>
-          <a:fillRef idx="1">
-            <a:schemeClr val="lt1"/>
-          </a:fillRef>
-          <a:effectRef idx="0">
-            <a:schemeClr val="dk1"/>
-          </a:effectRef>
-          <a:fontRef idx="minor">
-            <a:schemeClr val="dk1"/>
-          </a:fontRef>
-        </p:style>
-        <p:txBody>
-          <a:bodyPr rtlCol="0" anchor="ctr"/>
-          <a:lstStyle/>
-          <a:p>
-            <a:pPr algn="ctr"/>
-            <a:endParaRPr lang="fr-FR" sz="1646"/>
-          </a:p>
-        </p:txBody>
-      </p:sp>
-      <p:sp>
-        <p:nvSpPr>
-          <p:cNvPr id="7" name="Rectangle 6"/>
-          <p:cNvSpPr/>
-          <p:nvPr/>
-        </p:nvSpPr>
-        <p:spPr>
-          <a:xfrm>
-            <a:off x="329355" y="6823730"/>
-            <a:ext cx="6582512" cy="2845565"/>
-          </a:xfrm>
-          <a:prstGeom prst="rect">
-            <a:avLst/>
-          </a:prstGeom>
-          <a:solidFill>
-            <a:srgbClr val="FFFFFF">
-              <a:alpha val="60000"/>
-            </a:srgbClr>
-          </a:solidFill>
-          <a:ln w="19050">
-            <a:solidFill>
-              <a:srgbClr val="000000">
-                <a:alpha val="74902"/>
-              </a:srgbClr>
-            </a:solidFill>
-          </a:ln>
-        </p:spPr>
-        <p:style>
-          <a:lnRef idx="2">
-            <a:schemeClr val="dk1"/>
-          </a:lnRef>
-          <a:fillRef idx="1">
-            <a:schemeClr val="lt1"/>
-          </a:fillRef>
-          <a:effectRef idx="0">
-            <a:schemeClr val="dk1"/>
-          </a:effectRef>
-          <a:fontRef idx="minor">
-            <a:schemeClr val="dk1"/>
-          </a:fontRef>
-        </p:style>
-        <p:txBody>
-          <a:bodyPr rtlCol="0" anchor="ctr"/>
-          <a:lstStyle/>
-          <a:p>
-            <a:pPr algn="ctr"/>
-            <a:endParaRPr lang="fr-FR" sz="1646"/>
-          </a:p>
-        </p:txBody>
-      </p:sp>
-      <p:cxnSp>
-        <p:nvCxnSpPr>
-          <p:cNvPr id="19" name="Straight Arrow Connector 18"/>
-          <p:cNvCxnSpPr/>
-          <p:nvPr/>
-        </p:nvCxnSpPr>
-        <p:spPr>
-          <a:xfrm>
-            <a:off x="1450280" y="2759493"/>
-            <a:ext cx="0" cy="4079786"/>
-          </a:xfrm>
-          <a:prstGeom prst="straightConnector1">
-            <a:avLst/>
-          </a:prstGeom>
-          <a:ln w="12700">
-            <a:headEnd type="triangle"/>
-            <a:tailEnd type="triangle"/>
-          </a:ln>
-        </p:spPr>
-        <p:style>
-          <a:lnRef idx="1">
-            <a:schemeClr val="accent3"/>
-          </a:lnRef>
-          <a:fillRef idx="0">
-            <a:schemeClr val="accent3"/>
-          </a:fillRef>
-          <a:effectRef idx="0">
-            <a:schemeClr val="accent3"/>
-          </a:effectRef>
-          <a:fontRef idx="minor">
-            <a:schemeClr val="tx1"/>
-          </a:fontRef>
-        </p:style>
-      </p:cxnSp>
-      <p:cxnSp>
-        <p:nvCxnSpPr>
-          <p:cNvPr id="21" name="Straight Arrow Connector 20"/>
-          <p:cNvCxnSpPr/>
-          <p:nvPr/>
-        </p:nvCxnSpPr>
-        <p:spPr>
-          <a:xfrm flipH="1" flipV="1">
-            <a:off x="3181562" y="8599715"/>
-            <a:ext cx="3730305" cy="15550"/>
-          </a:xfrm>
-          <a:prstGeom prst="straightConnector1">
-            <a:avLst/>
-          </a:prstGeom>
-          <a:ln w="12700">
-            <a:headEnd type="triangle"/>
-            <a:tailEnd type="triangle"/>
-          </a:ln>
-        </p:spPr>
-        <p:style>
-          <a:lnRef idx="1">
-            <a:schemeClr val="accent3"/>
-          </a:lnRef>
-          <a:fillRef idx="0">
-            <a:schemeClr val="accent3"/>
-          </a:fillRef>
-          <a:effectRef idx="0">
-            <a:schemeClr val="accent3"/>
-          </a:effectRef>
-          <a:fontRef idx="minor">
-            <a:schemeClr val="tx1"/>
-          </a:fontRef>
-        </p:style>
-      </p:cxnSp>
-      <p:sp>
-        <p:nvSpPr>
-          <p:cNvPr id="32" name="Rectangle 31"/>
-          <p:cNvSpPr/>
-          <p:nvPr/>
-        </p:nvSpPr>
-        <p:spPr>
-          <a:xfrm>
-            <a:off x="1077200" y="4495912"/>
-            <a:ext cx="533091" cy="187910"/>
-          </a:xfrm>
-          <a:prstGeom prst="rect">
-            <a:avLst/>
-          </a:prstGeom>
-          <a:ln w="19050"/>
-        </p:spPr>
-        <p:style>
-          <a:lnRef idx="2">
-            <a:schemeClr val="accent3"/>
-          </a:lnRef>
-          <a:fillRef idx="1">
-            <a:schemeClr val="lt1"/>
-          </a:fillRef>
-          <a:effectRef idx="0">
-            <a:schemeClr val="accent3"/>
-          </a:effectRef>
-          <a:fontRef idx="minor">
-            <a:schemeClr val="dk1"/>
-          </a:fontRef>
-        </p:style>
-        <p:txBody>
-          <a:bodyPr rtlCol="0" anchor="ctr"/>
-          <a:lstStyle/>
-          <a:p>
-            <a:pPr algn="ctr"/>
-            <a:endParaRPr lang="fr-FR" sz="1143" dirty="0">
-              <a:solidFill>
-                <a:schemeClr val="bg1">
-                  <a:lumMod val="50000"/>
-                </a:schemeClr>
-              </a:solidFill>
-            </a:endParaRPr>
-          </a:p>
-        </p:txBody>
-      </p:sp>
-      <p:sp>
-        <p:nvSpPr>
-          <p:cNvPr id="33" name="Rectangle 32"/>
-          <p:cNvSpPr/>
-          <p:nvPr/>
-        </p:nvSpPr>
-        <p:spPr>
-          <a:xfrm>
-            <a:off x="5491415" y="8501127"/>
-            <a:ext cx="507280" cy="228276"/>
-          </a:xfrm>
-          <a:prstGeom prst="rect">
-            <a:avLst/>
-          </a:prstGeom>
-          <a:ln w="19050"/>
-        </p:spPr>
-        <p:style>
-          <a:lnRef idx="2">
-            <a:schemeClr val="accent3"/>
-          </a:lnRef>
-          <a:fillRef idx="1">
-            <a:schemeClr val="lt1"/>
-          </a:fillRef>
-          <a:effectRef idx="0">
-            <a:schemeClr val="accent3"/>
-          </a:effectRef>
-          <a:fontRef idx="minor">
-            <a:schemeClr val="dk1"/>
-          </a:fontRef>
-        </p:style>
-        <p:txBody>
-          <a:bodyPr rtlCol="0" anchor="ctr"/>
-          <a:lstStyle/>
-          <a:p>
-            <a:pPr algn="ctr"/>
-            <a:endParaRPr lang="fr-FR" sz="1143" dirty="0">
-              <a:solidFill>
-                <a:schemeClr val="bg1">
-                  <a:lumMod val="50000"/>
-                </a:schemeClr>
-              </a:solidFill>
-            </a:endParaRPr>
-          </a:p>
-        </p:txBody>
-      </p:sp>
-      <p:cxnSp>
-        <p:nvCxnSpPr>
-          <p:cNvPr id="16" name="Straight Arrow Connector 15"/>
-          <p:cNvCxnSpPr/>
-          <p:nvPr/>
-        </p:nvCxnSpPr>
-        <p:spPr>
-          <a:xfrm flipH="1">
-            <a:off x="2286000" y="6839279"/>
-            <a:ext cx="888922" cy="1063750"/>
-          </a:xfrm>
-          <a:prstGeom prst="straightConnector1">
-            <a:avLst/>
-          </a:prstGeom>
-          <a:ln w="12700">
-            <a:headEnd type="triangle"/>
-            <a:tailEnd type="triangle"/>
-          </a:ln>
-        </p:spPr>
-        <p:style>
-          <a:lnRef idx="1">
-            <a:schemeClr val="accent3"/>
-          </a:lnRef>
-          <a:fillRef idx="0">
-            <a:schemeClr val="accent3"/>
-          </a:fillRef>
-          <a:effectRef idx="0">
-            <a:schemeClr val="accent3"/>
-          </a:effectRef>
-          <a:fontRef idx="minor">
-            <a:schemeClr val="tx1"/>
-          </a:fontRef>
-        </p:style>
-      </p:cxnSp>
-      <p:sp>
-        <p:nvSpPr>
-          <p:cNvPr id="17" name="Rectangle 16"/>
-          <p:cNvSpPr/>
-          <p:nvPr/>
-        </p:nvSpPr>
-        <p:spPr>
-          <a:xfrm rot="2001195">
-            <a:off x="2444162" y="7203577"/>
-            <a:ext cx="507280" cy="228276"/>
-          </a:xfrm>
-          <a:prstGeom prst="rect">
-            <a:avLst/>
-          </a:prstGeom>
-          <a:ln w="19050"/>
-        </p:spPr>
-        <p:style>
-          <a:lnRef idx="2">
-            <a:schemeClr val="accent3"/>
-          </a:lnRef>
-          <a:fillRef idx="1">
-            <a:schemeClr val="lt1"/>
-          </a:fillRef>
-          <a:effectRef idx="0">
-            <a:schemeClr val="accent3"/>
-          </a:effectRef>
-          <a:fontRef idx="minor">
-            <a:schemeClr val="dk1"/>
-          </a:fontRef>
-        </p:style>
-        <p:txBody>
-          <a:bodyPr rtlCol="0" anchor="ctr"/>
-          <a:lstStyle/>
-          <a:p>
-            <a:pPr algn="ctr"/>
-            <a:endParaRPr lang="fr-FR" sz="1143" dirty="0">
-              <a:solidFill>
-                <a:schemeClr val="bg1">
-                  <a:lumMod val="50000"/>
-                </a:schemeClr>
-              </a:solidFill>
-            </a:endParaRPr>
-          </a:p>
-        </p:txBody>
-      </p:sp>
-      <p:sp>
-        <p:nvSpPr>
-          <p:cNvPr id="15" name="TextBox 14"/>
-          <p:cNvSpPr txBox="1"/>
-          <p:nvPr/>
-        </p:nvSpPr>
-        <p:spPr>
-          <a:xfrm>
-            <a:off x="211598" y="323833"/>
-            <a:ext cx="6795587" cy="444096"/>
-          </a:xfrm>
-          <a:prstGeom prst="rect">
-            <a:avLst/>
-          </a:prstGeom>
-          <a:effectLst/>
-        </p:spPr>
-        <p:style>
-          <a:lnRef idx="2">
-            <a:schemeClr val="dk1"/>
-          </a:lnRef>
-          <a:fillRef idx="1">
-            <a:schemeClr val="lt1"/>
-          </a:fillRef>
-          <a:effectRef idx="0">
-            <a:schemeClr val="dk1"/>
-          </a:effectRef>
-          <a:fontRef idx="minor">
-            <a:schemeClr val="dk1"/>
-          </a:fontRef>
-        </p:style>
-        <p:txBody>
-          <a:bodyPr wrap="square" rtlCol="0">
-            <a:spAutoFit/>
-          </a:bodyPr>
-          <a:lstStyle/>
-          <a:p>
-            <a:pPr algn="ctr"/>
-            <a:r>
-              <a:rPr lang="fr-FR" sz="2286" dirty="0"/>
-              <a:t>Evaluation sur un escalier quart tournant</a:t>
-            </a:r>
-          </a:p>
-        </p:txBody>
-      </p:sp>
-      <p:sp>
-        <p:nvSpPr>
-          <p:cNvPr id="18" name="Arc 17"/>
-          <p:cNvSpPr/>
-          <p:nvPr/>
-        </p:nvSpPr>
-        <p:spPr>
-          <a:xfrm rot="10800000">
-            <a:off x="1752138" y="5387234"/>
-            <a:ext cx="2858847" cy="2859278"/>
-          </a:xfrm>
-          <a:prstGeom prst="arc">
-            <a:avLst>
-              <a:gd name="adj1" fmla="val 16205471"/>
-              <a:gd name="adj2" fmla="val 21523815"/>
-            </a:avLst>
-          </a:prstGeom>
-          <a:ln w="28575" cap="flat" cmpd="sng" algn="ctr">
-            <a:solidFill>
-              <a:schemeClr val="tx1"/>
-            </a:solidFill>
-            <a:prstDash val="dash"/>
-            <a:round/>
-            <a:headEnd type="none" w="med" len="med"/>
-            <a:tailEnd type="none" w="med" len="med"/>
-          </a:ln>
-        </p:spPr>
-        <p:style>
-          <a:lnRef idx="0">
-            <a:scrgbClr r="0" g="0" b="0"/>
-          </a:lnRef>
-          <a:fillRef idx="0">
-            <a:scrgbClr r="0" g="0" b="0"/>
-          </a:fillRef>
-          <a:effectRef idx="0">
-            <a:scrgbClr r="0" g="0" b="0"/>
-          </a:effectRef>
-          <a:fontRef idx="minor">
-            <a:schemeClr val="tx1"/>
-          </a:fontRef>
-        </p:style>
-        <p:txBody>
-          <a:bodyPr rtlCol="0" anchor="ctr"/>
-          <a:lstStyle/>
-          <a:p>
-            <a:pPr algn="ctr"/>
-            <a:endParaRPr lang="fr-FR" sz="1646" dirty="0"/>
-          </a:p>
-        </p:txBody>
-      </p:sp>
-    </p:spTree>
-    <p:extLst>
-      <p:ext uri="{BB962C8B-B14F-4D97-AF65-F5344CB8AC3E}">
-        <p14:creationId xmlns:p14="http://schemas.microsoft.com/office/powerpoint/2010/main" val="435467787"/>
-      </p:ext>
-    </p:extLst>
-  </p:cSld>
-  <p:clrMapOvr>
-    <a:masterClrMapping/>
-  </p:clrMapOvr>
-</p:sld>
-</file>
-
-<file path=ppt/slides/slide4.xml><?xml version="1.0" encoding="utf-8"?>
-<p:sld xmlns:a="http://schemas.openxmlformats.org/drawingml/2006/main" xmlns:r="http://schemas.openxmlformats.org/officeDocument/2006/relationships" xmlns:p="http://schemas.openxmlformats.org/presentationml/2006/main">
-  <p:cSld>
-    <p:spTree>
-      <p:nvGrpSpPr>
-        <p:cNvPr id="1" name=""/>
-        <p:cNvGrpSpPr/>
-        <p:nvPr/>
-      </p:nvGrpSpPr>
-      <p:grpSpPr>
-        <a:xfrm>
-          <a:off x="0" y="0"/>
-          <a:ext cx="0" cy="0"/>
-          <a:chOff x="0" y="0"/>
-          <a:chExt cx="0" cy="0"/>
-        </a:xfrm>
-      </p:grpSpPr>
-      <p:sp>
-        <p:nvSpPr>
-          <p:cNvPr id="9" name="TextBox 8"/>
-          <p:cNvSpPr txBox="1"/>
-          <p:nvPr/>
-        </p:nvSpPr>
-        <p:spPr>
-          <a:xfrm>
-            <a:off x="205606" y="923737"/>
-            <a:ext cx="4335248" cy="5630580"/>
-          </a:xfrm>
-          <a:prstGeom prst="rect">
-            <a:avLst/>
-          </a:prstGeom>
-          <a:noFill/>
-        </p:spPr>
-        <p:txBody>
-          <a:bodyPr wrap="square" numCol="1" rtlCol="0">
-            <a:spAutoFit/>
-          </a:bodyPr>
-          <a:lstStyle/>
-          <a:p>
-            <a:r>
-              <a:rPr lang="fr-FR" sz="1333" b="1" dirty="0"/>
-              <a:t>Le balancement des marches :</a:t>
-            </a:r>
-          </a:p>
-          <a:p>
-            <a:r>
-              <a:rPr lang="fr-FR" sz="1333" dirty="0"/>
-              <a:t>Il existe différents types de balancement des marches. Nous verrons deux exemples : </a:t>
-            </a:r>
-          </a:p>
-          <a:p>
-            <a:endParaRPr lang="fr-FR" sz="1333" dirty="0"/>
-          </a:p>
-          <a:p>
-            <a:pPr marL="272120" indent="-272120">
-              <a:buFont typeface="Arial" panose="020B0604020202020204" pitchFamily="34" charset="0"/>
-              <a:buChar char="•"/>
-            </a:pPr>
-            <a:r>
-              <a:rPr lang="fr-FR" sz="1333" b="1" dirty="0"/>
-              <a:t>Le balancement à l’œil : </a:t>
-            </a:r>
-          </a:p>
-          <a:p>
-            <a:r>
-              <a:rPr lang="fr-FR" sz="1333" dirty="0"/>
-              <a:t>Méthode, dont le principe consiste à visualiser le mieux possible les nez de marches sur l'épure à I 'aide de minces bandes de bois réparties à l'œil, peut paraître arbitraire et approximative.</a:t>
-            </a:r>
-          </a:p>
-          <a:p>
-            <a:endParaRPr lang="fr-FR" sz="1333" dirty="0"/>
-          </a:p>
-          <a:p>
-            <a:pPr marL="272120" indent="-272120">
-              <a:buFont typeface="Arial" panose="020B0604020202020204" pitchFamily="34" charset="0"/>
-              <a:buChar char="•"/>
-            </a:pPr>
-            <a:r>
-              <a:rPr lang="fr-FR" sz="1333" b="1" dirty="0"/>
-              <a:t> La méthode des herses :</a:t>
-            </a:r>
-          </a:p>
-          <a:p>
-            <a:r>
-              <a:rPr lang="fr-FR" sz="1333" dirty="0"/>
-              <a:t>Cette méthode peut être réalisée de plusieurs façons. Dans l’exemple ci-dessous : Apres avoir défini la foulée, les girons et nos marches droites (comme dans le plan 1)</a:t>
-            </a:r>
-          </a:p>
-          <a:p>
-            <a:r>
-              <a:rPr lang="fr-FR" sz="1333" dirty="0"/>
-              <a:t>   	On trace un segment [AB] (équivalent à la distance entre la dernière marche droite et au point d’intersection de l’escalier) et une droite perpendiculaire où l’on reporte nos girons (la droite [AE] sur le plan 2). </a:t>
-            </a:r>
-          </a:p>
-          <a:p>
-            <a:r>
-              <a:rPr lang="fr-FR" sz="1333" dirty="0"/>
-              <a:t>  	En traçant un arc de cercle de diamètre [AB] on obtient B’. En reliant au point B l’ensemble des girons on obtient les sections de droite [AB’] à reporter sur le limon.</a:t>
-            </a:r>
-          </a:p>
-          <a:p>
-            <a:r>
-              <a:rPr lang="fr-FR" sz="1333" dirty="0"/>
-              <a:t>	Lorsqu’on relie les sections de droite obtenue sur le limon de l’escalier ont obtient le dessin sur le plan 3 et donc le balancement de nos marches.</a:t>
-            </a:r>
-          </a:p>
-          <a:p>
-            <a:endParaRPr lang="fr-FR" sz="1333" dirty="0"/>
-          </a:p>
-          <a:p>
-            <a:r>
-              <a:rPr lang="fr-FR" sz="1333" b="1" dirty="0"/>
-              <a:t>Note : </a:t>
-            </a:r>
-            <a:r>
-              <a:rPr lang="fr-FR" sz="1333" dirty="0"/>
-              <a:t>On appelle les segments de la droite [AB’] des collets (les petits cotés d’une marche balancée)</a:t>
-            </a:r>
-          </a:p>
-        </p:txBody>
-      </p:sp>
-      <p:pic>
-        <p:nvPicPr>
-          <p:cNvPr id="8" name="Picture 7"/>
-          <p:cNvPicPr>
-            <a:picLocks noChangeAspect="1"/>
-          </p:cNvPicPr>
-          <p:nvPr/>
-        </p:nvPicPr>
-        <p:blipFill rotWithShape="1">
-          <a:blip r:embed="rId2"/>
-          <a:srcRect b="6632"/>
-          <a:stretch/>
-        </p:blipFill>
-        <p:spPr>
-          <a:xfrm>
-            <a:off x="657279" y="6627671"/>
-            <a:ext cx="5865168" cy="3015270"/>
-          </a:xfrm>
-          <a:prstGeom prst="rect">
-            <a:avLst/>
-          </a:prstGeom>
-          <a:ln w="38100" cap="sq">
-            <a:solidFill>
-              <a:srgbClr val="000000"/>
-            </a:solidFill>
-            <a:prstDash val="solid"/>
-            <a:miter lim="800000"/>
-          </a:ln>
-          <a:effectLst>
-            <a:outerShdw blurRad="50800" dist="38100" dir="2700000" algn="tl" rotWithShape="0">
-              <a:srgbClr val="000000">
-                <a:alpha val="43000"/>
-              </a:srgbClr>
-            </a:outerShdw>
-          </a:effectLst>
-        </p:spPr>
-      </p:pic>
-      <p:pic>
-        <p:nvPicPr>
-          <p:cNvPr id="13" name="Picture 12"/>
-          <p:cNvPicPr>
-            <a:picLocks noChangeAspect="1"/>
-          </p:cNvPicPr>
-          <p:nvPr/>
-        </p:nvPicPr>
-        <p:blipFill>
-          <a:blip r:embed="rId3"/>
-          <a:stretch>
-            <a:fillRect/>
-          </a:stretch>
-        </p:blipFill>
-        <p:spPr>
-          <a:xfrm>
-            <a:off x="4724411" y="1631566"/>
-            <a:ext cx="2040095" cy="4637168"/>
-          </a:xfrm>
-          <a:prstGeom prst="rect">
-            <a:avLst/>
-          </a:prstGeom>
-          <a:ln w="38100" cap="sq">
-            <a:solidFill>
-              <a:srgbClr val="000000"/>
-            </a:solidFill>
-            <a:prstDash val="solid"/>
-            <a:miter lim="800000"/>
-          </a:ln>
-          <a:effectLst>
-            <a:outerShdw blurRad="50800" dist="38100" dir="2700000" algn="tl" rotWithShape="0">
-              <a:srgbClr val="000000">
-                <a:alpha val="43000"/>
-              </a:srgbClr>
-            </a:outerShdw>
-          </a:effectLst>
-        </p:spPr>
-      </p:pic>
-      <p:sp>
-        <p:nvSpPr>
-          <p:cNvPr id="33" name="Rectangle 32"/>
-          <p:cNvSpPr/>
-          <p:nvPr/>
-        </p:nvSpPr>
-        <p:spPr>
-          <a:xfrm>
-            <a:off x="4803648" y="9593412"/>
-            <a:ext cx="1849242" cy="228276"/>
-          </a:xfrm>
-          <a:prstGeom prst="rect">
-            <a:avLst/>
-          </a:prstGeom>
-          <a:ln w="28575"/>
-        </p:spPr>
-        <p:style>
-          <a:lnRef idx="2">
-            <a:schemeClr val="dk1"/>
-          </a:lnRef>
-          <a:fillRef idx="1">
-            <a:schemeClr val="lt1"/>
-          </a:fillRef>
-          <a:effectRef idx="0">
-            <a:schemeClr val="dk1"/>
-          </a:effectRef>
-          <a:fontRef idx="minor">
-            <a:schemeClr val="dk1"/>
-          </a:fontRef>
-        </p:style>
-        <p:txBody>
-          <a:bodyPr rtlCol="0" anchor="ctr"/>
-          <a:lstStyle/>
-          <a:p>
-            <a:pPr algn="ctr"/>
-            <a:r>
-              <a:rPr lang="fr-FR" sz="1143" dirty="0">
-                <a:solidFill>
-                  <a:schemeClr val="bg1">
-                    <a:lumMod val="50000"/>
-                  </a:schemeClr>
-                </a:solidFill>
-              </a:rPr>
-              <a:t>Balancement avec herses</a:t>
-            </a:r>
-          </a:p>
-        </p:txBody>
-      </p:sp>
-      <p:sp>
-        <p:nvSpPr>
-          <p:cNvPr id="23" name="Rectangle 22"/>
-          <p:cNvSpPr/>
-          <p:nvPr/>
-        </p:nvSpPr>
-        <p:spPr>
-          <a:xfrm>
-            <a:off x="4907968" y="1433656"/>
-            <a:ext cx="1672982" cy="228276"/>
-          </a:xfrm>
-          <a:prstGeom prst="rect">
-            <a:avLst/>
-          </a:prstGeom>
-          <a:ln w="28575"/>
-        </p:spPr>
-        <p:style>
-          <a:lnRef idx="2">
-            <a:schemeClr val="dk1"/>
-          </a:lnRef>
-          <a:fillRef idx="1">
-            <a:schemeClr val="lt1"/>
-          </a:fillRef>
-          <a:effectRef idx="0">
-            <a:schemeClr val="dk1"/>
-          </a:effectRef>
-          <a:fontRef idx="minor">
-            <a:schemeClr val="dk1"/>
-          </a:fontRef>
-        </p:style>
-        <p:txBody>
-          <a:bodyPr rtlCol="0" anchor="ctr"/>
-          <a:lstStyle/>
-          <a:p>
-            <a:pPr algn="ctr"/>
-            <a:r>
-              <a:rPr lang="fr-FR" sz="1143" dirty="0">
-                <a:solidFill>
-                  <a:schemeClr val="bg1">
-                    <a:lumMod val="50000"/>
-                  </a:schemeClr>
-                </a:solidFill>
-              </a:rPr>
-              <a:t>Balancement à l’</a:t>
-            </a:r>
-            <a:r>
-              <a:rPr lang="fr-FR" sz="1143" dirty="0" err="1">
-                <a:solidFill>
-                  <a:schemeClr val="bg1">
-                    <a:lumMod val="50000"/>
-                  </a:schemeClr>
-                </a:solidFill>
-              </a:rPr>
-              <a:t>oeil</a:t>
-            </a:r>
-            <a:endParaRPr lang="fr-FR" sz="1143" dirty="0">
-              <a:solidFill>
-                <a:schemeClr val="bg1">
-                  <a:lumMod val="50000"/>
-                </a:schemeClr>
-              </a:solidFill>
-            </a:endParaRPr>
-          </a:p>
-        </p:txBody>
-      </p:sp>
-      <p:sp>
-        <p:nvSpPr>
-          <p:cNvPr id="15" name="Oval 14"/>
-          <p:cNvSpPr/>
-          <p:nvPr/>
-        </p:nvSpPr>
-        <p:spPr>
-          <a:xfrm>
-            <a:off x="1207733" y="6472147"/>
-            <a:ext cx="300638" cy="311048"/>
-          </a:xfrm>
-          <a:prstGeom prst="ellipse">
-            <a:avLst/>
-          </a:prstGeom>
-          <a:ln w="28575"/>
-        </p:spPr>
-        <p:style>
-          <a:lnRef idx="2">
-            <a:schemeClr val="dk1"/>
-          </a:lnRef>
-          <a:fillRef idx="1">
-            <a:schemeClr val="lt1"/>
-          </a:fillRef>
-          <a:effectRef idx="0">
-            <a:schemeClr val="dk1"/>
-          </a:effectRef>
-          <a:fontRef idx="minor">
-            <a:schemeClr val="dk1"/>
-          </a:fontRef>
-        </p:style>
-        <p:txBody>
-          <a:bodyPr rtlCol="0" anchor="ctr"/>
-          <a:lstStyle/>
-          <a:p>
-            <a:pPr algn="ctr"/>
-            <a:r>
-              <a:rPr lang="fr-FR" sz="1646" dirty="0"/>
-              <a:t>1</a:t>
-            </a:r>
-          </a:p>
-        </p:txBody>
-      </p:sp>
-      <p:sp>
-        <p:nvSpPr>
-          <p:cNvPr id="27" name="Oval 26"/>
-          <p:cNvSpPr/>
-          <p:nvPr/>
-        </p:nvSpPr>
-        <p:spPr>
-          <a:xfrm>
-            <a:off x="2436833" y="9552026"/>
-            <a:ext cx="300638" cy="311048"/>
-          </a:xfrm>
-          <a:prstGeom prst="ellipse">
-            <a:avLst/>
-          </a:prstGeom>
-          <a:ln w="28575"/>
-        </p:spPr>
-        <p:style>
-          <a:lnRef idx="2">
-            <a:schemeClr val="dk1"/>
-          </a:lnRef>
-          <a:fillRef idx="1">
-            <a:schemeClr val="lt1"/>
-          </a:fillRef>
-          <a:effectRef idx="0">
-            <a:schemeClr val="dk1"/>
-          </a:effectRef>
-          <a:fontRef idx="minor">
-            <a:schemeClr val="dk1"/>
-          </a:fontRef>
-        </p:style>
-        <p:txBody>
-          <a:bodyPr rtlCol="0" anchor="ctr"/>
-          <a:lstStyle/>
-          <a:p>
-            <a:pPr algn="ctr"/>
-            <a:r>
-              <a:rPr lang="fr-FR" sz="1646" dirty="0"/>
-              <a:t>2</a:t>
-            </a:r>
-          </a:p>
-        </p:txBody>
-      </p:sp>
-      <p:sp>
-        <p:nvSpPr>
-          <p:cNvPr id="28" name="Oval 27"/>
-          <p:cNvSpPr/>
-          <p:nvPr/>
-        </p:nvSpPr>
-        <p:spPr>
-          <a:xfrm>
-            <a:off x="5594139" y="6477957"/>
-            <a:ext cx="300638" cy="311048"/>
-          </a:xfrm>
-          <a:prstGeom prst="ellipse">
-            <a:avLst/>
-          </a:prstGeom>
-          <a:ln w="28575"/>
-        </p:spPr>
-        <p:style>
-          <a:lnRef idx="2">
-            <a:schemeClr val="dk1"/>
-          </a:lnRef>
-          <a:fillRef idx="1">
-            <a:schemeClr val="lt1"/>
-          </a:fillRef>
-          <a:effectRef idx="0">
-            <a:schemeClr val="dk1"/>
-          </a:effectRef>
-          <a:fontRef idx="minor">
-            <a:schemeClr val="dk1"/>
-          </a:fontRef>
-        </p:style>
-        <p:txBody>
-          <a:bodyPr rtlCol="0" anchor="ctr"/>
-          <a:lstStyle/>
-          <a:p>
-            <a:pPr algn="ctr"/>
-            <a:r>
-              <a:rPr lang="fr-FR" sz="1646" dirty="0"/>
-              <a:t>3</a:t>
-            </a:r>
-          </a:p>
-        </p:txBody>
-      </p:sp>
-      <p:sp>
-        <p:nvSpPr>
-          <p:cNvPr id="11" name="TextBox 10"/>
-          <p:cNvSpPr txBox="1"/>
-          <p:nvPr/>
-        </p:nvSpPr>
-        <p:spPr>
-          <a:xfrm>
-            <a:off x="211598" y="323833"/>
-            <a:ext cx="6795587" cy="444096"/>
-          </a:xfrm>
-          <a:prstGeom prst="rect">
-            <a:avLst/>
-          </a:prstGeom>
-          <a:effectLst/>
-        </p:spPr>
-        <p:style>
-          <a:lnRef idx="2">
-            <a:schemeClr val="dk1"/>
-          </a:lnRef>
-          <a:fillRef idx="1">
-            <a:schemeClr val="lt1"/>
-          </a:fillRef>
-          <a:effectRef idx="0">
-            <a:schemeClr val="dk1"/>
-          </a:effectRef>
-          <a:fontRef idx="minor">
-            <a:schemeClr val="dk1"/>
-          </a:fontRef>
-        </p:style>
-        <p:txBody>
-          <a:bodyPr wrap="square" rtlCol="0">
-            <a:spAutoFit/>
-          </a:bodyPr>
-          <a:lstStyle/>
-          <a:p>
-            <a:pPr algn="ctr"/>
-            <a:r>
-              <a:rPr lang="fr-FR" sz="2286" dirty="0"/>
-              <a:t>Le balancement des marches</a:t>
-            </a:r>
-          </a:p>
-        </p:txBody>
-      </p:sp>
-    </p:spTree>
-    <p:extLst>
-      <p:ext uri="{BB962C8B-B14F-4D97-AF65-F5344CB8AC3E}">
-        <p14:creationId xmlns:p14="http://schemas.microsoft.com/office/powerpoint/2010/main" val="3789337553"/>
-      </p:ext>
-    </p:extLst>
-  </p:cSld>
-  <p:clrMapOvr>
-    <a:masterClrMapping/>
-  </p:clrMapOvr>
-</p:sld>
-</file>
-
-<file path=ppt/slides/slide5.xml><?xml version="1.0" encoding="utf-8"?>
-<p:sld xmlns:a="http://schemas.openxmlformats.org/drawingml/2006/main" xmlns:r="http://schemas.openxmlformats.org/officeDocument/2006/relationships" xmlns:p="http://schemas.openxmlformats.org/presentationml/2006/main">
-  <p:cSld>
-    <p:spTree>
-      <p:nvGrpSpPr>
-        <p:cNvPr id="1" name=""/>
-        <p:cNvGrpSpPr/>
-        <p:nvPr/>
-      </p:nvGrpSpPr>
-      <p:grpSpPr>
-        <a:xfrm>
-          <a:off x="0" y="0"/>
-          <a:ext cx="0" cy="0"/>
-          <a:chOff x="0" y="0"/>
-          <a:chExt cx="0" cy="0"/>
-        </a:xfrm>
-      </p:grpSpPr>
-      <p:sp>
-        <p:nvSpPr>
-          <p:cNvPr id="4" name="TextBox 3"/>
-          <p:cNvSpPr txBox="1"/>
-          <p:nvPr/>
-        </p:nvSpPr>
-        <p:spPr>
-          <a:xfrm>
-            <a:off x="647614" y="5411890"/>
-            <a:ext cx="5885282" cy="3785845"/>
-          </a:xfrm>
-          <a:prstGeom prst="rect">
-            <a:avLst/>
-          </a:prstGeom>
-          <a:noFill/>
-        </p:spPr>
-        <p:txBody>
-          <a:bodyPr wrap="square" numCol="1" rtlCol="0">
-            <a:spAutoFit/>
-          </a:bodyPr>
-          <a:lstStyle/>
-          <a:p>
-            <a:r>
               <a:rPr lang="fr-FR" sz="1143" b="1" dirty="0"/>
-              <a:t>Questions : </a:t>
+              <a:t>En prenant les informations que vous avez besoin sur le plan de l’escalier à échelle réduite. </a:t>
+            </a:r>
+          </a:p>
+          <a:p>
+            <a:r>
+              <a:rPr lang="fr-FR" sz="1143" b="1" dirty="0"/>
+              <a:t>Pour un escalier d’une hauteur sol au plancher de 2………. mm, avec une marche palière de 1..... mm et un recul pour la première marche par rapport au limon de …. </a:t>
+            </a:r>
+            <a:r>
+              <a:rPr lang="fr-FR" sz="1143" b="1" dirty="0" err="1"/>
+              <a:t>mm.</a:t>
+            </a:r>
+            <a:r>
+              <a:rPr lang="fr-FR" sz="1143" b="1" dirty="0"/>
+              <a:t> Déterminer par le calcul (arrondir à 2 chiffres après la virgule si besoin) les informations demandées :</a:t>
             </a:r>
           </a:p>
           <a:p>
@@ -6371,11 +3965,8 @@
           <a:p>
             <a:r>
               <a:rPr lang="fr-FR" sz="1143" b="1" dirty="0"/>
-              <a:t>Qu’est ce que représente la foulée dans un escalier ?					…./2</a:t>
-            </a:r>
-          </a:p>
-          <a:p>
-            <a:endParaRPr lang="fr-FR" sz="1143" b="1" dirty="0"/>
+              <a:t>1.Le nombre de marches :								…./1</a:t>
+            </a:r>
           </a:p>
           <a:p>
             <a:r>
@@ -6389,11 +3980,17 @@
           <a:p>
             <a:r>
               <a:rPr lang="fr-FR" sz="1143" b="1" dirty="0"/>
-              <a:t>Comment appelle-t-on le limon entaillé sur lequel les marches reposent ?		…./2</a:t>
+              <a:t>………………………………………………………………………………………………………………………….</a:t>
             </a:r>
           </a:p>
           <a:p>
             <a:endParaRPr lang="fr-FR" sz="1143" b="1" dirty="0"/>
+          </a:p>
+          <a:p>
+            <a:r>
+              <a:rPr lang="fr-FR" sz="1143" b="1" dirty="0"/>
+              <a:t>2. La hauteur de marche :								…./1</a:t>
+            </a:r>
           </a:p>
           <a:p>
             <a:r>
@@ -6407,11 +4004,17 @@
           <a:p>
             <a:r>
               <a:rPr lang="fr-FR" sz="1143" b="1" dirty="0"/>
-              <a:t>Quels sont les 3 éléments d’un garde corps ?						…./3</a:t>
+              <a:t>………………………………………………………………………………………………………………………….</a:t>
             </a:r>
           </a:p>
           <a:p>
             <a:endParaRPr lang="fr-FR" sz="1143" b="1" dirty="0"/>
+          </a:p>
+          <a:p>
+            <a:r>
+              <a:rPr lang="fr-FR" sz="1143" b="1" dirty="0"/>
+              <a:t>3. La foulée :										…./2</a:t>
+            </a:r>
           </a:p>
           <a:p>
             <a:r>
@@ -6425,11 +4028,14 @@
           <a:p>
             <a:r>
               <a:rPr lang="fr-FR" sz="1143" b="1" dirty="0"/>
-              <a:t>Qu’est ce qu’une trémie ?								…./1</a:t>
-            </a:r>
-          </a:p>
-          <a:p>
-            <a:endParaRPr lang="fr-FR" sz="1143" b="1" dirty="0"/>
+              <a:t>………………………………………………………………………………………………………………………….</a:t>
+            </a:r>
+          </a:p>
+          <a:p>
+            <a:r>
+              <a:rPr lang="fr-FR" sz="1143" b="1" dirty="0"/>
+              <a:t>4. Le giron :										…./2</a:t>
+            </a:r>
           </a:p>
           <a:p>
             <a:r>
@@ -6443,11 +4049,17 @@
           <a:p>
             <a:r>
               <a:rPr lang="fr-FR" sz="1143" b="1" dirty="0"/>
-              <a:t>Bonus : Comment savoir si un escalier est confortable ?				…/2</a:t>
+              <a:t>………………………………………………………………………………………………………………………….</a:t>
             </a:r>
           </a:p>
           <a:p>
             <a:endParaRPr lang="fr-FR" sz="1143" b="1" dirty="0"/>
+          </a:p>
+          <a:p>
+            <a:r>
+              <a:rPr lang="fr-FR" sz="1143" b="1" dirty="0"/>
+              <a:t>5. La formule de blondel :								…./1</a:t>
+            </a:r>
           </a:p>
           <a:p>
             <a:r>
@@ -6455,464 +4067,15 @@
               <a:t>………………………………………………………………………………………………………………………….</a:t>
             </a:r>
           </a:p>
-        </p:txBody>
-      </p:sp>
-      <p:sp>
-        <p:nvSpPr>
-          <p:cNvPr id="7" name="TextBox 6"/>
-          <p:cNvSpPr txBox="1"/>
-          <p:nvPr/>
-        </p:nvSpPr>
-        <p:spPr>
-          <a:xfrm>
-            <a:off x="647615" y="994916"/>
-            <a:ext cx="5885282" cy="297454"/>
-          </a:xfrm>
-          <a:prstGeom prst="rect">
-            <a:avLst/>
-          </a:prstGeom>
-        </p:spPr>
-        <p:style>
-          <a:lnRef idx="2">
-            <a:schemeClr val="dk1"/>
-          </a:lnRef>
-          <a:fillRef idx="1">
-            <a:schemeClr val="lt1"/>
-          </a:fillRef>
-          <a:effectRef idx="0">
-            <a:schemeClr val="dk1"/>
-          </a:effectRef>
-          <a:fontRef idx="minor">
-            <a:schemeClr val="dk1"/>
-          </a:fontRef>
-        </p:style>
-        <p:txBody>
-          <a:bodyPr wrap="square" rtlCol="0">
-            <a:spAutoFit/>
-          </a:bodyPr>
-          <a:lstStyle/>
-          <a:p>
-            <a:r>
-              <a:rPr lang="fr-FR" sz="1333" dirty="0"/>
-              <a:t>Nom : ……………………………………			Prénom : ……………………………………</a:t>
-            </a:r>
-          </a:p>
-        </p:txBody>
-      </p:sp>
-      <p:sp>
-        <p:nvSpPr>
-          <p:cNvPr id="2" name="Rectangle 1"/>
-          <p:cNvSpPr/>
-          <p:nvPr/>
-        </p:nvSpPr>
-        <p:spPr>
-          <a:xfrm>
-            <a:off x="666750" y="1833179"/>
-            <a:ext cx="5885282" cy="3785845"/>
-          </a:xfrm>
-          <a:prstGeom prst="rect">
-            <a:avLst/>
-          </a:prstGeom>
-          <a:ln>
-            <a:prstDash val="sysDash"/>
-          </a:ln>
-        </p:spPr>
-        <p:style>
-          <a:lnRef idx="2">
-            <a:schemeClr val="dk1"/>
-          </a:lnRef>
-          <a:fillRef idx="1">
-            <a:schemeClr val="lt1"/>
-          </a:fillRef>
-          <a:effectRef idx="0">
-            <a:schemeClr val="dk1"/>
-          </a:effectRef>
-          <a:fontRef idx="minor">
-            <a:schemeClr val="dk1"/>
-          </a:fontRef>
-        </p:style>
-        <p:txBody>
-          <a:bodyPr wrap="square">
-            <a:spAutoFit/>
-          </a:bodyPr>
-          <a:lstStyle/>
-          <a:p>
-            <a:r>
-              <a:rPr lang="fr-FR" sz="1143" b="1" dirty="0"/>
-              <a:t>Critères d’évaluation : </a:t>
-            </a:r>
-          </a:p>
           <a:p>
             <a:endParaRPr lang="fr-FR" sz="1143" b="1" dirty="0"/>
           </a:p>
           <a:p>
             <a:r>
-              <a:rPr lang="fr-FR" sz="1143" b="1" dirty="0"/>
-              <a:t>Les réponses aux questions sont justes : 						8 points</a:t>
-            </a:r>
-          </a:p>
-          <a:p>
-            <a:r>
-              <a:rPr lang="fr-FR" sz="1143" i="1" dirty="0"/>
-              <a:t>			La moitié des points seulement si les réponses ne sont pas claires (pas de 			vocabulaire relatif aux escaliers)</a:t>
-            </a:r>
-          </a:p>
-          <a:p>
-            <a:r>
-              <a:rPr lang="fr-FR" sz="1143" i="1" dirty="0"/>
-              <a:t>			Aucun point si les réponses est inexactes</a:t>
-            </a:r>
-          </a:p>
-          <a:p>
-            <a:r>
-              <a:rPr lang="fr-FR" sz="1143" i="1" dirty="0"/>
-              <a:t>			Non évaluable s’il n’y a pas de réponse</a:t>
-            </a:r>
-          </a:p>
-          <a:p>
+              <a:rPr lang="fr-FR" sz="1143" b="1"/>
+              <a:t>………………………………………………………………………………………………………………………….</a:t>
+            </a:r>
             <a:endParaRPr lang="fr-FR" sz="1143" b="1" dirty="0"/>
-          </a:p>
-          <a:p>
-            <a:r>
-              <a:rPr lang="fr-FR" sz="1143" b="1" dirty="0"/>
-              <a:t>Les calculs et les résultats sont justes : 						6 points</a:t>
-            </a:r>
-          </a:p>
-          <a:p>
-            <a:r>
-              <a:rPr lang="fr-FR" sz="1143" i="1" dirty="0"/>
-              <a:t>			La moitié des points seulement si le résultat est juste mais que le calcul 			n’est pas indiqué ou que les calculs sont approximatifs (arrondis à moins 			de 2 chiffres après la virgule)</a:t>
-            </a:r>
-          </a:p>
-          <a:p>
-            <a:r>
-              <a:rPr lang="fr-FR" sz="1143" i="1" dirty="0"/>
-              <a:t>			Aucun point si les calculs sont inexacts </a:t>
-            </a:r>
-          </a:p>
-          <a:p>
-            <a:r>
-              <a:rPr lang="fr-FR" sz="1143" i="1" dirty="0"/>
-              <a:t>			Non évaluable s’il n’y a pas de calcul et de résultat</a:t>
-            </a:r>
-          </a:p>
-          <a:p>
-            <a:endParaRPr lang="fr-FR" sz="1143" i="1" dirty="0"/>
-          </a:p>
-          <a:p>
-            <a:r>
-              <a:rPr lang="fr-FR" sz="1143" b="1" dirty="0"/>
-              <a:t>Le traçage de l’escalier est juste et lisible : 						6 points</a:t>
-            </a:r>
-          </a:p>
-          <a:p>
-            <a:r>
-              <a:rPr lang="fr-FR" sz="1143" i="1" dirty="0"/>
-              <a:t>			La moitié des points si le tracé est n’est pas lisible (au mm)</a:t>
-            </a:r>
-          </a:p>
-          <a:p>
-            <a:r>
-              <a:rPr lang="fr-FR" sz="1143" i="1" dirty="0"/>
-              <a:t>			Deux points s’il y a un tracé irrégulier ou approximatif </a:t>
-            </a:r>
-          </a:p>
-          <a:p>
-            <a:r>
-              <a:rPr lang="fr-FR" sz="1143" i="1" dirty="0"/>
-              <a:t>			Aucun point si le traçage n’est pas  juste (non conforme au calcul, ou à l			’énoncé) </a:t>
-            </a:r>
-          </a:p>
-          <a:p>
-            <a:r>
-              <a:rPr lang="fr-FR" sz="1143" i="1" dirty="0"/>
-              <a:t>			Non évaluable s’il n’y a pas traçage</a:t>
-            </a:r>
-            <a:endParaRPr lang="fr-FR" sz="1143" dirty="0"/>
-          </a:p>
-        </p:txBody>
-      </p:sp>
-      <p:sp>
-        <p:nvSpPr>
-          <p:cNvPr id="6" name="TextBox 5"/>
-          <p:cNvSpPr txBox="1"/>
-          <p:nvPr/>
-        </p:nvSpPr>
-        <p:spPr>
-          <a:xfrm>
-            <a:off x="647614" y="1391096"/>
-            <a:ext cx="5885282" cy="297454"/>
-          </a:xfrm>
-          <a:prstGeom prst="rect">
-            <a:avLst/>
-          </a:prstGeom>
-        </p:spPr>
-        <p:style>
-          <a:lnRef idx="2">
-            <a:schemeClr val="dk1"/>
-          </a:lnRef>
-          <a:fillRef idx="1">
-            <a:schemeClr val="lt1"/>
-          </a:fillRef>
-          <a:effectRef idx="0">
-            <a:schemeClr val="dk1"/>
-          </a:effectRef>
-          <a:fontRef idx="minor">
-            <a:schemeClr val="dk1"/>
-          </a:fontRef>
-        </p:style>
-        <p:txBody>
-          <a:bodyPr wrap="square" rtlCol="0">
-            <a:spAutoFit/>
-          </a:bodyPr>
-          <a:lstStyle/>
-          <a:p>
-            <a:r>
-              <a:rPr lang="fr-FR" sz="1333" dirty="0"/>
-              <a:t>Note : …../20		Remarque : …………………………………………………………………………</a:t>
-            </a:r>
-          </a:p>
-        </p:txBody>
-      </p:sp>
-      <p:sp>
-        <p:nvSpPr>
-          <p:cNvPr id="8" name="TextBox 7"/>
-          <p:cNvSpPr txBox="1"/>
-          <p:nvPr/>
-        </p:nvSpPr>
-        <p:spPr>
-          <a:xfrm>
-            <a:off x="211598" y="323833"/>
-            <a:ext cx="6795587" cy="444096"/>
-          </a:xfrm>
-          <a:prstGeom prst="rect">
-            <a:avLst/>
-          </a:prstGeom>
-          <a:effectLst/>
-        </p:spPr>
-        <p:style>
-          <a:lnRef idx="2">
-            <a:schemeClr val="dk1"/>
-          </a:lnRef>
-          <a:fillRef idx="1">
-            <a:schemeClr val="lt1"/>
-          </a:fillRef>
-          <a:effectRef idx="0">
-            <a:schemeClr val="dk1"/>
-          </a:effectRef>
-          <a:fontRef idx="minor">
-            <a:schemeClr val="dk1"/>
-          </a:fontRef>
-        </p:style>
-        <p:txBody>
-          <a:bodyPr wrap="square" rtlCol="0">
-            <a:spAutoFit/>
-          </a:bodyPr>
-          <a:lstStyle/>
-          <a:p>
-            <a:pPr algn="ctr"/>
-            <a:r>
-              <a:rPr lang="fr-FR" sz="2286" dirty="0"/>
-              <a:t>Evaluation finale sur les escaliers		1/3</a:t>
-            </a:r>
-          </a:p>
-        </p:txBody>
-      </p:sp>
-    </p:spTree>
-    <p:extLst>
-      <p:ext uri="{BB962C8B-B14F-4D97-AF65-F5344CB8AC3E}">
-        <p14:creationId xmlns:p14="http://schemas.microsoft.com/office/powerpoint/2010/main" val="1757845558"/>
-      </p:ext>
-    </p:extLst>
-  </p:cSld>
-  <p:clrMapOvr>
-    <a:masterClrMapping/>
-  </p:clrMapOvr>
-</p:sld>
-</file>
-
-<file path=ppt/slides/slide6.xml><?xml version="1.0" encoding="utf-8"?>
-<p:sld xmlns:a="http://schemas.openxmlformats.org/drawingml/2006/main" xmlns:r="http://schemas.openxmlformats.org/officeDocument/2006/relationships" xmlns:p="http://schemas.openxmlformats.org/presentationml/2006/main">
-  <p:cSld>
-    <p:spTree>
-      <p:nvGrpSpPr>
-        <p:cNvPr id="1" name=""/>
-        <p:cNvGrpSpPr/>
-        <p:nvPr/>
-      </p:nvGrpSpPr>
-      <p:grpSpPr>
-        <a:xfrm>
-          <a:off x="0" y="0"/>
-          <a:ext cx="0" cy="0"/>
-          <a:chOff x="0" y="0"/>
-          <a:chExt cx="0" cy="0"/>
-        </a:xfrm>
-      </p:grpSpPr>
-      <p:sp>
-        <p:nvSpPr>
-          <p:cNvPr id="4" name="TextBox 3"/>
-          <p:cNvSpPr txBox="1"/>
-          <p:nvPr/>
-        </p:nvSpPr>
-        <p:spPr>
-          <a:xfrm>
-            <a:off x="647615" y="1313161"/>
-            <a:ext cx="5885282" cy="5017014"/>
-          </a:xfrm>
-          <a:prstGeom prst="rect">
-            <a:avLst/>
-          </a:prstGeom>
-          <a:noFill/>
-        </p:spPr>
-        <p:txBody>
-          <a:bodyPr wrap="square" numCol="1" rtlCol="0">
-            <a:spAutoFit/>
-          </a:bodyPr>
-          <a:lstStyle/>
-          <a:p>
-            <a:r>
-              <a:rPr lang="fr-FR" sz="1143" b="1" dirty="0"/>
-              <a:t>En prenant les informations que vous avez besoin sur le plan de l’escalier à échelle réduite. </a:t>
-            </a:r>
-          </a:p>
-          <a:p>
-            <a:r>
-              <a:rPr lang="fr-FR" sz="1143" b="1" dirty="0"/>
-              <a:t>Pour un escalier d’une hauteur sol au plancher de 2………. mm, avec une marche palière de 1..... mm et un recul pour la première marche par rapport au limon de …. </a:t>
-            </a:r>
-            <a:r>
-              <a:rPr lang="fr-FR" sz="1143" b="1" dirty="0" err="1"/>
-              <a:t>mm.</a:t>
-            </a:r>
-            <a:r>
-              <a:rPr lang="fr-FR" sz="1143" b="1" dirty="0"/>
-              <a:t> Déterminer par le calcul (arrondir à 2 chiffres après la virgule si besoin) les informations demandées :</a:t>
-            </a:r>
-          </a:p>
-          <a:p>
-            <a:endParaRPr lang="fr-FR" sz="1143" b="1" dirty="0"/>
-          </a:p>
-          <a:p>
-            <a:r>
-              <a:rPr lang="fr-FR" sz="1143" b="1" dirty="0"/>
-              <a:t>1.Le nombre de marches :								…./1</a:t>
-            </a:r>
-          </a:p>
-          <a:p>
-            <a:r>
-              <a:rPr lang="fr-FR" sz="1143" b="1" dirty="0"/>
-              <a:t>………………………………………………………………………………………………………………………….</a:t>
-            </a:r>
-          </a:p>
-          <a:p>
-            <a:endParaRPr lang="fr-FR" sz="1143" b="1" dirty="0"/>
-          </a:p>
-          <a:p>
-            <a:r>
-              <a:rPr lang="fr-FR" sz="1143" b="1" dirty="0"/>
-              <a:t>………………………………………………………………………………………………………………………….</a:t>
-            </a:r>
-          </a:p>
-          <a:p>
-            <a:endParaRPr lang="fr-FR" sz="1143" b="1" dirty="0"/>
-          </a:p>
-          <a:p>
-            <a:r>
-              <a:rPr lang="fr-FR" sz="1143" b="1" dirty="0"/>
-              <a:t>2. La hauteur de marche :								…./1</a:t>
-            </a:r>
-          </a:p>
-          <a:p>
-            <a:r>
-              <a:rPr lang="fr-FR" sz="1143" b="1" dirty="0"/>
-              <a:t>………………………………………………………………………………………………………………………….</a:t>
-            </a:r>
-          </a:p>
-          <a:p>
-            <a:endParaRPr lang="fr-FR" sz="1143" b="1" dirty="0"/>
-          </a:p>
-          <a:p>
-            <a:r>
-              <a:rPr lang="fr-FR" sz="1143" b="1" dirty="0"/>
-              <a:t>………………………………………………………………………………………………………………………….</a:t>
-            </a:r>
-          </a:p>
-          <a:p>
-            <a:endParaRPr lang="fr-FR" sz="1143" b="1" dirty="0"/>
-          </a:p>
-          <a:p>
-            <a:r>
-              <a:rPr lang="fr-FR" sz="1143" b="1" dirty="0"/>
-              <a:t>3. La foulée :										…./2</a:t>
-            </a:r>
-          </a:p>
-          <a:p>
-            <a:r>
-              <a:rPr lang="fr-FR" sz="1143" b="1" dirty="0"/>
-              <a:t>………………………………………………………………………………………………………………………….</a:t>
-            </a:r>
-          </a:p>
-          <a:p>
-            <a:endParaRPr lang="fr-FR" sz="1143" b="1" dirty="0"/>
-          </a:p>
-          <a:p>
-            <a:r>
-              <a:rPr lang="fr-FR" sz="1143" b="1" dirty="0"/>
-              <a:t>………………………………………………………………………………………………………………………….</a:t>
-            </a:r>
-          </a:p>
-          <a:p>
-            <a:r>
-              <a:rPr lang="fr-FR" sz="1143" b="1" dirty="0"/>
-              <a:t>4. Le giron :										…./2</a:t>
-            </a:r>
-          </a:p>
-          <a:p>
-            <a:r>
-              <a:rPr lang="fr-FR" sz="1143" b="1" dirty="0"/>
-              <a:t>………………………………………………………………………………………………………………………….</a:t>
-            </a:r>
-          </a:p>
-          <a:p>
-            <a:endParaRPr lang="fr-FR" sz="1143" b="1" dirty="0"/>
-          </a:p>
-          <a:p>
-            <a:r>
-              <a:rPr lang="fr-FR" sz="1143" b="1" dirty="0"/>
-              <a:t>………………………………………………………………………………………………………………………….</a:t>
-            </a:r>
-          </a:p>
-          <a:p>
-            <a:endParaRPr lang="fr-FR" sz="1143" b="1" dirty="0"/>
-          </a:p>
-          <a:p>
-            <a:r>
-              <a:rPr lang="fr-FR" sz="1143" b="1" dirty="0"/>
-              <a:t>5</a:t>
-            </a:r>
-            <a:r>
-              <a:rPr lang="fr-FR" sz="1143" b="1"/>
-              <a:t>. </a:t>
-            </a:r>
-            <a:r>
-              <a:rPr lang="fr-FR" sz="1143" b="1" dirty="0"/>
-              <a:t>La formule de blondel :								…./1</a:t>
-            </a:r>
-          </a:p>
-          <a:p>
-            <a:r>
-              <a:rPr lang="fr-FR" sz="1143" b="1" dirty="0"/>
-              <a:t>………………………………………………………………………………………………………………………….</a:t>
-            </a:r>
-          </a:p>
-          <a:p>
-            <a:endParaRPr lang="fr-FR" sz="1143" b="1" dirty="0"/>
-          </a:p>
-          <a:p>
-            <a:r>
-              <a:rPr lang="fr-FR" sz="1143" b="1" dirty="0"/>
-              <a:t>………………………………………………………………………………………………………………………….</a:t>
-            </a:r>
           </a:p>
         </p:txBody>
       </p:sp>
@@ -7038,7 +4201,7 @@
             </a:r>
             <a:r>
               <a:rPr lang="fr-BE" sz="1143" dirty="0"/>
-              <a:t>÷ résultat précédent (nombre de marches)</a:t>
+              <a:t>÷ résultat précédent sans la virgule (nombre de marches)</a:t>
             </a:r>
           </a:p>
           <a:p>
@@ -7151,7 +4314,7 @@
 </p:sld>
 </file>
 
-<file path=ppt/slides/slide7.xml><?xml version="1.0" encoding="utf-8"?>
+<file path=ppt/slides/slide3.xml><?xml version="1.0" encoding="utf-8"?>
 <p:sld xmlns:a="http://schemas.openxmlformats.org/drawingml/2006/main" xmlns:r="http://schemas.openxmlformats.org/officeDocument/2006/relationships" xmlns:p="http://schemas.openxmlformats.org/presentationml/2006/main">
   <p:cSld>
     <p:spTree>
